--- a/Umami_YYDS/Paper及endnote/Final Figure/附图S5.pptx
+++ b/Umami_YYDS/Paper及endnote/Final Figure/附图S5.pptx
@@ -6,8 +6,9 @@
   </p:sldMasterIdLst>
   <p:sldIdLst>
     <p:sldId id="260" r:id="rId2"/>
-    <p:sldId id="262" r:id="rId3"/>
-    <p:sldId id="261" r:id="rId4"/>
+    <p:sldId id="263" r:id="rId3"/>
+    <p:sldId id="262" r:id="rId4"/>
+    <p:sldId id="261" r:id="rId5"/>
   </p:sldIdLst>
   <p:sldSz cx="12801600" cy="9601200" type="A3"/>
   <p:notesSz cx="6858000" cy="9144000"/>
@@ -256,7 +257,7 @@
           <a:p>
             <a:fld id="{AD520B97-9086-4087-8872-4765B7BE18FD}" type="datetimeFigureOut">
               <a:rPr lang="zh-CN" altLang="en-US" smtClean="0"/>
-              <a:t>2021/12/21</a:t>
+              <a:t>2022/1/29</a:t>
             </a:fld>
             <a:endParaRPr lang="zh-CN" altLang="en-US"/>
           </a:p>
@@ -426,7 +427,7 @@
           <a:p>
             <a:fld id="{AD520B97-9086-4087-8872-4765B7BE18FD}" type="datetimeFigureOut">
               <a:rPr lang="zh-CN" altLang="en-US" smtClean="0"/>
-              <a:t>2021/12/21</a:t>
+              <a:t>2022/1/29</a:t>
             </a:fld>
             <a:endParaRPr lang="zh-CN" altLang="en-US"/>
           </a:p>
@@ -606,7 +607,7 @@
           <a:p>
             <a:fld id="{AD520B97-9086-4087-8872-4765B7BE18FD}" type="datetimeFigureOut">
               <a:rPr lang="zh-CN" altLang="en-US" smtClean="0"/>
-              <a:t>2021/12/21</a:t>
+              <a:t>2022/1/29</a:t>
             </a:fld>
             <a:endParaRPr lang="zh-CN" altLang="en-US"/>
           </a:p>
@@ -776,7 +777,7 @@
           <a:p>
             <a:fld id="{AD520B97-9086-4087-8872-4765B7BE18FD}" type="datetimeFigureOut">
               <a:rPr lang="zh-CN" altLang="en-US" smtClean="0"/>
-              <a:t>2021/12/21</a:t>
+              <a:t>2022/1/29</a:t>
             </a:fld>
             <a:endParaRPr lang="zh-CN" altLang="en-US"/>
           </a:p>
@@ -1020,7 +1021,7 @@
           <a:p>
             <a:fld id="{AD520B97-9086-4087-8872-4765B7BE18FD}" type="datetimeFigureOut">
               <a:rPr lang="zh-CN" altLang="en-US" smtClean="0"/>
-              <a:t>2021/12/21</a:t>
+              <a:t>2022/1/29</a:t>
             </a:fld>
             <a:endParaRPr lang="zh-CN" altLang="en-US"/>
           </a:p>
@@ -1252,7 +1253,7 @@
           <a:p>
             <a:fld id="{AD520B97-9086-4087-8872-4765B7BE18FD}" type="datetimeFigureOut">
               <a:rPr lang="zh-CN" altLang="en-US" smtClean="0"/>
-              <a:t>2021/12/21</a:t>
+              <a:t>2022/1/29</a:t>
             </a:fld>
             <a:endParaRPr lang="zh-CN" altLang="en-US"/>
           </a:p>
@@ -1619,7 +1620,7 @@
           <a:p>
             <a:fld id="{AD520B97-9086-4087-8872-4765B7BE18FD}" type="datetimeFigureOut">
               <a:rPr lang="zh-CN" altLang="en-US" smtClean="0"/>
-              <a:t>2021/12/21</a:t>
+              <a:t>2022/1/29</a:t>
             </a:fld>
             <a:endParaRPr lang="zh-CN" altLang="en-US"/>
           </a:p>
@@ -1737,7 +1738,7 @@
           <a:p>
             <a:fld id="{AD520B97-9086-4087-8872-4765B7BE18FD}" type="datetimeFigureOut">
               <a:rPr lang="zh-CN" altLang="en-US" smtClean="0"/>
-              <a:t>2021/12/21</a:t>
+              <a:t>2022/1/29</a:t>
             </a:fld>
             <a:endParaRPr lang="zh-CN" altLang="en-US"/>
           </a:p>
@@ -1832,7 +1833,7 @@
           <a:p>
             <a:fld id="{AD520B97-9086-4087-8872-4765B7BE18FD}" type="datetimeFigureOut">
               <a:rPr lang="zh-CN" altLang="en-US" smtClean="0"/>
-              <a:t>2021/12/21</a:t>
+              <a:t>2022/1/29</a:t>
             </a:fld>
             <a:endParaRPr lang="zh-CN" altLang="en-US"/>
           </a:p>
@@ -2109,7 +2110,7 @@
           <a:p>
             <a:fld id="{AD520B97-9086-4087-8872-4765B7BE18FD}" type="datetimeFigureOut">
               <a:rPr lang="zh-CN" altLang="en-US" smtClean="0"/>
-              <a:t>2021/12/21</a:t>
+              <a:t>2022/1/29</a:t>
             </a:fld>
             <a:endParaRPr lang="zh-CN" altLang="en-US"/>
           </a:p>
@@ -2366,7 +2367,7 @@
           <a:p>
             <a:fld id="{AD520B97-9086-4087-8872-4765B7BE18FD}" type="datetimeFigureOut">
               <a:rPr lang="zh-CN" altLang="en-US" smtClean="0"/>
-              <a:t>2021/12/21</a:t>
+              <a:t>2022/1/29</a:t>
             </a:fld>
             <a:endParaRPr lang="zh-CN" altLang="en-US"/>
           </a:p>
@@ -2579,7 +2580,7 @@
           <a:p>
             <a:fld id="{AD520B97-9086-4087-8872-4765B7BE18FD}" type="datetimeFigureOut">
               <a:rPr lang="zh-CN" altLang="en-US" smtClean="0"/>
-              <a:t>2021/12/21</a:t>
+              <a:t>2022/1/29</a:t>
             </a:fld>
             <a:endParaRPr lang="zh-CN" altLang="en-US"/>
           </a:p>
@@ -2986,10 +2987,10 @@
       </p:grpSpPr>
       <p:grpSp>
         <p:nvGrpSpPr>
-          <p:cNvPr id="150" name="组合 149">
+          <p:cNvPr id="10" name="组合 9">
             <a:extLst>
               <a:ext uri="{FF2B5EF4-FFF2-40B4-BE49-F238E27FC236}">
-                <a16:creationId xmlns:a16="http://schemas.microsoft.com/office/drawing/2014/main" id="{C14869AC-1385-4461-A4D4-DA5224869FD9}"/>
+                <a16:creationId xmlns:a16="http://schemas.microsoft.com/office/drawing/2014/main" id="{18A407DA-BFEE-4ACB-9828-DC1321DFF8DB}"/>
               </a:ext>
             </a:extLst>
           </p:cNvPr>
@@ -2999,9 +3000,9 @@
         <p:grpSpPr>
           <a:xfrm>
             <a:off x="14068" y="180417"/>
-            <a:ext cx="12796115" cy="9104580"/>
+            <a:ext cx="12796115" cy="9304612"/>
             <a:chOff x="14068" y="180417"/>
-            <a:chExt cx="12796115" cy="9104580"/>
+            <a:chExt cx="12796115" cy="9304612"/>
           </a:xfrm>
         </p:grpSpPr>
         <p:pic>
@@ -3125,7 +3126,7 @@
           </p:nvSpPr>
           <p:spPr>
             <a:xfrm>
-              <a:off x="137176" y="180417"/>
+              <a:off x="170401" y="180417"/>
               <a:ext cx="407484" cy="461665"/>
             </a:xfrm>
             <a:prstGeom prst="rect">
@@ -3167,7 +3168,7 @@
           </p:nvSpPr>
           <p:spPr>
             <a:xfrm>
-              <a:off x="6429238" y="181247"/>
+              <a:off x="6442668" y="181247"/>
               <a:ext cx="389850" cy="461665"/>
             </a:xfrm>
             <a:prstGeom prst="rect">
@@ -5081,7 +5082,7 @@
           </p:nvSpPr>
           <p:spPr>
             <a:xfrm>
-              <a:off x="142040" y="3301895"/>
+              <a:off x="179218" y="3332520"/>
               <a:ext cx="389850" cy="461665"/>
             </a:xfrm>
             <a:prstGeom prst="rect">
@@ -6658,49 +6659,12 @@
             </p:txBody>
           </p:sp>
         </p:grpSp>
-        <p:pic>
-          <p:nvPicPr>
-            <p:cNvPr id="126" name="图片 125" descr="图片包含 图形用户界面&#10;&#10;描述已自动生成">
+        <p:grpSp>
+          <p:nvGrpSpPr>
+            <p:cNvPr id="5" name="组合 4">
               <a:extLst>
                 <a:ext uri="{FF2B5EF4-FFF2-40B4-BE49-F238E27FC236}">
-                  <a16:creationId xmlns:a16="http://schemas.microsoft.com/office/drawing/2014/main" id="{53384CD6-3A3D-4CF1-9D6E-27AB3BD60DD7}"/>
-                </a:ext>
-              </a:extLst>
-            </p:cNvPr>
-            <p:cNvPicPr/>
-            <p:nvPr/>
-          </p:nvPicPr>
-          <p:blipFill rotWithShape="1">
-            <a:blip r:embed="rId7">
-              <a:extLst>
-                <a:ext uri="{28A0092B-C50C-407E-A947-70E740481C1C}">
-                  <a14:useLocalDpi xmlns:a14="http://schemas.microsoft.com/office/drawing/2010/main" val="0"/>
-                </a:ext>
-              </a:extLst>
-            </a:blip>
-            <a:srcRect l="5621" t="25038" r="5002" b="6231"/>
-            <a:stretch/>
-          </p:blipFill>
-          <p:spPr bwMode="auto">
-            <a:xfrm>
-              <a:off x="530070" y="6583877"/>
-              <a:ext cx="5528763" cy="2470288"/>
-            </a:xfrm>
-            <a:prstGeom prst="rect">
-              <a:avLst/>
-            </a:prstGeom>
-            <a:noFill/>
-            <a:ln>
-              <a:noFill/>
-            </a:ln>
-          </p:spPr>
-        </p:pic>
-        <p:grpSp>
-          <p:nvGrpSpPr>
-            <p:cNvPr id="127" name="组合 126">
-              <a:extLst>
-                <a:ext uri="{FF2B5EF4-FFF2-40B4-BE49-F238E27FC236}">
-                  <a16:creationId xmlns:a16="http://schemas.microsoft.com/office/drawing/2014/main" id="{F20A035A-6A24-40B8-AC9C-5C84D76D62ED}"/>
+                  <a16:creationId xmlns:a16="http://schemas.microsoft.com/office/drawing/2014/main" id="{41DBDAE0-1855-4AE9-A175-DB8D05AE8039}"/>
                 </a:ext>
               </a:extLst>
             </p:cNvPr>
@@ -6709,7 +6673,1255 @@
           </p:nvGrpSpPr>
           <p:grpSpPr>
             <a:xfrm>
-              <a:off x="362486" y="9054165"/>
+              <a:off x="228219" y="6783909"/>
+              <a:ext cx="6193882" cy="2701120"/>
+              <a:chOff x="228219" y="6583877"/>
+              <a:chExt cx="6193882" cy="2701120"/>
+            </a:xfrm>
+          </p:grpSpPr>
+          <p:pic>
+            <p:nvPicPr>
+              <p:cNvPr id="126" name="图片 125" descr="图片包含 图形用户界面&#10;&#10;描述已自动生成">
+                <a:extLst>
+                  <a:ext uri="{FF2B5EF4-FFF2-40B4-BE49-F238E27FC236}">
+                    <a16:creationId xmlns:a16="http://schemas.microsoft.com/office/drawing/2014/main" id="{53384CD6-3A3D-4CF1-9D6E-27AB3BD60DD7}"/>
+                  </a:ext>
+                </a:extLst>
+              </p:cNvPr>
+              <p:cNvPicPr/>
+              <p:nvPr/>
+            </p:nvPicPr>
+            <p:blipFill rotWithShape="1">
+              <a:blip r:embed="rId7">
+                <a:extLst>
+                  <a:ext uri="{28A0092B-C50C-407E-A947-70E740481C1C}">
+                    <a14:useLocalDpi xmlns:a14="http://schemas.microsoft.com/office/drawing/2010/main" val="0"/>
+                  </a:ext>
+                </a:extLst>
+              </a:blip>
+              <a:srcRect l="5621" t="25038" r="5002" b="6231"/>
+              <a:stretch/>
+            </p:blipFill>
+            <p:spPr bwMode="auto">
+              <a:xfrm>
+                <a:off x="530070" y="6583877"/>
+                <a:ext cx="5528763" cy="2470288"/>
+              </a:xfrm>
+              <a:prstGeom prst="rect">
+                <a:avLst/>
+              </a:prstGeom>
+              <a:noFill/>
+              <a:ln>
+                <a:noFill/>
+              </a:ln>
+            </p:spPr>
+          </p:pic>
+          <p:grpSp>
+            <p:nvGrpSpPr>
+              <p:cNvPr id="127" name="组合 126">
+                <a:extLst>
+                  <a:ext uri="{FF2B5EF4-FFF2-40B4-BE49-F238E27FC236}">
+                    <a16:creationId xmlns:a16="http://schemas.microsoft.com/office/drawing/2014/main" id="{F20A035A-6A24-40B8-AC9C-5C84D76D62ED}"/>
+                  </a:ext>
+                </a:extLst>
+              </p:cNvPr>
+              <p:cNvGrpSpPr/>
+              <p:nvPr/>
+            </p:nvGrpSpPr>
+            <p:grpSpPr>
+              <a:xfrm>
+                <a:off x="362486" y="9054165"/>
+                <a:ext cx="5800238" cy="230832"/>
+                <a:chOff x="367974" y="3135422"/>
+                <a:chExt cx="5800238" cy="230832"/>
+              </a:xfrm>
+            </p:grpSpPr>
+            <p:sp>
+              <p:nvSpPr>
+                <p:cNvPr id="128" name="文本框 127">
+                  <a:extLst>
+                    <a:ext uri="{FF2B5EF4-FFF2-40B4-BE49-F238E27FC236}">
+                      <a16:creationId xmlns:a16="http://schemas.microsoft.com/office/drawing/2014/main" id="{BDFD1141-36C4-4E1D-8E56-602BB2EA785A}"/>
+                    </a:ext>
+                  </a:extLst>
+                </p:cNvPr>
+                <p:cNvSpPr txBox="1"/>
+                <p:nvPr/>
+              </p:nvSpPr>
+              <p:spPr>
+                <a:xfrm>
+                  <a:off x="367974" y="3135422"/>
+                  <a:ext cx="771365" cy="230832"/>
+                </a:xfrm>
+                <a:prstGeom prst="rect">
+                  <a:avLst/>
+                </a:prstGeom>
+                <a:noFill/>
+              </p:spPr>
+              <p:txBody>
+                <a:bodyPr wrap="square" rtlCol="0">
+                  <a:spAutoFit/>
+                </a:bodyPr>
+                <a:lstStyle/>
+                <a:p>
+                  <a:r>
+                    <a:rPr lang="en-US" altLang="zh-CN" sz="900" b="1" dirty="0">
+                      <a:latin typeface="Times New Roman" panose="02020603050405020304" pitchFamily="18" charset="0"/>
+                      <a:cs typeface="Times New Roman" panose="02020603050405020304" pitchFamily="18" charset="0"/>
+                    </a:rPr>
+                    <a:t>[-2.74, -1.30)</a:t>
+                  </a:r>
+                  <a:endParaRPr lang="zh-CN" altLang="en-US" sz="900" b="1" dirty="0">
+                    <a:latin typeface="Times New Roman" panose="02020603050405020304" pitchFamily="18" charset="0"/>
+                    <a:cs typeface="Times New Roman" panose="02020603050405020304" pitchFamily="18" charset="0"/>
+                  </a:endParaRPr>
+                </a:p>
+              </p:txBody>
+            </p:sp>
+            <p:sp>
+              <p:nvSpPr>
+                <p:cNvPr id="129" name="文本框 128">
+                  <a:extLst>
+                    <a:ext uri="{FF2B5EF4-FFF2-40B4-BE49-F238E27FC236}">
+                      <a16:creationId xmlns:a16="http://schemas.microsoft.com/office/drawing/2014/main" id="{733A8664-68AB-4898-9A21-BDC2F18C12A6}"/>
+                    </a:ext>
+                  </a:extLst>
+                </p:cNvPr>
+                <p:cNvSpPr txBox="1"/>
+                <p:nvPr/>
+              </p:nvSpPr>
+              <p:spPr>
+                <a:xfrm>
+                  <a:off x="989732" y="3135422"/>
+                  <a:ext cx="800219" cy="230832"/>
+                </a:xfrm>
+                <a:prstGeom prst="rect">
+                  <a:avLst/>
+                </a:prstGeom>
+                <a:noFill/>
+              </p:spPr>
+              <p:txBody>
+                <a:bodyPr wrap="none" rtlCol="0">
+                  <a:spAutoFit/>
+                </a:bodyPr>
+                <a:lstStyle/>
+                <a:p>
+                  <a:r>
+                    <a:rPr lang="en-US" altLang="zh-CN" sz="900" b="1" dirty="0">
+                      <a:latin typeface="Times New Roman" panose="02020603050405020304" pitchFamily="18" charset="0"/>
+                      <a:cs typeface="Times New Roman" panose="02020603050405020304" pitchFamily="18" charset="0"/>
+                    </a:rPr>
+                    <a:t>[-1.30, -0.53)</a:t>
+                  </a:r>
+                  <a:endParaRPr lang="zh-CN" altLang="en-US" sz="900" b="1" dirty="0">
+                    <a:latin typeface="Times New Roman" panose="02020603050405020304" pitchFamily="18" charset="0"/>
+                    <a:cs typeface="Times New Roman" panose="02020603050405020304" pitchFamily="18" charset="0"/>
+                  </a:endParaRPr>
+                </a:p>
+              </p:txBody>
+            </p:sp>
+            <p:sp>
+              <p:nvSpPr>
+                <p:cNvPr id="130" name="文本框 129">
+                  <a:extLst>
+                    <a:ext uri="{FF2B5EF4-FFF2-40B4-BE49-F238E27FC236}">
+                      <a16:creationId xmlns:a16="http://schemas.microsoft.com/office/drawing/2014/main" id="{D65477BD-325D-4BCD-8D06-24946C8F2F87}"/>
+                    </a:ext>
+                  </a:extLst>
+                </p:cNvPr>
+                <p:cNvSpPr txBox="1"/>
+                <p:nvPr/>
+              </p:nvSpPr>
+              <p:spPr>
+                <a:xfrm>
+                  <a:off x="2262381" y="3135422"/>
+                  <a:ext cx="761747" cy="230832"/>
+                </a:xfrm>
+                <a:prstGeom prst="rect">
+                  <a:avLst/>
+                </a:prstGeom>
+                <a:noFill/>
+              </p:spPr>
+              <p:txBody>
+                <a:bodyPr wrap="none" rtlCol="0">
+                  <a:spAutoFit/>
+                </a:bodyPr>
+                <a:lstStyle/>
+                <a:p>
+                  <a:r>
+                    <a:rPr lang="en-US" altLang="zh-CN" sz="900" b="1" dirty="0">
+                      <a:latin typeface="Times New Roman" panose="02020603050405020304" pitchFamily="18" charset="0"/>
+                      <a:cs typeface="Times New Roman" panose="02020603050405020304" pitchFamily="18" charset="0"/>
+                    </a:rPr>
+                    <a:t>[-0.23, 0.22)</a:t>
+                  </a:r>
+                  <a:endParaRPr lang="zh-CN" altLang="en-US" sz="900" b="1" dirty="0">
+                    <a:latin typeface="Times New Roman" panose="02020603050405020304" pitchFamily="18" charset="0"/>
+                    <a:cs typeface="Times New Roman" panose="02020603050405020304" pitchFamily="18" charset="0"/>
+                  </a:endParaRPr>
+                </a:p>
+              </p:txBody>
+            </p:sp>
+            <p:sp>
+              <p:nvSpPr>
+                <p:cNvPr id="131" name="文本框 130">
+                  <a:extLst>
+                    <a:ext uri="{FF2B5EF4-FFF2-40B4-BE49-F238E27FC236}">
+                      <a16:creationId xmlns:a16="http://schemas.microsoft.com/office/drawing/2014/main" id="{BC96047E-86DE-4519-ABDD-27071CAF397A}"/>
+                    </a:ext>
+                  </a:extLst>
+                </p:cNvPr>
+                <p:cNvSpPr txBox="1"/>
+                <p:nvPr/>
+              </p:nvSpPr>
+              <p:spPr>
+                <a:xfrm>
+                  <a:off x="1611769" y="3135422"/>
+                  <a:ext cx="800219" cy="230832"/>
+                </a:xfrm>
+                <a:prstGeom prst="rect">
+                  <a:avLst/>
+                </a:prstGeom>
+                <a:noFill/>
+              </p:spPr>
+              <p:txBody>
+                <a:bodyPr wrap="none" rtlCol="0">
+                  <a:spAutoFit/>
+                </a:bodyPr>
+                <a:lstStyle/>
+                <a:p>
+                  <a:r>
+                    <a:rPr lang="en-US" altLang="zh-CN" sz="900" b="1" dirty="0">
+                      <a:latin typeface="Times New Roman" panose="02020603050405020304" pitchFamily="18" charset="0"/>
+                      <a:cs typeface="Times New Roman" panose="02020603050405020304" pitchFamily="18" charset="0"/>
+                    </a:rPr>
+                    <a:t>[-0.53, -0.23)</a:t>
+                  </a:r>
+                  <a:endParaRPr lang="zh-CN" altLang="en-US" sz="900" b="1" dirty="0">
+                    <a:latin typeface="Times New Roman" panose="02020603050405020304" pitchFamily="18" charset="0"/>
+                    <a:cs typeface="Times New Roman" panose="02020603050405020304" pitchFamily="18" charset="0"/>
+                  </a:endParaRPr>
+                </a:p>
+              </p:txBody>
+            </p:sp>
+            <p:sp>
+              <p:nvSpPr>
+                <p:cNvPr id="132" name="文本框 131">
+                  <a:extLst>
+                    <a:ext uri="{FF2B5EF4-FFF2-40B4-BE49-F238E27FC236}">
+                      <a16:creationId xmlns:a16="http://schemas.microsoft.com/office/drawing/2014/main" id="{0281211E-9F07-4AE2-B548-69A6D537DAA6}"/>
+                    </a:ext>
+                  </a:extLst>
+                </p:cNvPr>
+                <p:cNvSpPr txBox="1"/>
+                <p:nvPr/>
+              </p:nvSpPr>
+              <p:spPr>
+                <a:xfrm>
+                  <a:off x="2884418" y="3135422"/>
+                  <a:ext cx="723275" cy="230832"/>
+                </a:xfrm>
+                <a:prstGeom prst="rect">
+                  <a:avLst/>
+                </a:prstGeom>
+                <a:noFill/>
+              </p:spPr>
+              <p:txBody>
+                <a:bodyPr wrap="none" rtlCol="0">
+                  <a:spAutoFit/>
+                </a:bodyPr>
+                <a:lstStyle/>
+                <a:p>
+                  <a:r>
+                    <a:rPr lang="en-US" altLang="zh-CN" sz="900" b="1" dirty="0">
+                      <a:latin typeface="Times New Roman" panose="02020603050405020304" pitchFamily="18" charset="0"/>
+                      <a:cs typeface="Times New Roman" panose="02020603050405020304" pitchFamily="18" charset="0"/>
+                    </a:rPr>
+                    <a:t>[0.22, 0.53)</a:t>
+                  </a:r>
+                  <a:endParaRPr lang="zh-CN" altLang="en-US" sz="900" b="1" dirty="0">
+                    <a:latin typeface="Times New Roman" panose="02020603050405020304" pitchFamily="18" charset="0"/>
+                    <a:cs typeface="Times New Roman" panose="02020603050405020304" pitchFamily="18" charset="0"/>
+                  </a:endParaRPr>
+                </a:p>
+              </p:txBody>
+            </p:sp>
+            <p:sp>
+              <p:nvSpPr>
+                <p:cNvPr id="133" name="文本框 132">
+                  <a:extLst>
+                    <a:ext uri="{FF2B5EF4-FFF2-40B4-BE49-F238E27FC236}">
+                      <a16:creationId xmlns:a16="http://schemas.microsoft.com/office/drawing/2014/main" id="{8639E931-DD4E-4DA4-9CA9-A1DB3AEC1461}"/>
+                    </a:ext>
+                  </a:extLst>
+                </p:cNvPr>
+                <p:cNvSpPr txBox="1"/>
+                <p:nvPr/>
+              </p:nvSpPr>
+              <p:spPr>
+                <a:xfrm>
+                  <a:off x="3515980" y="3135422"/>
+                  <a:ext cx="723275" cy="230832"/>
+                </a:xfrm>
+                <a:prstGeom prst="rect">
+                  <a:avLst/>
+                </a:prstGeom>
+                <a:noFill/>
+              </p:spPr>
+              <p:txBody>
+                <a:bodyPr wrap="none" rtlCol="0">
+                  <a:spAutoFit/>
+                </a:bodyPr>
+                <a:lstStyle/>
+                <a:p>
+                  <a:r>
+                    <a:rPr lang="en-US" altLang="zh-CN" sz="900" b="1" dirty="0">
+                      <a:latin typeface="Times New Roman" panose="02020603050405020304" pitchFamily="18" charset="0"/>
+                      <a:cs typeface="Times New Roman" panose="02020603050405020304" pitchFamily="18" charset="0"/>
+                    </a:rPr>
+                    <a:t>[0.53, 0.97)</a:t>
+                  </a:r>
+                  <a:endParaRPr lang="zh-CN" altLang="en-US" sz="900" b="1" dirty="0">
+                    <a:latin typeface="Times New Roman" panose="02020603050405020304" pitchFamily="18" charset="0"/>
+                    <a:cs typeface="Times New Roman" panose="02020603050405020304" pitchFamily="18" charset="0"/>
+                  </a:endParaRPr>
+                </a:p>
+              </p:txBody>
+            </p:sp>
+            <p:sp>
+              <p:nvSpPr>
+                <p:cNvPr id="134" name="文本框 133">
+                  <a:extLst>
+                    <a:ext uri="{FF2B5EF4-FFF2-40B4-BE49-F238E27FC236}">
+                      <a16:creationId xmlns:a16="http://schemas.microsoft.com/office/drawing/2014/main" id="{BFDC6A74-EAB8-4859-B5FC-290AEE89C227}"/>
+                    </a:ext>
+                  </a:extLst>
+                </p:cNvPr>
+                <p:cNvSpPr txBox="1"/>
+                <p:nvPr/>
+              </p:nvSpPr>
+              <p:spPr>
+                <a:xfrm>
+                  <a:off x="4147542" y="3135422"/>
+                  <a:ext cx="723275" cy="230832"/>
+                </a:xfrm>
+                <a:prstGeom prst="rect">
+                  <a:avLst/>
+                </a:prstGeom>
+                <a:noFill/>
+              </p:spPr>
+              <p:txBody>
+                <a:bodyPr wrap="none" rtlCol="0">
+                  <a:spAutoFit/>
+                </a:bodyPr>
+                <a:lstStyle/>
+                <a:p>
+                  <a:r>
+                    <a:rPr lang="en-US" altLang="zh-CN" sz="900" b="1" dirty="0">
+                      <a:latin typeface="Times New Roman" panose="02020603050405020304" pitchFamily="18" charset="0"/>
+                      <a:cs typeface="Times New Roman" panose="02020603050405020304" pitchFamily="18" charset="0"/>
+                    </a:rPr>
+                    <a:t>[0.97, 1.39)</a:t>
+                  </a:r>
+                  <a:endParaRPr lang="zh-CN" altLang="en-US" sz="900" b="1" dirty="0">
+                    <a:latin typeface="Times New Roman" panose="02020603050405020304" pitchFamily="18" charset="0"/>
+                    <a:cs typeface="Times New Roman" panose="02020603050405020304" pitchFamily="18" charset="0"/>
+                  </a:endParaRPr>
+                </a:p>
+              </p:txBody>
+            </p:sp>
+            <p:sp>
+              <p:nvSpPr>
+                <p:cNvPr id="135" name="文本框 134">
+                  <a:extLst>
+                    <a:ext uri="{FF2B5EF4-FFF2-40B4-BE49-F238E27FC236}">
+                      <a16:creationId xmlns:a16="http://schemas.microsoft.com/office/drawing/2014/main" id="{E2778B7E-4CAF-4C71-878A-002FEC05AE7E}"/>
+                    </a:ext>
+                  </a:extLst>
+                </p:cNvPr>
+                <p:cNvSpPr txBox="1"/>
+                <p:nvPr/>
+              </p:nvSpPr>
+              <p:spPr>
+                <a:xfrm>
+                  <a:off x="4798154" y="3135422"/>
+                  <a:ext cx="723275" cy="230832"/>
+                </a:xfrm>
+                <a:prstGeom prst="rect">
+                  <a:avLst/>
+                </a:prstGeom>
+                <a:noFill/>
+              </p:spPr>
+              <p:txBody>
+                <a:bodyPr wrap="none" rtlCol="0">
+                  <a:spAutoFit/>
+                </a:bodyPr>
+                <a:lstStyle/>
+                <a:p>
+                  <a:r>
+                    <a:rPr lang="en-US" altLang="zh-CN" sz="900" b="1" dirty="0">
+                      <a:latin typeface="Times New Roman" panose="02020603050405020304" pitchFamily="18" charset="0"/>
+                      <a:cs typeface="Times New Roman" panose="02020603050405020304" pitchFamily="18" charset="0"/>
+                    </a:rPr>
+                    <a:t>[1.39, 2.28)</a:t>
+                  </a:r>
+                  <a:endParaRPr lang="zh-CN" altLang="en-US" sz="900" b="1" dirty="0">
+                    <a:latin typeface="Times New Roman" panose="02020603050405020304" pitchFamily="18" charset="0"/>
+                    <a:cs typeface="Times New Roman" panose="02020603050405020304" pitchFamily="18" charset="0"/>
+                  </a:endParaRPr>
+                </a:p>
+              </p:txBody>
+            </p:sp>
+            <p:sp>
+              <p:nvSpPr>
+                <p:cNvPr id="136" name="文本框 135">
+                  <a:extLst>
+                    <a:ext uri="{FF2B5EF4-FFF2-40B4-BE49-F238E27FC236}">
+                      <a16:creationId xmlns:a16="http://schemas.microsoft.com/office/drawing/2014/main" id="{7A800CAF-71AD-474D-BACC-7F2DCB84781E}"/>
+                    </a:ext>
+                  </a:extLst>
+                </p:cNvPr>
+                <p:cNvSpPr txBox="1"/>
+                <p:nvPr/>
+              </p:nvSpPr>
+              <p:spPr>
+                <a:xfrm>
+                  <a:off x="5444937" y="3135422"/>
+                  <a:ext cx="723275" cy="230832"/>
+                </a:xfrm>
+                <a:prstGeom prst="rect">
+                  <a:avLst/>
+                </a:prstGeom>
+                <a:noFill/>
+              </p:spPr>
+              <p:txBody>
+                <a:bodyPr wrap="none" rtlCol="0">
+                  <a:spAutoFit/>
+                </a:bodyPr>
+                <a:lstStyle/>
+                <a:p>
+                  <a:r>
+                    <a:rPr lang="en-US" altLang="zh-CN" sz="900" b="1" dirty="0">
+                      <a:latin typeface="Times New Roman" panose="02020603050405020304" pitchFamily="18" charset="0"/>
+                      <a:cs typeface="Times New Roman" panose="02020603050405020304" pitchFamily="18" charset="0"/>
+                    </a:rPr>
+                    <a:t>[2.28, 4.94)</a:t>
+                  </a:r>
+                  <a:endParaRPr lang="zh-CN" altLang="en-US" sz="900" b="1" dirty="0">
+                    <a:latin typeface="Times New Roman" panose="02020603050405020304" pitchFamily="18" charset="0"/>
+                    <a:cs typeface="Times New Roman" panose="02020603050405020304" pitchFamily="18" charset="0"/>
+                  </a:endParaRPr>
+                </a:p>
+              </p:txBody>
+            </p:sp>
+          </p:grpSp>
+          <p:grpSp>
+            <p:nvGrpSpPr>
+              <p:cNvPr id="137" name="组合 136">
+                <a:extLst>
+                  <a:ext uri="{FF2B5EF4-FFF2-40B4-BE49-F238E27FC236}">
+                    <a16:creationId xmlns:a16="http://schemas.microsoft.com/office/drawing/2014/main" id="{550C0B29-5EB3-459B-AB24-6EB3FBF1B732}"/>
+                  </a:ext>
+                </a:extLst>
+              </p:cNvPr>
+              <p:cNvGrpSpPr/>
+              <p:nvPr/>
+            </p:nvGrpSpPr>
+            <p:grpSpPr>
+              <a:xfrm>
+                <a:off x="5998393" y="6752003"/>
+                <a:ext cx="423708" cy="1946734"/>
+                <a:chOff x="6197292" y="950994"/>
+                <a:chExt cx="423708" cy="1946734"/>
+              </a:xfrm>
+            </p:grpSpPr>
+            <p:sp>
+              <p:nvSpPr>
+                <p:cNvPr id="138" name="文本框 137">
+                  <a:extLst>
+                    <a:ext uri="{FF2B5EF4-FFF2-40B4-BE49-F238E27FC236}">
+                      <a16:creationId xmlns:a16="http://schemas.microsoft.com/office/drawing/2014/main" id="{C522DE81-E731-4CB8-B947-A04E669F2FAA}"/>
+                    </a:ext>
+                  </a:extLst>
+                </p:cNvPr>
+                <p:cNvSpPr txBox="1"/>
+                <p:nvPr/>
+              </p:nvSpPr>
+              <p:spPr>
+                <a:xfrm>
+                  <a:off x="6214222" y="2666896"/>
+                  <a:ext cx="389849" cy="230832"/>
+                </a:xfrm>
+                <a:prstGeom prst="rect">
+                  <a:avLst/>
+                </a:prstGeom>
+                <a:noFill/>
+              </p:spPr>
+              <p:txBody>
+                <a:bodyPr wrap="square" rtlCol="0">
+                  <a:spAutoFit/>
+                </a:bodyPr>
+                <a:lstStyle/>
+                <a:p>
+                  <a:r>
+                    <a:rPr lang="en-US" altLang="zh-CN" sz="900" b="1" dirty="0">
+                      <a:latin typeface="Times New Roman" panose="02020603050405020304" pitchFamily="18" charset="0"/>
+                      <a:cs typeface="Times New Roman" panose="02020603050405020304" pitchFamily="18" charset="0"/>
+                    </a:rPr>
+                    <a:t>0.0</a:t>
+                  </a:r>
+                  <a:endParaRPr lang="zh-CN" altLang="en-US" sz="900" b="1" dirty="0">
+                    <a:latin typeface="Times New Roman" panose="02020603050405020304" pitchFamily="18" charset="0"/>
+                    <a:cs typeface="Times New Roman" panose="02020603050405020304" pitchFamily="18" charset="0"/>
+                  </a:endParaRPr>
+                </a:p>
+              </p:txBody>
+            </p:sp>
+            <p:sp>
+              <p:nvSpPr>
+                <p:cNvPr id="139" name="文本框 138">
+                  <a:extLst>
+                    <a:ext uri="{FF2B5EF4-FFF2-40B4-BE49-F238E27FC236}">
+                      <a16:creationId xmlns:a16="http://schemas.microsoft.com/office/drawing/2014/main" id="{9FA93267-948D-47AD-9235-5CF69C97AA32}"/>
+                    </a:ext>
+                  </a:extLst>
+                </p:cNvPr>
+                <p:cNvSpPr txBox="1"/>
+                <p:nvPr/>
+              </p:nvSpPr>
+              <p:spPr>
+                <a:xfrm>
+                  <a:off x="6214222" y="2237919"/>
+                  <a:ext cx="389848" cy="230832"/>
+                </a:xfrm>
+                <a:prstGeom prst="rect">
+                  <a:avLst/>
+                </a:prstGeom>
+                <a:noFill/>
+              </p:spPr>
+              <p:txBody>
+                <a:bodyPr wrap="square" rtlCol="0">
+                  <a:spAutoFit/>
+                </a:bodyPr>
+                <a:lstStyle/>
+                <a:p>
+                  <a:r>
+                    <a:rPr lang="en-US" altLang="zh-CN" sz="900" b="1" dirty="0">
+                      <a:latin typeface="Times New Roman" panose="02020603050405020304" pitchFamily="18" charset="0"/>
+                      <a:cs typeface="Times New Roman" panose="02020603050405020304" pitchFamily="18" charset="0"/>
+                    </a:rPr>
+                    <a:t>0.2</a:t>
+                  </a:r>
+                  <a:endParaRPr lang="zh-CN" altLang="en-US" sz="900" b="1" dirty="0">
+                    <a:latin typeface="Times New Roman" panose="02020603050405020304" pitchFamily="18" charset="0"/>
+                    <a:cs typeface="Times New Roman" panose="02020603050405020304" pitchFamily="18" charset="0"/>
+                  </a:endParaRPr>
+                </a:p>
+              </p:txBody>
+            </p:sp>
+            <p:sp>
+              <p:nvSpPr>
+                <p:cNvPr id="140" name="文本框 139">
+                  <a:extLst>
+                    <a:ext uri="{FF2B5EF4-FFF2-40B4-BE49-F238E27FC236}">
+                      <a16:creationId xmlns:a16="http://schemas.microsoft.com/office/drawing/2014/main" id="{62105FC4-902C-4684-BACB-D5F3AA2B5A2C}"/>
+                    </a:ext>
+                  </a:extLst>
+                </p:cNvPr>
+                <p:cNvSpPr txBox="1"/>
+                <p:nvPr/>
+              </p:nvSpPr>
+              <p:spPr>
+                <a:xfrm>
+                  <a:off x="6214222" y="1808944"/>
+                  <a:ext cx="389848" cy="230832"/>
+                </a:xfrm>
+                <a:prstGeom prst="rect">
+                  <a:avLst/>
+                </a:prstGeom>
+                <a:noFill/>
+              </p:spPr>
+              <p:txBody>
+                <a:bodyPr wrap="square" rtlCol="0">
+                  <a:spAutoFit/>
+                </a:bodyPr>
+                <a:lstStyle/>
+                <a:p>
+                  <a:r>
+                    <a:rPr lang="en-US" altLang="zh-CN" sz="900" b="1" dirty="0">
+                      <a:latin typeface="Times New Roman" panose="02020603050405020304" pitchFamily="18" charset="0"/>
+                      <a:cs typeface="Times New Roman" panose="02020603050405020304" pitchFamily="18" charset="0"/>
+                    </a:rPr>
+                    <a:t>0.4</a:t>
+                  </a:r>
+                  <a:endParaRPr lang="zh-CN" altLang="en-US" sz="900" b="1" dirty="0">
+                    <a:latin typeface="Times New Roman" panose="02020603050405020304" pitchFamily="18" charset="0"/>
+                    <a:cs typeface="Times New Roman" panose="02020603050405020304" pitchFamily="18" charset="0"/>
+                  </a:endParaRPr>
+                </a:p>
+              </p:txBody>
+            </p:sp>
+            <p:sp>
+              <p:nvSpPr>
+                <p:cNvPr id="141" name="文本框 140">
+                  <a:extLst>
+                    <a:ext uri="{FF2B5EF4-FFF2-40B4-BE49-F238E27FC236}">
+                      <a16:creationId xmlns:a16="http://schemas.microsoft.com/office/drawing/2014/main" id="{F253A683-B549-4387-9C2D-E7A64D3AD58D}"/>
+                    </a:ext>
+                  </a:extLst>
+                </p:cNvPr>
+                <p:cNvSpPr txBox="1"/>
+                <p:nvPr/>
+              </p:nvSpPr>
+              <p:spPr>
+                <a:xfrm>
+                  <a:off x="6197292" y="1379969"/>
+                  <a:ext cx="423708" cy="230832"/>
+                </a:xfrm>
+                <a:prstGeom prst="rect">
+                  <a:avLst/>
+                </a:prstGeom>
+                <a:noFill/>
+              </p:spPr>
+              <p:txBody>
+                <a:bodyPr wrap="square" rtlCol="0">
+                  <a:spAutoFit/>
+                </a:bodyPr>
+                <a:lstStyle/>
+                <a:p>
+                  <a:r>
+                    <a:rPr lang="en-US" altLang="zh-CN" sz="900" b="1" dirty="0">
+                      <a:latin typeface="Times New Roman" panose="02020603050405020304" pitchFamily="18" charset="0"/>
+                      <a:cs typeface="Times New Roman" panose="02020603050405020304" pitchFamily="18" charset="0"/>
+                    </a:rPr>
+                    <a:t>0.6</a:t>
+                  </a:r>
+                  <a:endParaRPr lang="zh-CN" altLang="en-US" sz="900" b="1" dirty="0">
+                    <a:latin typeface="Times New Roman" panose="02020603050405020304" pitchFamily="18" charset="0"/>
+                    <a:cs typeface="Times New Roman" panose="02020603050405020304" pitchFamily="18" charset="0"/>
+                  </a:endParaRPr>
+                </a:p>
+              </p:txBody>
+            </p:sp>
+            <p:sp>
+              <p:nvSpPr>
+                <p:cNvPr id="142" name="文本框 141">
+                  <a:extLst>
+                    <a:ext uri="{FF2B5EF4-FFF2-40B4-BE49-F238E27FC236}">
+                      <a16:creationId xmlns:a16="http://schemas.microsoft.com/office/drawing/2014/main" id="{ADBF5F1F-0926-4A45-9E42-66B261B4F221}"/>
+                    </a:ext>
+                  </a:extLst>
+                </p:cNvPr>
+                <p:cNvSpPr txBox="1"/>
+                <p:nvPr/>
+              </p:nvSpPr>
+              <p:spPr>
+                <a:xfrm>
+                  <a:off x="6200036" y="950994"/>
+                  <a:ext cx="418221" cy="230832"/>
+                </a:xfrm>
+                <a:prstGeom prst="rect">
+                  <a:avLst/>
+                </a:prstGeom>
+                <a:noFill/>
+              </p:spPr>
+              <p:txBody>
+                <a:bodyPr wrap="square" rtlCol="0">
+                  <a:spAutoFit/>
+                </a:bodyPr>
+                <a:lstStyle/>
+                <a:p>
+                  <a:r>
+                    <a:rPr lang="en-US" altLang="zh-CN" sz="900" b="1" dirty="0">
+                      <a:latin typeface="Times New Roman" panose="02020603050405020304" pitchFamily="18" charset="0"/>
+                      <a:cs typeface="Times New Roman" panose="02020603050405020304" pitchFamily="18" charset="0"/>
+                    </a:rPr>
+                    <a:t>0.8</a:t>
+                  </a:r>
+                  <a:endParaRPr lang="zh-CN" altLang="en-US" sz="900" b="1" dirty="0">
+                    <a:latin typeface="Times New Roman" panose="02020603050405020304" pitchFamily="18" charset="0"/>
+                    <a:cs typeface="Times New Roman" panose="02020603050405020304" pitchFamily="18" charset="0"/>
+                  </a:endParaRPr>
+                </a:p>
+              </p:txBody>
+            </p:sp>
+          </p:grpSp>
+          <p:grpSp>
+            <p:nvGrpSpPr>
+              <p:cNvPr id="143" name="组合 142">
+                <a:extLst>
+                  <a:ext uri="{FF2B5EF4-FFF2-40B4-BE49-F238E27FC236}">
+                    <a16:creationId xmlns:a16="http://schemas.microsoft.com/office/drawing/2014/main" id="{210465E9-2DD4-408B-8466-DB5194F9EBAF}"/>
+                  </a:ext>
+                </a:extLst>
+              </p:cNvPr>
+              <p:cNvGrpSpPr/>
+              <p:nvPr/>
+            </p:nvGrpSpPr>
+            <p:grpSpPr>
+              <a:xfrm>
+                <a:off x="228219" y="6785930"/>
+                <a:ext cx="324736" cy="1946734"/>
+                <a:chOff x="245993" y="948762"/>
+                <a:chExt cx="324736" cy="1946734"/>
+              </a:xfrm>
+            </p:grpSpPr>
+            <p:sp>
+              <p:nvSpPr>
+                <p:cNvPr id="144" name="文本框 143">
+                  <a:extLst>
+                    <a:ext uri="{FF2B5EF4-FFF2-40B4-BE49-F238E27FC236}">
+                      <a16:creationId xmlns:a16="http://schemas.microsoft.com/office/drawing/2014/main" id="{46A4C647-73B7-4377-9137-0F5B6272AE6D}"/>
+                    </a:ext>
+                  </a:extLst>
+                </p:cNvPr>
+                <p:cNvSpPr txBox="1"/>
+                <p:nvPr/>
+              </p:nvSpPr>
+              <p:spPr>
+                <a:xfrm>
+                  <a:off x="285774" y="2664664"/>
+                  <a:ext cx="245174" cy="230832"/>
+                </a:xfrm>
+                <a:prstGeom prst="rect">
+                  <a:avLst/>
+                </a:prstGeom>
+                <a:noFill/>
+              </p:spPr>
+              <p:txBody>
+                <a:bodyPr wrap="square" rtlCol="0">
+                  <a:spAutoFit/>
+                </a:bodyPr>
+                <a:lstStyle/>
+                <a:p>
+                  <a:r>
+                    <a:rPr lang="en-US" altLang="zh-CN" sz="900" b="1" dirty="0">
+                      <a:latin typeface="Times New Roman" panose="02020603050405020304" pitchFamily="18" charset="0"/>
+                      <a:cs typeface="Times New Roman" panose="02020603050405020304" pitchFamily="18" charset="0"/>
+                    </a:rPr>
+                    <a:t>5</a:t>
+                  </a:r>
+                  <a:endParaRPr lang="zh-CN" altLang="en-US" sz="900" b="1" dirty="0">
+                    <a:latin typeface="Times New Roman" panose="02020603050405020304" pitchFamily="18" charset="0"/>
+                    <a:cs typeface="Times New Roman" panose="02020603050405020304" pitchFamily="18" charset="0"/>
+                  </a:endParaRPr>
+                </a:p>
+              </p:txBody>
+            </p:sp>
+            <p:sp>
+              <p:nvSpPr>
+                <p:cNvPr id="145" name="文本框 144">
+                  <a:extLst>
+                    <a:ext uri="{FF2B5EF4-FFF2-40B4-BE49-F238E27FC236}">
+                      <a16:creationId xmlns:a16="http://schemas.microsoft.com/office/drawing/2014/main" id="{EDBA23DE-8C8D-4300-B2FF-9A5EFD946B86}"/>
+                    </a:ext>
+                  </a:extLst>
+                </p:cNvPr>
+                <p:cNvSpPr txBox="1"/>
+                <p:nvPr/>
+              </p:nvSpPr>
+              <p:spPr>
+                <a:xfrm>
+                  <a:off x="245993" y="2235688"/>
+                  <a:ext cx="324736" cy="230832"/>
+                </a:xfrm>
+                <a:prstGeom prst="rect">
+                  <a:avLst/>
+                </a:prstGeom>
+                <a:noFill/>
+              </p:spPr>
+              <p:txBody>
+                <a:bodyPr wrap="square" rtlCol="0">
+                  <a:spAutoFit/>
+                </a:bodyPr>
+                <a:lstStyle/>
+                <a:p>
+                  <a:r>
+                    <a:rPr lang="en-US" altLang="zh-CN" sz="900" b="1" dirty="0">
+                      <a:latin typeface="Times New Roman" panose="02020603050405020304" pitchFamily="18" charset="0"/>
+                      <a:cs typeface="Times New Roman" panose="02020603050405020304" pitchFamily="18" charset="0"/>
+                    </a:rPr>
+                    <a:t>10</a:t>
+                  </a:r>
+                  <a:endParaRPr lang="zh-CN" altLang="en-US" sz="900" b="1" dirty="0">
+                    <a:latin typeface="Times New Roman" panose="02020603050405020304" pitchFamily="18" charset="0"/>
+                    <a:cs typeface="Times New Roman" panose="02020603050405020304" pitchFamily="18" charset="0"/>
+                  </a:endParaRPr>
+                </a:p>
+              </p:txBody>
+            </p:sp>
+            <p:sp>
+              <p:nvSpPr>
+                <p:cNvPr id="146" name="文本框 145">
+                  <a:extLst>
+                    <a:ext uri="{FF2B5EF4-FFF2-40B4-BE49-F238E27FC236}">
+                      <a16:creationId xmlns:a16="http://schemas.microsoft.com/office/drawing/2014/main" id="{9BDCC965-98BB-4D6A-B36C-0E0C35FB1A02}"/>
+                    </a:ext>
+                  </a:extLst>
+                </p:cNvPr>
+                <p:cNvSpPr txBox="1"/>
+                <p:nvPr/>
+              </p:nvSpPr>
+              <p:spPr>
+                <a:xfrm>
+                  <a:off x="245993" y="1806712"/>
+                  <a:ext cx="324736" cy="230832"/>
+                </a:xfrm>
+                <a:prstGeom prst="rect">
+                  <a:avLst/>
+                </a:prstGeom>
+                <a:noFill/>
+              </p:spPr>
+              <p:txBody>
+                <a:bodyPr wrap="square" rtlCol="0">
+                  <a:spAutoFit/>
+                </a:bodyPr>
+                <a:lstStyle/>
+                <a:p>
+                  <a:r>
+                    <a:rPr lang="en-US" altLang="zh-CN" sz="900" b="1" dirty="0">
+                      <a:latin typeface="Times New Roman" panose="02020603050405020304" pitchFamily="18" charset="0"/>
+                      <a:cs typeface="Times New Roman" panose="02020603050405020304" pitchFamily="18" charset="0"/>
+                    </a:rPr>
+                    <a:t>15</a:t>
+                  </a:r>
+                  <a:endParaRPr lang="zh-CN" altLang="en-US" sz="900" b="1" dirty="0">
+                    <a:latin typeface="Times New Roman" panose="02020603050405020304" pitchFamily="18" charset="0"/>
+                    <a:cs typeface="Times New Roman" panose="02020603050405020304" pitchFamily="18" charset="0"/>
+                  </a:endParaRPr>
+                </a:p>
+              </p:txBody>
+            </p:sp>
+            <p:sp>
+              <p:nvSpPr>
+                <p:cNvPr id="147" name="文本框 146">
+                  <a:extLst>
+                    <a:ext uri="{FF2B5EF4-FFF2-40B4-BE49-F238E27FC236}">
+                      <a16:creationId xmlns:a16="http://schemas.microsoft.com/office/drawing/2014/main" id="{8CE1518C-0A64-4B60-A3E5-5120606B2544}"/>
+                    </a:ext>
+                  </a:extLst>
+                </p:cNvPr>
+                <p:cNvSpPr txBox="1"/>
+                <p:nvPr/>
+              </p:nvSpPr>
+              <p:spPr>
+                <a:xfrm>
+                  <a:off x="251914" y="1377737"/>
+                  <a:ext cx="312894" cy="230832"/>
+                </a:xfrm>
+                <a:prstGeom prst="rect">
+                  <a:avLst/>
+                </a:prstGeom>
+                <a:noFill/>
+              </p:spPr>
+              <p:txBody>
+                <a:bodyPr wrap="square" rtlCol="0">
+                  <a:spAutoFit/>
+                </a:bodyPr>
+                <a:lstStyle/>
+                <a:p>
+                  <a:r>
+                    <a:rPr lang="en-US" altLang="zh-CN" sz="900" b="1" dirty="0">
+                      <a:latin typeface="Times New Roman" panose="02020603050405020304" pitchFamily="18" charset="0"/>
+                      <a:cs typeface="Times New Roman" panose="02020603050405020304" pitchFamily="18" charset="0"/>
+                    </a:rPr>
+                    <a:t>20</a:t>
+                  </a:r>
+                  <a:endParaRPr lang="zh-CN" altLang="en-US" sz="900" b="1" dirty="0">
+                    <a:latin typeface="Times New Roman" panose="02020603050405020304" pitchFamily="18" charset="0"/>
+                    <a:cs typeface="Times New Roman" panose="02020603050405020304" pitchFamily="18" charset="0"/>
+                  </a:endParaRPr>
+                </a:p>
+              </p:txBody>
+            </p:sp>
+            <p:sp>
+              <p:nvSpPr>
+                <p:cNvPr id="148" name="文本框 147">
+                  <a:extLst>
+                    <a:ext uri="{FF2B5EF4-FFF2-40B4-BE49-F238E27FC236}">
+                      <a16:creationId xmlns:a16="http://schemas.microsoft.com/office/drawing/2014/main" id="{DC0723A0-6C49-4F67-B2C9-542AB78EB396}"/>
+                    </a:ext>
+                  </a:extLst>
+                </p:cNvPr>
+                <p:cNvSpPr txBox="1"/>
+                <p:nvPr/>
+              </p:nvSpPr>
+              <p:spPr>
+                <a:xfrm>
+                  <a:off x="257401" y="948762"/>
+                  <a:ext cx="301921" cy="230832"/>
+                </a:xfrm>
+                <a:prstGeom prst="rect">
+                  <a:avLst/>
+                </a:prstGeom>
+                <a:noFill/>
+              </p:spPr>
+              <p:txBody>
+                <a:bodyPr wrap="square" rtlCol="0">
+                  <a:spAutoFit/>
+                </a:bodyPr>
+                <a:lstStyle/>
+                <a:p>
+                  <a:r>
+                    <a:rPr lang="en-US" altLang="zh-CN" sz="900" b="1" dirty="0">
+                      <a:latin typeface="Times New Roman" panose="02020603050405020304" pitchFamily="18" charset="0"/>
+                      <a:cs typeface="Times New Roman" panose="02020603050405020304" pitchFamily="18" charset="0"/>
+                    </a:rPr>
+                    <a:t>25</a:t>
+                  </a:r>
+                  <a:endParaRPr lang="zh-CN" altLang="en-US" sz="900" b="1" dirty="0">
+                    <a:latin typeface="Times New Roman" panose="02020603050405020304" pitchFamily="18" charset="0"/>
+                    <a:cs typeface="Times New Roman" panose="02020603050405020304" pitchFamily="18" charset="0"/>
+                  </a:endParaRPr>
+                </a:p>
+              </p:txBody>
+            </p:sp>
+          </p:grpSp>
+        </p:grpSp>
+        <p:sp>
+          <p:nvSpPr>
+            <p:cNvPr id="149" name="文本框 148">
+              <a:extLst>
+                <a:ext uri="{FF2B5EF4-FFF2-40B4-BE49-F238E27FC236}">
+                  <a16:creationId xmlns:a16="http://schemas.microsoft.com/office/drawing/2014/main" id="{CA094B25-C0F2-4302-85AE-33B9938A4ABC}"/>
+                </a:ext>
+              </a:extLst>
+            </p:cNvPr>
+            <p:cNvSpPr txBox="1"/>
+            <p:nvPr/>
+          </p:nvSpPr>
+          <p:spPr>
+            <a:xfrm>
+              <a:off x="6433851" y="3332520"/>
+              <a:ext cx="407484" cy="461665"/>
+            </a:xfrm>
+            <a:prstGeom prst="rect">
+              <a:avLst/>
+            </a:prstGeom>
+            <a:noFill/>
+          </p:spPr>
+          <p:txBody>
+            <a:bodyPr wrap="none" rtlCol="0">
+              <a:spAutoFit/>
+            </a:bodyPr>
+            <a:lstStyle/>
+            <a:p>
+              <a:r>
+                <a:rPr lang="en-US" altLang="zh-CN" sz="2400" dirty="0">
+                  <a:latin typeface="Times New Roman" panose="02020603050405020304" pitchFamily="18" charset="0"/>
+                  <a:cs typeface="Times New Roman" panose="02020603050405020304" pitchFamily="18" charset="0"/>
+                </a:rPr>
+                <a:t>D</a:t>
+              </a:r>
+              <a:endParaRPr lang="zh-CN" altLang="en-US" sz="2400" dirty="0">
+                <a:latin typeface="Times New Roman" panose="02020603050405020304" pitchFamily="18" charset="0"/>
+                <a:cs typeface="Times New Roman" panose="02020603050405020304" pitchFamily="18" charset="0"/>
+              </a:endParaRPr>
+            </a:p>
+          </p:txBody>
+        </p:sp>
+        <p:sp>
+          <p:nvSpPr>
+            <p:cNvPr id="151" name="文本框 150">
+              <a:extLst>
+                <a:ext uri="{FF2B5EF4-FFF2-40B4-BE49-F238E27FC236}">
+                  <a16:creationId xmlns:a16="http://schemas.microsoft.com/office/drawing/2014/main" id="{E0D25FC2-15BA-447B-9BF7-251914E3257F}"/>
+                </a:ext>
+              </a:extLst>
+            </p:cNvPr>
+            <p:cNvSpPr txBox="1"/>
+            <p:nvPr/>
+          </p:nvSpPr>
+          <p:spPr>
+            <a:xfrm>
+              <a:off x="188034" y="6439616"/>
+              <a:ext cx="372218" cy="461665"/>
+            </a:xfrm>
+            <a:prstGeom prst="rect">
+              <a:avLst/>
+            </a:prstGeom>
+            <a:noFill/>
+          </p:spPr>
+          <p:txBody>
+            <a:bodyPr wrap="none" rtlCol="0">
+              <a:spAutoFit/>
+            </a:bodyPr>
+            <a:lstStyle/>
+            <a:p>
+              <a:r>
+                <a:rPr lang="en-US" altLang="zh-CN" sz="2400" dirty="0">
+                  <a:latin typeface="Times New Roman" panose="02020603050405020304" pitchFamily="18" charset="0"/>
+                  <a:cs typeface="Times New Roman" panose="02020603050405020304" pitchFamily="18" charset="0"/>
+                </a:rPr>
+                <a:t>E</a:t>
+              </a:r>
+              <a:endParaRPr lang="zh-CN" altLang="en-US" sz="2400" dirty="0">
+                <a:latin typeface="Times New Roman" panose="02020603050405020304" pitchFamily="18" charset="0"/>
+                <a:cs typeface="Times New Roman" panose="02020603050405020304" pitchFamily="18" charset="0"/>
+              </a:endParaRPr>
+            </a:p>
+          </p:txBody>
+        </p:sp>
+      </p:grpSp>
+    </p:spTree>
+    <p:custDataLst>
+      <p:tags r:id="rId1"/>
+    </p:custDataLst>
+    <p:extLst>
+      <p:ext uri="{BB962C8B-B14F-4D97-AF65-F5344CB8AC3E}">
+        <p14:creationId xmlns:p14="http://schemas.microsoft.com/office/powerpoint/2010/main" val="3920789406"/>
+      </p:ext>
+    </p:extLst>
+  </p:cSld>
+  <p:clrMapOvr>
+    <a:masterClrMapping/>
+  </p:clrMapOvr>
+</p:sld>
+</file>
+
+<file path=ppt/slides/slide2.xml><?xml version="1.0" encoding="utf-8"?>
+<p:sld xmlns:a="http://schemas.openxmlformats.org/drawingml/2006/main" xmlns:r="http://schemas.openxmlformats.org/officeDocument/2006/relationships" xmlns:p="http://schemas.openxmlformats.org/presentationml/2006/main">
+  <p:cSld>
+    <p:spTree>
+      <p:nvGrpSpPr>
+        <p:cNvPr id="1" name=""/>
+        <p:cNvGrpSpPr/>
+        <p:nvPr/>
+      </p:nvGrpSpPr>
+      <p:grpSpPr>
+        <a:xfrm>
+          <a:off x="0" y="0"/>
+          <a:ext cx="0" cy="0"/>
+          <a:chOff x="0" y="0"/>
+          <a:chExt cx="0" cy="0"/>
+        </a:xfrm>
+      </p:grpSpPr>
+      <p:grpSp>
+        <p:nvGrpSpPr>
+          <p:cNvPr id="10" name="组合 9">
+            <a:extLst>
+              <a:ext uri="{FF2B5EF4-FFF2-40B4-BE49-F238E27FC236}">
+                <a16:creationId xmlns:a16="http://schemas.microsoft.com/office/drawing/2014/main" id="{18A407DA-BFEE-4ACB-9828-DC1321DFF8DB}"/>
+              </a:ext>
+            </a:extLst>
+          </p:cNvPr>
+          <p:cNvGrpSpPr/>
+          <p:nvPr/>
+        </p:nvGrpSpPr>
+        <p:grpSpPr>
+          <a:xfrm>
+            <a:off x="14068" y="180417"/>
+            <a:ext cx="12796115" cy="9304612"/>
+            <a:chOff x="14068" y="180417"/>
+            <a:chExt cx="12796115" cy="9304612"/>
+          </a:xfrm>
+        </p:grpSpPr>
+        <p:pic>
+          <p:nvPicPr>
+            <p:cNvPr id="13" name="图片 12" descr="电脑萤幕画面&#10;&#10;中度可信度描述已自动生成">
+              <a:extLst>
+                <a:ext uri="{FF2B5EF4-FFF2-40B4-BE49-F238E27FC236}">
+                  <a16:creationId xmlns:a16="http://schemas.microsoft.com/office/drawing/2014/main" id="{6FA73597-8DBD-4265-B3E2-33AF21DEA054}"/>
+                </a:ext>
+              </a:extLst>
+            </p:cNvPr>
+            <p:cNvPicPr/>
+            <p:nvPr/>
+          </p:nvPicPr>
+          <p:blipFill rotWithShape="1">
+            <a:blip r:embed="rId3">
+              <a:extLst>
+                <a:ext uri="{28A0092B-C50C-407E-A947-70E740481C1C}">
+                  <a14:useLocalDpi xmlns:a14="http://schemas.microsoft.com/office/drawing/2010/main" val="0"/>
+                </a:ext>
+              </a:extLst>
+            </a:blip>
+            <a:srcRect l="4019" t="21927" r="5433" b="6194"/>
+            <a:stretch/>
+          </p:blipFill>
+          <p:spPr>
+            <a:xfrm>
+              <a:off x="433817" y="547035"/>
+              <a:ext cx="5611288" cy="2583258"/>
+            </a:xfrm>
+            <a:prstGeom prst="rect">
+              <a:avLst/>
+            </a:prstGeom>
+          </p:spPr>
+        </p:pic>
+        <p:sp>
+          <p:nvSpPr>
+            <p:cNvPr id="34" name="Rectangle 2">
+              <a:extLst>
+                <a:ext uri="{FF2B5EF4-FFF2-40B4-BE49-F238E27FC236}">
+                  <a16:creationId xmlns:a16="http://schemas.microsoft.com/office/drawing/2014/main" id="{DFABFF97-5009-43B0-8091-13BFDB6E47F5}"/>
+                </a:ext>
+              </a:extLst>
+            </p:cNvPr>
+            <p:cNvSpPr>
+              <a:spLocks noChangeArrowheads="1"/>
+            </p:cNvSpPr>
+            <p:nvPr/>
+          </p:nvSpPr>
+          <p:spPr bwMode="auto">
+            <a:xfrm>
+              <a:off x="14068" y="1337043"/>
+              <a:ext cx="65" cy="290849"/>
+            </a:xfrm>
+            <a:prstGeom prst="rect">
+              <a:avLst/>
+            </a:prstGeom>
+            <a:solidFill>
+              <a:srgbClr val="FFFFFF"/>
+            </a:solidFill>
+            <a:ln>
+              <a:noFill/>
+            </a:ln>
+            <a:effectLst/>
+            <a:extLst>
+              <a:ext uri="{91240B29-F687-4F45-9708-019B960494DF}">
+                <a14:hiddenLine xmlns:a14="http://schemas.microsoft.com/office/drawing/2010/main" w="9525">
+                  <a:solidFill>
+                    <a:schemeClr val="tx1"/>
+                  </a:solidFill>
+                  <a:miter lim="800000"/>
+                  <a:headEnd/>
+                  <a:tailEnd/>
+                </a14:hiddenLine>
+              </a:ext>
+              <a:ext uri="{AF507438-7753-43E0-B8FC-AC1667EBCBE1}">
+                <a14:hiddenEffects xmlns:a14="http://schemas.microsoft.com/office/drawing/2010/main">
+                  <a:effectLst>
+                    <a:outerShdw dist="35921" dir="2700000" algn="ctr" rotWithShape="0">
+                      <a:schemeClr val="bg2"/>
+                    </a:outerShdw>
+                  </a:effectLst>
+                </a14:hiddenEffects>
+              </a:ext>
+            </a:extLst>
+          </p:spPr>
+          <p:txBody>
+            <a:bodyPr vert="horz" wrap="none" lIns="0" tIns="0" rIns="0" bIns="0" numCol="1" anchor="ctr" anchorCtr="0" compatLnSpc="1">
+              <a:prstTxWarp prst="textNoShape">
+                <a:avLst/>
+              </a:prstTxWarp>
+              <a:spAutoFit/>
+            </a:bodyPr>
+            <a:lstStyle/>
+            <a:p>
+              <a:pPr defTabSz="960120" eaLnBrk="0" fontAlgn="base" hangingPunct="0">
+                <a:spcBef>
+                  <a:spcPct val="0"/>
+                </a:spcBef>
+                <a:spcAft>
+                  <a:spcPct val="0"/>
+                </a:spcAft>
+              </a:pPr>
+              <a:endParaRPr lang="zh-CN" altLang="zh-CN" sz="1890" dirty="0">
+                <a:latin typeface="Arial" panose="020B0604020202020204" pitchFamily="34" charset="0"/>
+              </a:endParaRPr>
+            </a:p>
+          </p:txBody>
+        </p:sp>
+        <p:sp>
+          <p:nvSpPr>
+            <p:cNvPr id="6" name="文本框 5">
+              <a:extLst>
+                <a:ext uri="{FF2B5EF4-FFF2-40B4-BE49-F238E27FC236}">
+                  <a16:creationId xmlns:a16="http://schemas.microsoft.com/office/drawing/2014/main" id="{9B2C62D9-A8B2-4D1F-B627-32755400E1D6}"/>
+                </a:ext>
+              </a:extLst>
+            </p:cNvPr>
+            <p:cNvSpPr txBox="1"/>
+            <p:nvPr/>
+          </p:nvSpPr>
+          <p:spPr>
+            <a:xfrm>
+              <a:off x="170401" y="180417"/>
+              <a:ext cx="389850" cy="584775"/>
+            </a:xfrm>
+            <a:prstGeom prst="rect">
+              <a:avLst/>
+            </a:prstGeom>
+            <a:noFill/>
+          </p:spPr>
+          <p:txBody>
+            <a:bodyPr wrap="none" rtlCol="0">
+              <a:spAutoFit/>
+            </a:bodyPr>
+            <a:lstStyle/>
+            <a:p>
+              <a:r>
+                <a:rPr lang="en-US" altLang="zh-CN" sz="3200" b="1" dirty="0">
+                  <a:latin typeface="Times New Roman" panose="02020603050405020304" pitchFamily="18" charset="0"/>
+                  <a:cs typeface="Times New Roman" panose="02020603050405020304" pitchFamily="18" charset="0"/>
+                </a:rPr>
+                <a:t>a</a:t>
+              </a:r>
+              <a:endParaRPr lang="zh-CN" altLang="en-US" sz="3200" b="1" dirty="0">
+                <a:latin typeface="Times New Roman" panose="02020603050405020304" pitchFamily="18" charset="0"/>
+                <a:cs typeface="Times New Roman" panose="02020603050405020304" pitchFamily="18" charset="0"/>
+              </a:endParaRPr>
+            </a:p>
+          </p:txBody>
+        </p:sp>
+        <p:sp>
+          <p:nvSpPr>
+            <p:cNvPr id="9" name="文本框 8">
+              <a:extLst>
+                <a:ext uri="{FF2B5EF4-FFF2-40B4-BE49-F238E27FC236}">
+                  <a16:creationId xmlns:a16="http://schemas.microsoft.com/office/drawing/2014/main" id="{E82812FE-36E3-42EC-A759-7EC1143C836D}"/>
+                </a:ext>
+              </a:extLst>
+            </p:cNvPr>
+            <p:cNvSpPr txBox="1"/>
+            <p:nvPr/>
+          </p:nvSpPr>
+          <p:spPr>
+            <a:xfrm>
+              <a:off x="6442668" y="181247"/>
+              <a:ext cx="412292" cy="584775"/>
+            </a:xfrm>
+            <a:prstGeom prst="rect">
+              <a:avLst/>
+            </a:prstGeom>
+            <a:noFill/>
+          </p:spPr>
+          <p:txBody>
+            <a:bodyPr wrap="none" rtlCol="0">
+              <a:spAutoFit/>
+            </a:bodyPr>
+            <a:lstStyle/>
+            <a:p>
+              <a:r>
+                <a:rPr lang="en-US" altLang="zh-CN" sz="3200" b="1" dirty="0">
+                  <a:latin typeface="Times New Roman" panose="02020603050405020304" pitchFamily="18" charset="0"/>
+                  <a:cs typeface="Times New Roman" panose="02020603050405020304" pitchFamily="18" charset="0"/>
+                </a:rPr>
+                <a:t>b</a:t>
+              </a:r>
+              <a:endParaRPr lang="zh-CN" altLang="en-US" sz="3200" b="1" dirty="0">
+                <a:latin typeface="Times New Roman" panose="02020603050405020304" pitchFamily="18" charset="0"/>
+                <a:cs typeface="Times New Roman" panose="02020603050405020304" pitchFamily="18" charset="0"/>
+              </a:endParaRPr>
+            </a:p>
+          </p:txBody>
+        </p:sp>
+        <p:grpSp>
+          <p:nvGrpSpPr>
+            <p:cNvPr id="4" name="组合 3">
+              <a:extLst>
+                <a:ext uri="{FF2B5EF4-FFF2-40B4-BE49-F238E27FC236}">
+                  <a16:creationId xmlns:a16="http://schemas.microsoft.com/office/drawing/2014/main" id="{BD146E7B-AD2A-47F5-97AB-47E8892CA5D5}"/>
+                </a:ext>
+              </a:extLst>
+            </p:cNvPr>
+            <p:cNvGrpSpPr/>
+            <p:nvPr/>
+          </p:nvGrpSpPr>
+          <p:grpSpPr>
+            <a:xfrm>
+              <a:off x="367974" y="3135422"/>
               <a:ext cx="5800238" cy="230832"/>
               <a:chOff x="367974" y="3135422"/>
               <a:chExt cx="5800238" cy="230832"/>
@@ -6717,10 +7929,10 @@
           </p:grpSpPr>
           <p:sp>
             <p:nvSpPr>
-              <p:cNvPr id="128" name="文本框 127">
+              <p:cNvPr id="15" name="文本框 14">
                 <a:extLst>
                   <a:ext uri="{FF2B5EF4-FFF2-40B4-BE49-F238E27FC236}">
-                    <a16:creationId xmlns:a16="http://schemas.microsoft.com/office/drawing/2014/main" id="{BDFD1141-36C4-4E1D-8E56-602BB2EA785A}"/>
+                    <a16:creationId xmlns:a16="http://schemas.microsoft.com/office/drawing/2014/main" id="{F88DF013-1B1D-4206-8202-8C42E71E62D2}"/>
                   </a:ext>
                 </a:extLst>
               </p:cNvPr>
@@ -6748,7 +7960,7 @@
                     <a:latin typeface="Times New Roman" panose="02020603050405020304" pitchFamily="18" charset="0"/>
                     <a:cs typeface="Times New Roman" panose="02020603050405020304" pitchFamily="18" charset="0"/>
                   </a:rPr>
-                  <a:t>[-2.74, -1.30)</a:t>
+                  <a:t>[-3.84, -2.51)</a:t>
                 </a:r>
                 <a:endParaRPr lang="zh-CN" altLang="en-US" sz="900" b="1" dirty="0">
                   <a:latin typeface="Times New Roman" panose="02020603050405020304" pitchFamily="18" charset="0"/>
@@ -6759,10 +7971,1924 @@
           </p:sp>
           <p:sp>
             <p:nvSpPr>
-              <p:cNvPr id="129" name="文本框 128">
+              <p:cNvPr id="17" name="文本框 16">
                 <a:extLst>
                   <a:ext uri="{FF2B5EF4-FFF2-40B4-BE49-F238E27FC236}">
-                    <a16:creationId xmlns:a16="http://schemas.microsoft.com/office/drawing/2014/main" id="{733A8664-68AB-4898-9A21-BDC2F18C12A6}"/>
+                    <a16:creationId xmlns:a16="http://schemas.microsoft.com/office/drawing/2014/main" id="{E3A36395-A5B7-4B1D-9786-8A54BB97034B}"/>
+                  </a:ext>
+                </a:extLst>
+              </p:cNvPr>
+              <p:cNvSpPr txBox="1"/>
+              <p:nvPr/>
+            </p:nvSpPr>
+            <p:spPr>
+              <a:xfrm>
+                <a:off x="989732" y="3135422"/>
+                <a:ext cx="829073" cy="230832"/>
+              </a:xfrm>
+              <a:prstGeom prst="rect">
+                <a:avLst/>
+              </a:prstGeom>
+              <a:noFill/>
+            </p:spPr>
+            <p:txBody>
+              <a:bodyPr wrap="none" rtlCol="0">
+                <a:spAutoFit/>
+              </a:bodyPr>
+              <a:lstStyle/>
+              <a:p>
+                <a:r>
+                  <a:rPr lang="en-US" altLang="zh-CN" sz="900" b="1" dirty="0">
+                    <a:latin typeface="Times New Roman" panose="02020603050405020304" pitchFamily="18" charset="0"/>
+                    <a:cs typeface="Times New Roman" panose="02020603050405020304" pitchFamily="18" charset="0"/>
+                  </a:rPr>
+                  <a:t>[-2.51, -2.11)</a:t>
+                </a:r>
+                <a:endParaRPr lang="zh-CN" altLang="en-US" sz="900" b="1" dirty="0">
+                  <a:latin typeface="Times New Roman" panose="02020603050405020304" pitchFamily="18" charset="0"/>
+                  <a:cs typeface="Times New Roman" panose="02020603050405020304" pitchFamily="18" charset="0"/>
+                </a:endParaRPr>
+              </a:p>
+            </p:txBody>
+          </p:sp>
+          <p:sp>
+            <p:nvSpPr>
+              <p:cNvPr id="18" name="文本框 17">
+                <a:extLst>
+                  <a:ext uri="{FF2B5EF4-FFF2-40B4-BE49-F238E27FC236}">
+                    <a16:creationId xmlns:a16="http://schemas.microsoft.com/office/drawing/2014/main" id="{DDCF3AB5-32C7-450B-B76E-32575BB7CEEF}"/>
+                  </a:ext>
+                </a:extLst>
+              </p:cNvPr>
+              <p:cNvSpPr txBox="1"/>
+              <p:nvPr/>
+            </p:nvSpPr>
+            <p:spPr>
+              <a:xfrm>
+                <a:off x="2262381" y="3135422"/>
+                <a:ext cx="800219" cy="230832"/>
+              </a:xfrm>
+              <a:prstGeom prst="rect">
+                <a:avLst/>
+              </a:prstGeom>
+              <a:noFill/>
+            </p:spPr>
+            <p:txBody>
+              <a:bodyPr wrap="none" rtlCol="0">
+                <a:spAutoFit/>
+              </a:bodyPr>
+              <a:lstStyle/>
+              <a:p>
+                <a:r>
+                  <a:rPr lang="en-US" altLang="zh-CN" sz="900" b="1" dirty="0">
+                    <a:latin typeface="Times New Roman" panose="02020603050405020304" pitchFamily="18" charset="0"/>
+                    <a:cs typeface="Times New Roman" panose="02020603050405020304" pitchFamily="18" charset="0"/>
+                  </a:rPr>
+                  <a:t>[-1.64, -1.18)</a:t>
+                </a:r>
+                <a:endParaRPr lang="zh-CN" altLang="en-US" sz="900" b="1" dirty="0">
+                  <a:latin typeface="Times New Roman" panose="02020603050405020304" pitchFamily="18" charset="0"/>
+                  <a:cs typeface="Times New Roman" panose="02020603050405020304" pitchFamily="18" charset="0"/>
+                </a:endParaRPr>
+              </a:p>
+            </p:txBody>
+          </p:sp>
+          <p:sp>
+            <p:nvSpPr>
+              <p:cNvPr id="19" name="文本框 18">
+                <a:extLst>
+                  <a:ext uri="{FF2B5EF4-FFF2-40B4-BE49-F238E27FC236}">
+                    <a16:creationId xmlns:a16="http://schemas.microsoft.com/office/drawing/2014/main" id="{23275091-A217-4A6C-B035-0EF373887611}"/>
+                  </a:ext>
+                </a:extLst>
+              </p:cNvPr>
+              <p:cNvSpPr txBox="1"/>
+              <p:nvPr/>
+            </p:nvSpPr>
+            <p:spPr>
+              <a:xfrm>
+                <a:off x="1611769" y="3135422"/>
+                <a:ext cx="829073" cy="230832"/>
+              </a:xfrm>
+              <a:prstGeom prst="rect">
+                <a:avLst/>
+              </a:prstGeom>
+              <a:noFill/>
+            </p:spPr>
+            <p:txBody>
+              <a:bodyPr wrap="none" rtlCol="0">
+                <a:spAutoFit/>
+              </a:bodyPr>
+              <a:lstStyle/>
+              <a:p>
+                <a:r>
+                  <a:rPr lang="en-US" altLang="zh-CN" sz="900" b="1" dirty="0">
+                    <a:latin typeface="Times New Roman" panose="02020603050405020304" pitchFamily="18" charset="0"/>
+                    <a:cs typeface="Times New Roman" panose="02020603050405020304" pitchFamily="18" charset="0"/>
+                  </a:rPr>
+                  <a:t>[-2.11, -1.64)</a:t>
+                </a:r>
+                <a:endParaRPr lang="zh-CN" altLang="en-US" sz="900" b="1" dirty="0">
+                  <a:latin typeface="Times New Roman" panose="02020603050405020304" pitchFamily="18" charset="0"/>
+                  <a:cs typeface="Times New Roman" panose="02020603050405020304" pitchFamily="18" charset="0"/>
+                </a:endParaRPr>
+              </a:p>
+            </p:txBody>
+          </p:sp>
+          <p:sp>
+            <p:nvSpPr>
+              <p:cNvPr id="20" name="文本框 19">
+                <a:extLst>
+                  <a:ext uri="{FF2B5EF4-FFF2-40B4-BE49-F238E27FC236}">
+                    <a16:creationId xmlns:a16="http://schemas.microsoft.com/office/drawing/2014/main" id="{E66EC311-D018-407C-A966-9947A6BE4467}"/>
+                  </a:ext>
+                </a:extLst>
+              </p:cNvPr>
+              <p:cNvSpPr txBox="1"/>
+              <p:nvPr/>
+            </p:nvSpPr>
+            <p:spPr>
+              <a:xfrm>
+                <a:off x="2884418" y="3135422"/>
+                <a:ext cx="800219" cy="230832"/>
+              </a:xfrm>
+              <a:prstGeom prst="rect">
+                <a:avLst/>
+              </a:prstGeom>
+              <a:noFill/>
+            </p:spPr>
+            <p:txBody>
+              <a:bodyPr wrap="none" rtlCol="0">
+                <a:spAutoFit/>
+              </a:bodyPr>
+              <a:lstStyle/>
+              <a:p>
+                <a:r>
+                  <a:rPr lang="en-US" altLang="zh-CN" sz="900" b="1" dirty="0">
+                    <a:latin typeface="Times New Roman" panose="02020603050405020304" pitchFamily="18" charset="0"/>
+                    <a:cs typeface="Times New Roman" panose="02020603050405020304" pitchFamily="18" charset="0"/>
+                  </a:rPr>
+                  <a:t>[-1.18, -0.83)</a:t>
+                </a:r>
+                <a:endParaRPr lang="zh-CN" altLang="en-US" sz="900" b="1" dirty="0">
+                  <a:latin typeface="Times New Roman" panose="02020603050405020304" pitchFamily="18" charset="0"/>
+                  <a:cs typeface="Times New Roman" panose="02020603050405020304" pitchFamily="18" charset="0"/>
+                </a:endParaRPr>
+              </a:p>
+            </p:txBody>
+          </p:sp>
+          <p:sp>
+            <p:nvSpPr>
+              <p:cNvPr id="21" name="文本框 20">
+                <a:extLst>
+                  <a:ext uri="{FF2B5EF4-FFF2-40B4-BE49-F238E27FC236}">
+                    <a16:creationId xmlns:a16="http://schemas.microsoft.com/office/drawing/2014/main" id="{E6B344A1-9C07-4D91-9C9C-1DE218F9EB62}"/>
+                  </a:ext>
+                </a:extLst>
+              </p:cNvPr>
+              <p:cNvSpPr txBox="1"/>
+              <p:nvPr/>
+            </p:nvSpPr>
+            <p:spPr>
+              <a:xfrm>
+                <a:off x="3515980" y="3135422"/>
+                <a:ext cx="800219" cy="230832"/>
+              </a:xfrm>
+              <a:prstGeom prst="rect">
+                <a:avLst/>
+              </a:prstGeom>
+              <a:noFill/>
+            </p:spPr>
+            <p:txBody>
+              <a:bodyPr wrap="none" rtlCol="0">
+                <a:spAutoFit/>
+              </a:bodyPr>
+              <a:lstStyle/>
+              <a:p>
+                <a:r>
+                  <a:rPr lang="en-US" altLang="zh-CN" sz="900" b="1" dirty="0">
+                    <a:latin typeface="Times New Roman" panose="02020603050405020304" pitchFamily="18" charset="0"/>
+                    <a:cs typeface="Times New Roman" panose="02020603050405020304" pitchFamily="18" charset="0"/>
+                  </a:rPr>
+                  <a:t>[-0.83, -0.34)</a:t>
+                </a:r>
+                <a:endParaRPr lang="zh-CN" altLang="en-US" sz="900" b="1" dirty="0">
+                  <a:latin typeface="Times New Roman" panose="02020603050405020304" pitchFamily="18" charset="0"/>
+                  <a:cs typeface="Times New Roman" panose="02020603050405020304" pitchFamily="18" charset="0"/>
+                </a:endParaRPr>
+              </a:p>
+            </p:txBody>
+          </p:sp>
+          <p:sp>
+            <p:nvSpPr>
+              <p:cNvPr id="22" name="文本框 21">
+                <a:extLst>
+                  <a:ext uri="{FF2B5EF4-FFF2-40B4-BE49-F238E27FC236}">
+                    <a16:creationId xmlns:a16="http://schemas.microsoft.com/office/drawing/2014/main" id="{B2ABC3E6-ADBF-4863-8F81-D3AF00F0FB45}"/>
+                  </a:ext>
+                </a:extLst>
+              </p:cNvPr>
+              <p:cNvSpPr txBox="1"/>
+              <p:nvPr/>
+            </p:nvSpPr>
+            <p:spPr>
+              <a:xfrm>
+                <a:off x="4147542" y="3135422"/>
+                <a:ext cx="761747" cy="230832"/>
+              </a:xfrm>
+              <a:prstGeom prst="rect">
+                <a:avLst/>
+              </a:prstGeom>
+              <a:noFill/>
+            </p:spPr>
+            <p:txBody>
+              <a:bodyPr wrap="none" rtlCol="0">
+                <a:spAutoFit/>
+              </a:bodyPr>
+              <a:lstStyle/>
+              <a:p>
+                <a:r>
+                  <a:rPr lang="en-US" altLang="zh-CN" sz="900" b="1" dirty="0">
+                    <a:latin typeface="Times New Roman" panose="02020603050405020304" pitchFamily="18" charset="0"/>
+                    <a:cs typeface="Times New Roman" panose="02020603050405020304" pitchFamily="18" charset="0"/>
+                  </a:rPr>
+                  <a:t>[-0.34, 0.25)</a:t>
+                </a:r>
+                <a:endParaRPr lang="zh-CN" altLang="en-US" sz="900" b="1" dirty="0">
+                  <a:latin typeface="Times New Roman" panose="02020603050405020304" pitchFamily="18" charset="0"/>
+                  <a:cs typeface="Times New Roman" panose="02020603050405020304" pitchFamily="18" charset="0"/>
+                </a:endParaRPr>
+              </a:p>
+            </p:txBody>
+          </p:sp>
+          <p:sp>
+            <p:nvSpPr>
+              <p:cNvPr id="23" name="文本框 22">
+                <a:extLst>
+                  <a:ext uri="{FF2B5EF4-FFF2-40B4-BE49-F238E27FC236}">
+                    <a16:creationId xmlns:a16="http://schemas.microsoft.com/office/drawing/2014/main" id="{7D43C55E-0062-48F5-BBAE-7984FE633732}"/>
+                  </a:ext>
+                </a:extLst>
+              </p:cNvPr>
+              <p:cNvSpPr txBox="1"/>
+              <p:nvPr/>
+            </p:nvSpPr>
+            <p:spPr>
+              <a:xfrm>
+                <a:off x="4798154" y="3135422"/>
+                <a:ext cx="761747" cy="230832"/>
+              </a:xfrm>
+              <a:prstGeom prst="rect">
+                <a:avLst/>
+              </a:prstGeom>
+              <a:noFill/>
+            </p:spPr>
+            <p:txBody>
+              <a:bodyPr wrap="none" rtlCol="0">
+                <a:spAutoFit/>
+              </a:bodyPr>
+              <a:lstStyle/>
+              <a:p>
+                <a:r>
+                  <a:rPr lang="en-US" altLang="zh-CN" sz="900" b="1" dirty="0">
+                    <a:latin typeface="Times New Roman" panose="02020603050405020304" pitchFamily="18" charset="0"/>
+                    <a:cs typeface="Times New Roman" panose="02020603050405020304" pitchFamily="18" charset="0"/>
+                  </a:rPr>
+                  <a:t>[0.25, -0.67)</a:t>
+                </a:r>
+                <a:endParaRPr lang="zh-CN" altLang="en-US" sz="900" b="1" dirty="0">
+                  <a:latin typeface="Times New Roman" panose="02020603050405020304" pitchFamily="18" charset="0"/>
+                  <a:cs typeface="Times New Roman" panose="02020603050405020304" pitchFamily="18" charset="0"/>
+                </a:endParaRPr>
+              </a:p>
+            </p:txBody>
+          </p:sp>
+          <p:sp>
+            <p:nvSpPr>
+              <p:cNvPr id="24" name="文本框 23">
+                <a:extLst>
+                  <a:ext uri="{FF2B5EF4-FFF2-40B4-BE49-F238E27FC236}">
+                    <a16:creationId xmlns:a16="http://schemas.microsoft.com/office/drawing/2014/main" id="{B7738D56-97D5-4F11-BBB0-2D6ABFCD48CC}"/>
+                  </a:ext>
+                </a:extLst>
+              </p:cNvPr>
+              <p:cNvSpPr txBox="1"/>
+              <p:nvPr/>
+            </p:nvSpPr>
+            <p:spPr>
+              <a:xfrm>
+                <a:off x="5444937" y="3135422"/>
+                <a:ext cx="723275" cy="230832"/>
+              </a:xfrm>
+              <a:prstGeom prst="rect">
+                <a:avLst/>
+              </a:prstGeom>
+              <a:noFill/>
+            </p:spPr>
+            <p:txBody>
+              <a:bodyPr wrap="none" rtlCol="0">
+                <a:spAutoFit/>
+              </a:bodyPr>
+              <a:lstStyle/>
+              <a:p>
+                <a:r>
+                  <a:rPr lang="en-US" altLang="zh-CN" sz="900" b="1" dirty="0">
+                    <a:latin typeface="Times New Roman" panose="02020603050405020304" pitchFamily="18" charset="0"/>
+                    <a:cs typeface="Times New Roman" panose="02020603050405020304" pitchFamily="18" charset="0"/>
+                  </a:rPr>
+                  <a:t>[0.67, 2.23)</a:t>
+                </a:r>
+                <a:endParaRPr lang="zh-CN" altLang="en-US" sz="900" b="1" dirty="0">
+                  <a:latin typeface="Times New Roman" panose="02020603050405020304" pitchFamily="18" charset="0"/>
+                  <a:cs typeface="Times New Roman" panose="02020603050405020304" pitchFamily="18" charset="0"/>
+                </a:endParaRPr>
+              </a:p>
+            </p:txBody>
+          </p:sp>
+        </p:grpSp>
+        <p:grpSp>
+          <p:nvGrpSpPr>
+            <p:cNvPr id="3" name="组合 2">
+              <a:extLst>
+                <a:ext uri="{FF2B5EF4-FFF2-40B4-BE49-F238E27FC236}">
+                  <a16:creationId xmlns:a16="http://schemas.microsoft.com/office/drawing/2014/main" id="{2398E2A2-C26D-4980-9071-4999B116FB2B}"/>
+                </a:ext>
+              </a:extLst>
+            </p:cNvPr>
+            <p:cNvGrpSpPr/>
+            <p:nvPr/>
+          </p:nvGrpSpPr>
+          <p:grpSpPr>
+            <a:xfrm>
+              <a:off x="245115" y="3964992"/>
+              <a:ext cx="324736" cy="1946734"/>
+              <a:chOff x="245993" y="948762"/>
+              <a:chExt cx="324736" cy="1946734"/>
+            </a:xfrm>
+          </p:grpSpPr>
+          <p:sp>
+            <p:nvSpPr>
+              <p:cNvPr id="25" name="文本框 24">
+                <a:extLst>
+                  <a:ext uri="{FF2B5EF4-FFF2-40B4-BE49-F238E27FC236}">
+                    <a16:creationId xmlns:a16="http://schemas.microsoft.com/office/drawing/2014/main" id="{F7271117-D853-4A75-8E86-0513FF30FE5A}"/>
+                  </a:ext>
+                </a:extLst>
+              </p:cNvPr>
+              <p:cNvSpPr txBox="1"/>
+              <p:nvPr/>
+            </p:nvSpPr>
+            <p:spPr>
+              <a:xfrm>
+                <a:off x="285774" y="2664664"/>
+                <a:ext cx="245174" cy="230832"/>
+              </a:xfrm>
+              <a:prstGeom prst="rect">
+                <a:avLst/>
+              </a:prstGeom>
+              <a:noFill/>
+            </p:spPr>
+            <p:txBody>
+              <a:bodyPr wrap="square" rtlCol="0">
+                <a:spAutoFit/>
+              </a:bodyPr>
+              <a:lstStyle/>
+              <a:p>
+                <a:r>
+                  <a:rPr lang="en-US" altLang="zh-CN" sz="900" b="1" dirty="0">
+                    <a:latin typeface="Times New Roman" panose="02020603050405020304" pitchFamily="18" charset="0"/>
+                    <a:cs typeface="Times New Roman" panose="02020603050405020304" pitchFamily="18" charset="0"/>
+                  </a:rPr>
+                  <a:t>5</a:t>
+                </a:r>
+                <a:endParaRPr lang="zh-CN" altLang="en-US" sz="900" b="1" dirty="0">
+                  <a:latin typeface="Times New Roman" panose="02020603050405020304" pitchFamily="18" charset="0"/>
+                  <a:cs typeface="Times New Roman" panose="02020603050405020304" pitchFamily="18" charset="0"/>
+                </a:endParaRPr>
+              </a:p>
+            </p:txBody>
+          </p:sp>
+          <p:sp>
+            <p:nvSpPr>
+              <p:cNvPr id="28" name="文本框 27">
+                <a:extLst>
+                  <a:ext uri="{FF2B5EF4-FFF2-40B4-BE49-F238E27FC236}">
+                    <a16:creationId xmlns:a16="http://schemas.microsoft.com/office/drawing/2014/main" id="{ED354847-1C7F-4F37-9A09-6ADF19C33DBB}"/>
+                  </a:ext>
+                </a:extLst>
+              </p:cNvPr>
+              <p:cNvSpPr txBox="1"/>
+              <p:nvPr/>
+            </p:nvSpPr>
+            <p:spPr>
+              <a:xfrm>
+                <a:off x="245993" y="2235688"/>
+                <a:ext cx="324736" cy="230832"/>
+              </a:xfrm>
+              <a:prstGeom prst="rect">
+                <a:avLst/>
+              </a:prstGeom>
+              <a:noFill/>
+            </p:spPr>
+            <p:txBody>
+              <a:bodyPr wrap="square" rtlCol="0">
+                <a:spAutoFit/>
+              </a:bodyPr>
+              <a:lstStyle/>
+              <a:p>
+                <a:r>
+                  <a:rPr lang="en-US" altLang="zh-CN" sz="900" b="1" dirty="0">
+                    <a:latin typeface="Times New Roman" panose="02020603050405020304" pitchFamily="18" charset="0"/>
+                    <a:cs typeface="Times New Roman" panose="02020603050405020304" pitchFamily="18" charset="0"/>
+                  </a:rPr>
+                  <a:t>10</a:t>
+                </a:r>
+                <a:endParaRPr lang="zh-CN" altLang="en-US" sz="900" b="1" dirty="0">
+                  <a:latin typeface="Times New Roman" panose="02020603050405020304" pitchFamily="18" charset="0"/>
+                  <a:cs typeface="Times New Roman" panose="02020603050405020304" pitchFamily="18" charset="0"/>
+                </a:endParaRPr>
+              </a:p>
+            </p:txBody>
+          </p:sp>
+          <p:sp>
+            <p:nvSpPr>
+              <p:cNvPr id="29" name="文本框 28">
+                <a:extLst>
+                  <a:ext uri="{FF2B5EF4-FFF2-40B4-BE49-F238E27FC236}">
+                    <a16:creationId xmlns:a16="http://schemas.microsoft.com/office/drawing/2014/main" id="{F6714D23-C453-4A1D-AC0C-955F79A8F845}"/>
+                  </a:ext>
+                </a:extLst>
+              </p:cNvPr>
+              <p:cNvSpPr txBox="1"/>
+              <p:nvPr/>
+            </p:nvSpPr>
+            <p:spPr>
+              <a:xfrm>
+                <a:off x="245993" y="1806712"/>
+                <a:ext cx="324736" cy="230832"/>
+              </a:xfrm>
+              <a:prstGeom prst="rect">
+                <a:avLst/>
+              </a:prstGeom>
+              <a:noFill/>
+            </p:spPr>
+            <p:txBody>
+              <a:bodyPr wrap="square" rtlCol="0">
+                <a:spAutoFit/>
+              </a:bodyPr>
+              <a:lstStyle/>
+              <a:p>
+                <a:r>
+                  <a:rPr lang="en-US" altLang="zh-CN" sz="900" b="1" dirty="0">
+                    <a:latin typeface="Times New Roman" panose="02020603050405020304" pitchFamily="18" charset="0"/>
+                    <a:cs typeface="Times New Roman" panose="02020603050405020304" pitchFamily="18" charset="0"/>
+                  </a:rPr>
+                  <a:t>15</a:t>
+                </a:r>
+                <a:endParaRPr lang="zh-CN" altLang="en-US" sz="900" b="1" dirty="0">
+                  <a:latin typeface="Times New Roman" panose="02020603050405020304" pitchFamily="18" charset="0"/>
+                  <a:cs typeface="Times New Roman" panose="02020603050405020304" pitchFamily="18" charset="0"/>
+                </a:endParaRPr>
+              </a:p>
+            </p:txBody>
+          </p:sp>
+          <p:sp>
+            <p:nvSpPr>
+              <p:cNvPr id="30" name="文本框 29">
+                <a:extLst>
+                  <a:ext uri="{FF2B5EF4-FFF2-40B4-BE49-F238E27FC236}">
+                    <a16:creationId xmlns:a16="http://schemas.microsoft.com/office/drawing/2014/main" id="{0E2BFD4C-8A9F-40CD-9F53-2599F4FDFAE8}"/>
+                  </a:ext>
+                </a:extLst>
+              </p:cNvPr>
+              <p:cNvSpPr txBox="1"/>
+              <p:nvPr/>
+            </p:nvSpPr>
+            <p:spPr>
+              <a:xfrm>
+                <a:off x="251914" y="1377737"/>
+                <a:ext cx="312894" cy="230832"/>
+              </a:xfrm>
+              <a:prstGeom prst="rect">
+                <a:avLst/>
+              </a:prstGeom>
+              <a:noFill/>
+            </p:spPr>
+            <p:txBody>
+              <a:bodyPr wrap="square" rtlCol="0">
+                <a:spAutoFit/>
+              </a:bodyPr>
+              <a:lstStyle/>
+              <a:p>
+                <a:r>
+                  <a:rPr lang="en-US" altLang="zh-CN" sz="900" b="1" dirty="0">
+                    <a:latin typeface="Times New Roman" panose="02020603050405020304" pitchFamily="18" charset="0"/>
+                    <a:cs typeface="Times New Roman" panose="02020603050405020304" pitchFamily="18" charset="0"/>
+                  </a:rPr>
+                  <a:t>20</a:t>
+                </a:r>
+                <a:endParaRPr lang="zh-CN" altLang="en-US" sz="900" b="1" dirty="0">
+                  <a:latin typeface="Times New Roman" panose="02020603050405020304" pitchFamily="18" charset="0"/>
+                  <a:cs typeface="Times New Roman" panose="02020603050405020304" pitchFamily="18" charset="0"/>
+                </a:endParaRPr>
+              </a:p>
+            </p:txBody>
+          </p:sp>
+          <p:sp>
+            <p:nvSpPr>
+              <p:cNvPr id="31" name="文本框 30">
+                <a:extLst>
+                  <a:ext uri="{FF2B5EF4-FFF2-40B4-BE49-F238E27FC236}">
+                    <a16:creationId xmlns:a16="http://schemas.microsoft.com/office/drawing/2014/main" id="{CC0DD930-E0CE-46ED-A567-686542EC83E5}"/>
+                  </a:ext>
+                </a:extLst>
+              </p:cNvPr>
+              <p:cNvSpPr txBox="1"/>
+              <p:nvPr/>
+            </p:nvSpPr>
+            <p:spPr>
+              <a:xfrm>
+                <a:off x="257401" y="948762"/>
+                <a:ext cx="301921" cy="230832"/>
+              </a:xfrm>
+              <a:prstGeom prst="rect">
+                <a:avLst/>
+              </a:prstGeom>
+              <a:noFill/>
+            </p:spPr>
+            <p:txBody>
+              <a:bodyPr wrap="square" rtlCol="0">
+                <a:spAutoFit/>
+              </a:bodyPr>
+              <a:lstStyle/>
+              <a:p>
+                <a:r>
+                  <a:rPr lang="en-US" altLang="zh-CN" sz="900" b="1" dirty="0">
+                    <a:latin typeface="Times New Roman" panose="02020603050405020304" pitchFamily="18" charset="0"/>
+                    <a:cs typeface="Times New Roman" panose="02020603050405020304" pitchFamily="18" charset="0"/>
+                  </a:rPr>
+                  <a:t>25</a:t>
+                </a:r>
+                <a:endParaRPr lang="zh-CN" altLang="en-US" sz="900" b="1" dirty="0">
+                  <a:latin typeface="Times New Roman" panose="02020603050405020304" pitchFamily="18" charset="0"/>
+                  <a:cs typeface="Times New Roman" panose="02020603050405020304" pitchFamily="18" charset="0"/>
+                </a:endParaRPr>
+              </a:p>
+            </p:txBody>
+          </p:sp>
+        </p:grpSp>
+        <p:grpSp>
+          <p:nvGrpSpPr>
+            <p:cNvPr id="2" name="组合 1">
+              <a:extLst>
+                <a:ext uri="{FF2B5EF4-FFF2-40B4-BE49-F238E27FC236}">
+                  <a16:creationId xmlns:a16="http://schemas.microsoft.com/office/drawing/2014/main" id="{6A12A7B4-8B0B-4B79-9878-F8B932C39C96}"/>
+                </a:ext>
+              </a:extLst>
+            </p:cNvPr>
+            <p:cNvGrpSpPr/>
+            <p:nvPr/>
+          </p:nvGrpSpPr>
+          <p:grpSpPr>
+            <a:xfrm>
+              <a:off x="12386475" y="833261"/>
+              <a:ext cx="423708" cy="1946734"/>
+              <a:chOff x="6197292" y="950994"/>
+              <a:chExt cx="423708" cy="1946734"/>
+            </a:xfrm>
+          </p:grpSpPr>
+          <p:sp>
+            <p:nvSpPr>
+              <p:cNvPr id="32" name="文本框 31">
+                <a:extLst>
+                  <a:ext uri="{FF2B5EF4-FFF2-40B4-BE49-F238E27FC236}">
+                    <a16:creationId xmlns:a16="http://schemas.microsoft.com/office/drawing/2014/main" id="{6E727EF1-EA5E-4443-93EF-720A90FDCB2E}"/>
+                  </a:ext>
+                </a:extLst>
+              </p:cNvPr>
+              <p:cNvSpPr txBox="1"/>
+              <p:nvPr/>
+            </p:nvSpPr>
+            <p:spPr>
+              <a:xfrm>
+                <a:off x="6214222" y="2666896"/>
+                <a:ext cx="389849" cy="230832"/>
+              </a:xfrm>
+              <a:prstGeom prst="rect">
+                <a:avLst/>
+              </a:prstGeom>
+              <a:noFill/>
+            </p:spPr>
+            <p:txBody>
+              <a:bodyPr wrap="square" rtlCol="0">
+                <a:spAutoFit/>
+              </a:bodyPr>
+              <a:lstStyle/>
+              <a:p>
+                <a:r>
+                  <a:rPr lang="en-US" altLang="zh-CN" sz="900" b="1" dirty="0">
+                    <a:latin typeface="Times New Roman" panose="02020603050405020304" pitchFamily="18" charset="0"/>
+                    <a:cs typeface="Times New Roman" panose="02020603050405020304" pitchFamily="18" charset="0"/>
+                  </a:rPr>
+                  <a:t>0.0</a:t>
+                </a:r>
+                <a:endParaRPr lang="zh-CN" altLang="en-US" sz="900" b="1" dirty="0">
+                  <a:latin typeface="Times New Roman" panose="02020603050405020304" pitchFamily="18" charset="0"/>
+                  <a:cs typeface="Times New Roman" panose="02020603050405020304" pitchFamily="18" charset="0"/>
+                </a:endParaRPr>
+              </a:p>
+            </p:txBody>
+          </p:sp>
+          <p:sp>
+            <p:nvSpPr>
+              <p:cNvPr id="33" name="文本框 32">
+                <a:extLst>
+                  <a:ext uri="{FF2B5EF4-FFF2-40B4-BE49-F238E27FC236}">
+                    <a16:creationId xmlns:a16="http://schemas.microsoft.com/office/drawing/2014/main" id="{C65F2543-C8B6-4895-BE96-3D8E4CC45F07}"/>
+                  </a:ext>
+                </a:extLst>
+              </p:cNvPr>
+              <p:cNvSpPr txBox="1"/>
+              <p:nvPr/>
+            </p:nvSpPr>
+            <p:spPr>
+              <a:xfrm>
+                <a:off x="6214222" y="2237919"/>
+                <a:ext cx="389848" cy="230832"/>
+              </a:xfrm>
+              <a:prstGeom prst="rect">
+                <a:avLst/>
+              </a:prstGeom>
+              <a:noFill/>
+            </p:spPr>
+            <p:txBody>
+              <a:bodyPr wrap="square" rtlCol="0">
+                <a:spAutoFit/>
+              </a:bodyPr>
+              <a:lstStyle/>
+              <a:p>
+                <a:r>
+                  <a:rPr lang="en-US" altLang="zh-CN" sz="900" b="1" dirty="0">
+                    <a:latin typeface="Times New Roman" panose="02020603050405020304" pitchFamily="18" charset="0"/>
+                    <a:cs typeface="Times New Roman" panose="02020603050405020304" pitchFamily="18" charset="0"/>
+                  </a:rPr>
+                  <a:t>0.2</a:t>
+                </a:r>
+                <a:endParaRPr lang="zh-CN" altLang="en-US" sz="900" b="1" dirty="0">
+                  <a:latin typeface="Times New Roman" panose="02020603050405020304" pitchFamily="18" charset="0"/>
+                  <a:cs typeface="Times New Roman" panose="02020603050405020304" pitchFamily="18" charset="0"/>
+                </a:endParaRPr>
+              </a:p>
+            </p:txBody>
+          </p:sp>
+          <p:sp>
+            <p:nvSpPr>
+              <p:cNvPr id="35" name="文本框 34">
+                <a:extLst>
+                  <a:ext uri="{FF2B5EF4-FFF2-40B4-BE49-F238E27FC236}">
+                    <a16:creationId xmlns:a16="http://schemas.microsoft.com/office/drawing/2014/main" id="{2A5F2C41-DA9D-49D5-8754-6D604B260380}"/>
+                  </a:ext>
+                </a:extLst>
+              </p:cNvPr>
+              <p:cNvSpPr txBox="1"/>
+              <p:nvPr/>
+            </p:nvSpPr>
+            <p:spPr>
+              <a:xfrm>
+                <a:off x="6214222" y="1808944"/>
+                <a:ext cx="389848" cy="230832"/>
+              </a:xfrm>
+              <a:prstGeom prst="rect">
+                <a:avLst/>
+              </a:prstGeom>
+              <a:noFill/>
+            </p:spPr>
+            <p:txBody>
+              <a:bodyPr wrap="square" rtlCol="0">
+                <a:spAutoFit/>
+              </a:bodyPr>
+              <a:lstStyle/>
+              <a:p>
+                <a:r>
+                  <a:rPr lang="en-US" altLang="zh-CN" sz="900" b="1" dirty="0">
+                    <a:latin typeface="Times New Roman" panose="02020603050405020304" pitchFamily="18" charset="0"/>
+                    <a:cs typeface="Times New Roman" panose="02020603050405020304" pitchFamily="18" charset="0"/>
+                  </a:rPr>
+                  <a:t>0.4</a:t>
+                </a:r>
+                <a:endParaRPr lang="zh-CN" altLang="en-US" sz="900" b="1" dirty="0">
+                  <a:latin typeface="Times New Roman" panose="02020603050405020304" pitchFamily="18" charset="0"/>
+                  <a:cs typeface="Times New Roman" panose="02020603050405020304" pitchFamily="18" charset="0"/>
+                </a:endParaRPr>
+              </a:p>
+            </p:txBody>
+          </p:sp>
+          <p:sp>
+            <p:nvSpPr>
+              <p:cNvPr id="36" name="文本框 35">
+                <a:extLst>
+                  <a:ext uri="{FF2B5EF4-FFF2-40B4-BE49-F238E27FC236}">
+                    <a16:creationId xmlns:a16="http://schemas.microsoft.com/office/drawing/2014/main" id="{F3A3E37B-6043-41E8-94AC-695A78C4251B}"/>
+                  </a:ext>
+                </a:extLst>
+              </p:cNvPr>
+              <p:cNvSpPr txBox="1"/>
+              <p:nvPr/>
+            </p:nvSpPr>
+            <p:spPr>
+              <a:xfrm>
+                <a:off x="6197292" y="1379969"/>
+                <a:ext cx="423708" cy="230832"/>
+              </a:xfrm>
+              <a:prstGeom prst="rect">
+                <a:avLst/>
+              </a:prstGeom>
+              <a:noFill/>
+            </p:spPr>
+            <p:txBody>
+              <a:bodyPr wrap="square" rtlCol="0">
+                <a:spAutoFit/>
+              </a:bodyPr>
+              <a:lstStyle/>
+              <a:p>
+                <a:r>
+                  <a:rPr lang="en-US" altLang="zh-CN" sz="900" b="1" dirty="0">
+                    <a:latin typeface="Times New Roman" panose="02020603050405020304" pitchFamily="18" charset="0"/>
+                    <a:cs typeface="Times New Roman" panose="02020603050405020304" pitchFamily="18" charset="0"/>
+                  </a:rPr>
+                  <a:t>0.6</a:t>
+                </a:r>
+                <a:endParaRPr lang="zh-CN" altLang="en-US" sz="900" b="1" dirty="0">
+                  <a:latin typeface="Times New Roman" panose="02020603050405020304" pitchFamily="18" charset="0"/>
+                  <a:cs typeface="Times New Roman" panose="02020603050405020304" pitchFamily="18" charset="0"/>
+                </a:endParaRPr>
+              </a:p>
+            </p:txBody>
+          </p:sp>
+          <p:sp>
+            <p:nvSpPr>
+              <p:cNvPr id="37" name="文本框 36">
+                <a:extLst>
+                  <a:ext uri="{FF2B5EF4-FFF2-40B4-BE49-F238E27FC236}">
+                    <a16:creationId xmlns:a16="http://schemas.microsoft.com/office/drawing/2014/main" id="{AE6F6D51-FC9D-41B2-8984-8980B31CCF46}"/>
+                  </a:ext>
+                </a:extLst>
+              </p:cNvPr>
+              <p:cNvSpPr txBox="1"/>
+              <p:nvPr/>
+            </p:nvSpPr>
+            <p:spPr>
+              <a:xfrm>
+                <a:off x="6200036" y="950994"/>
+                <a:ext cx="418221" cy="230832"/>
+              </a:xfrm>
+              <a:prstGeom prst="rect">
+                <a:avLst/>
+              </a:prstGeom>
+              <a:noFill/>
+            </p:spPr>
+            <p:txBody>
+              <a:bodyPr wrap="square" rtlCol="0">
+                <a:spAutoFit/>
+              </a:bodyPr>
+              <a:lstStyle/>
+              <a:p>
+                <a:r>
+                  <a:rPr lang="en-US" altLang="zh-CN" sz="900" b="1" dirty="0">
+                    <a:latin typeface="Times New Roman" panose="02020603050405020304" pitchFamily="18" charset="0"/>
+                    <a:cs typeface="Times New Roman" panose="02020603050405020304" pitchFamily="18" charset="0"/>
+                  </a:rPr>
+                  <a:t>0.8</a:t>
+                </a:r>
+                <a:endParaRPr lang="zh-CN" altLang="en-US" sz="900" b="1" dirty="0">
+                  <a:latin typeface="Times New Roman" panose="02020603050405020304" pitchFamily="18" charset="0"/>
+                  <a:cs typeface="Times New Roman" panose="02020603050405020304" pitchFamily="18" charset="0"/>
+                </a:endParaRPr>
+              </a:p>
+            </p:txBody>
+          </p:sp>
+        </p:grpSp>
+        <p:pic>
+          <p:nvPicPr>
+            <p:cNvPr id="39" name="图片 38" descr="图示&#10;&#10;中度可信度描述已自动生成">
+              <a:extLst>
+                <a:ext uri="{FF2B5EF4-FFF2-40B4-BE49-F238E27FC236}">
+                  <a16:creationId xmlns:a16="http://schemas.microsoft.com/office/drawing/2014/main" id="{F50176A4-E61C-4D63-93A8-9BCEDBAF5619}"/>
+                </a:ext>
+              </a:extLst>
+            </p:cNvPr>
+            <p:cNvPicPr/>
+            <p:nvPr/>
+          </p:nvPicPr>
+          <p:blipFill rotWithShape="1">
+            <a:blip r:embed="rId4">
+              <a:extLst>
+                <a:ext uri="{28A0092B-C50C-407E-A947-70E740481C1C}">
+                  <a14:useLocalDpi xmlns:a14="http://schemas.microsoft.com/office/drawing/2010/main" val="0"/>
+                </a:ext>
+              </a:extLst>
+            </a:blip>
+            <a:srcRect l="4766" t="24460" r="5413" b="7159"/>
+            <a:stretch/>
+          </p:blipFill>
+          <p:spPr>
+            <a:xfrm>
+              <a:off x="6686966" y="612168"/>
+              <a:ext cx="5718559" cy="2529885"/>
+            </a:xfrm>
+            <a:prstGeom prst="rect">
+              <a:avLst/>
+            </a:prstGeom>
+          </p:spPr>
+        </p:pic>
+        <p:sp>
+          <p:nvSpPr>
+            <p:cNvPr id="40" name="文本框 39">
+              <a:extLst>
+                <a:ext uri="{FF2B5EF4-FFF2-40B4-BE49-F238E27FC236}">
+                  <a16:creationId xmlns:a16="http://schemas.microsoft.com/office/drawing/2014/main" id="{E9158954-59AC-4839-8737-CC6C0B13360A}"/>
+                </a:ext>
+              </a:extLst>
+            </p:cNvPr>
+            <p:cNvSpPr txBox="1"/>
+            <p:nvPr/>
+          </p:nvSpPr>
+          <p:spPr>
+            <a:xfrm>
+              <a:off x="6757151" y="3140211"/>
+              <a:ext cx="849634" cy="230832"/>
+            </a:xfrm>
+            <a:prstGeom prst="rect">
+              <a:avLst/>
+            </a:prstGeom>
+            <a:noFill/>
+          </p:spPr>
+          <p:txBody>
+            <a:bodyPr wrap="square" rtlCol="0">
+              <a:spAutoFit/>
+            </a:bodyPr>
+            <a:lstStyle/>
+            <a:p>
+              <a:r>
+                <a:rPr lang="en-US" altLang="zh-CN" sz="900" b="1" dirty="0">
+                  <a:latin typeface="Times New Roman" panose="02020603050405020304" pitchFamily="18" charset="0"/>
+                  <a:cs typeface="Times New Roman" panose="02020603050405020304" pitchFamily="18" charset="0"/>
+                </a:rPr>
+                <a:t>[14.70, 19.49)</a:t>
+              </a:r>
+              <a:endParaRPr lang="zh-CN" altLang="en-US" sz="900" b="1" dirty="0">
+                <a:latin typeface="Times New Roman" panose="02020603050405020304" pitchFamily="18" charset="0"/>
+                <a:cs typeface="Times New Roman" panose="02020603050405020304" pitchFamily="18" charset="0"/>
+              </a:endParaRPr>
+            </a:p>
+          </p:txBody>
+        </p:sp>
+        <p:sp>
+          <p:nvSpPr>
+            <p:cNvPr id="41" name="文本框 40">
+              <a:extLst>
+                <a:ext uri="{FF2B5EF4-FFF2-40B4-BE49-F238E27FC236}">
+                  <a16:creationId xmlns:a16="http://schemas.microsoft.com/office/drawing/2014/main" id="{9AF1B466-F923-4468-9DB9-DE16ABD13B84}"/>
+                </a:ext>
+              </a:extLst>
+            </p:cNvPr>
+            <p:cNvSpPr txBox="1"/>
+            <p:nvPr/>
+          </p:nvSpPr>
+          <p:spPr>
+            <a:xfrm>
+              <a:off x="7714700" y="3140211"/>
+              <a:ext cx="849634" cy="230832"/>
+            </a:xfrm>
+            <a:prstGeom prst="rect">
+              <a:avLst/>
+            </a:prstGeom>
+            <a:noFill/>
+          </p:spPr>
+          <p:txBody>
+            <a:bodyPr wrap="square" rtlCol="0">
+              <a:spAutoFit/>
+            </a:bodyPr>
+            <a:lstStyle/>
+            <a:p>
+              <a:r>
+                <a:rPr lang="en-US" altLang="zh-CN" sz="900" b="1" dirty="0">
+                  <a:latin typeface="Times New Roman" panose="02020603050405020304" pitchFamily="18" charset="0"/>
+                  <a:cs typeface="Times New Roman" panose="02020603050405020304" pitchFamily="18" charset="0"/>
+                </a:rPr>
+                <a:t>[19.49, 19.61)</a:t>
+              </a:r>
+              <a:endParaRPr lang="zh-CN" altLang="en-US" sz="900" b="1" dirty="0">
+                <a:latin typeface="Times New Roman" panose="02020603050405020304" pitchFamily="18" charset="0"/>
+                <a:cs typeface="Times New Roman" panose="02020603050405020304" pitchFamily="18" charset="0"/>
+              </a:endParaRPr>
+            </a:p>
+          </p:txBody>
+        </p:sp>
+        <p:sp>
+          <p:nvSpPr>
+            <p:cNvPr id="44" name="文本框 43">
+              <a:extLst>
+                <a:ext uri="{FF2B5EF4-FFF2-40B4-BE49-F238E27FC236}">
+                  <a16:creationId xmlns:a16="http://schemas.microsoft.com/office/drawing/2014/main" id="{D138739A-2828-4287-99CE-964787D6FD15}"/>
+                </a:ext>
+              </a:extLst>
+            </p:cNvPr>
+            <p:cNvSpPr txBox="1"/>
+            <p:nvPr/>
+          </p:nvSpPr>
+          <p:spPr>
+            <a:xfrm>
+              <a:off x="8672249" y="3140211"/>
+              <a:ext cx="800876" cy="230832"/>
+            </a:xfrm>
+            <a:prstGeom prst="rect">
+              <a:avLst/>
+            </a:prstGeom>
+            <a:noFill/>
+          </p:spPr>
+          <p:txBody>
+            <a:bodyPr wrap="square" rtlCol="0">
+              <a:spAutoFit/>
+            </a:bodyPr>
+            <a:lstStyle/>
+            <a:p>
+              <a:r>
+                <a:rPr lang="en-US" altLang="zh-CN" sz="900" b="1" dirty="0">
+                  <a:latin typeface="Times New Roman" panose="02020603050405020304" pitchFamily="18" charset="0"/>
+                  <a:cs typeface="Times New Roman" panose="02020603050405020304" pitchFamily="18" charset="0"/>
+                </a:rPr>
+                <a:t>[19.61, 24.60)</a:t>
+              </a:r>
+              <a:endParaRPr lang="zh-CN" altLang="en-US" sz="900" b="1" dirty="0">
+                <a:latin typeface="Times New Roman" panose="02020603050405020304" pitchFamily="18" charset="0"/>
+                <a:cs typeface="Times New Roman" panose="02020603050405020304" pitchFamily="18" charset="0"/>
+              </a:endParaRPr>
+            </a:p>
+          </p:txBody>
+        </p:sp>
+        <p:sp>
+          <p:nvSpPr>
+            <p:cNvPr id="45" name="文本框 44">
+              <a:extLst>
+                <a:ext uri="{FF2B5EF4-FFF2-40B4-BE49-F238E27FC236}">
+                  <a16:creationId xmlns:a16="http://schemas.microsoft.com/office/drawing/2014/main" id="{7D7FF49F-5D7C-4819-95F6-500964B5C923}"/>
+                </a:ext>
+              </a:extLst>
+            </p:cNvPr>
+            <p:cNvSpPr txBox="1"/>
+            <p:nvPr/>
+          </p:nvSpPr>
+          <p:spPr>
+            <a:xfrm>
+              <a:off x="9716537" y="3140211"/>
+              <a:ext cx="800876" cy="230832"/>
+            </a:xfrm>
+            <a:prstGeom prst="rect">
+              <a:avLst/>
+            </a:prstGeom>
+            <a:noFill/>
+          </p:spPr>
+          <p:txBody>
+            <a:bodyPr wrap="square" rtlCol="0">
+              <a:spAutoFit/>
+            </a:bodyPr>
+            <a:lstStyle/>
+            <a:p>
+              <a:r>
+                <a:rPr lang="en-US" altLang="zh-CN" sz="900" b="1" dirty="0">
+                  <a:latin typeface="Times New Roman" panose="02020603050405020304" pitchFamily="18" charset="0"/>
+                  <a:cs typeface="Times New Roman" panose="02020603050405020304" pitchFamily="18" charset="0"/>
+                </a:rPr>
+                <a:t>[24.60, 29.36)</a:t>
+              </a:r>
+              <a:endParaRPr lang="zh-CN" altLang="en-US" sz="900" b="1" dirty="0">
+                <a:latin typeface="Times New Roman" panose="02020603050405020304" pitchFamily="18" charset="0"/>
+                <a:cs typeface="Times New Roman" panose="02020603050405020304" pitchFamily="18" charset="0"/>
+              </a:endParaRPr>
+            </a:p>
+          </p:txBody>
+        </p:sp>
+        <p:sp>
+          <p:nvSpPr>
+            <p:cNvPr id="46" name="文本框 45">
+              <a:extLst>
+                <a:ext uri="{FF2B5EF4-FFF2-40B4-BE49-F238E27FC236}">
+                  <a16:creationId xmlns:a16="http://schemas.microsoft.com/office/drawing/2014/main" id="{6201A818-42E3-4292-850B-64F93C3C310F}"/>
+                </a:ext>
+              </a:extLst>
+            </p:cNvPr>
+            <p:cNvSpPr txBox="1"/>
+            <p:nvPr/>
+          </p:nvSpPr>
+          <p:spPr>
+            <a:xfrm>
+              <a:off x="10620251" y="3140211"/>
+              <a:ext cx="800876" cy="230832"/>
+            </a:xfrm>
+            <a:prstGeom prst="rect">
+              <a:avLst/>
+            </a:prstGeom>
+            <a:noFill/>
+          </p:spPr>
+          <p:txBody>
+            <a:bodyPr wrap="square" rtlCol="0">
+              <a:spAutoFit/>
+            </a:bodyPr>
+            <a:lstStyle/>
+            <a:p>
+              <a:r>
+                <a:rPr lang="en-US" altLang="zh-CN" sz="900" b="1" dirty="0">
+                  <a:latin typeface="Times New Roman" panose="02020603050405020304" pitchFamily="18" charset="0"/>
+                  <a:cs typeface="Times New Roman" panose="02020603050405020304" pitchFamily="18" charset="0"/>
+                </a:rPr>
+                <a:t>[29.36, 34.50)</a:t>
+              </a:r>
+              <a:endParaRPr lang="zh-CN" altLang="en-US" sz="900" b="1" dirty="0">
+                <a:latin typeface="Times New Roman" panose="02020603050405020304" pitchFamily="18" charset="0"/>
+                <a:cs typeface="Times New Roman" panose="02020603050405020304" pitchFamily="18" charset="0"/>
+              </a:endParaRPr>
+            </a:p>
+          </p:txBody>
+        </p:sp>
+        <p:sp>
+          <p:nvSpPr>
+            <p:cNvPr id="47" name="文本框 46">
+              <a:extLst>
+                <a:ext uri="{FF2B5EF4-FFF2-40B4-BE49-F238E27FC236}">
+                  <a16:creationId xmlns:a16="http://schemas.microsoft.com/office/drawing/2014/main" id="{12F45160-C0A0-45AC-9D08-6879443A9520}"/>
+                </a:ext>
+              </a:extLst>
+            </p:cNvPr>
+            <p:cNvSpPr txBox="1"/>
+            <p:nvPr/>
+          </p:nvSpPr>
+          <p:spPr>
+            <a:xfrm>
+              <a:off x="11573640" y="3140211"/>
+              <a:ext cx="800876" cy="230832"/>
+            </a:xfrm>
+            <a:prstGeom prst="rect">
+              <a:avLst/>
+            </a:prstGeom>
+            <a:noFill/>
+          </p:spPr>
+          <p:txBody>
+            <a:bodyPr wrap="square" rtlCol="0">
+              <a:spAutoFit/>
+            </a:bodyPr>
+            <a:lstStyle/>
+            <a:p>
+              <a:r>
+                <a:rPr lang="en-US" altLang="zh-CN" sz="900" b="1" dirty="0">
+                  <a:latin typeface="Times New Roman" panose="02020603050405020304" pitchFamily="18" charset="0"/>
+                  <a:cs typeface="Times New Roman" panose="02020603050405020304" pitchFamily="18" charset="0"/>
+                </a:rPr>
+                <a:t>[34.50, 49.19)</a:t>
+              </a:r>
+              <a:endParaRPr lang="zh-CN" altLang="en-US" sz="900" b="1" dirty="0">
+                <a:latin typeface="Times New Roman" panose="02020603050405020304" pitchFamily="18" charset="0"/>
+                <a:cs typeface="Times New Roman" panose="02020603050405020304" pitchFamily="18" charset="0"/>
+              </a:endParaRPr>
+            </a:p>
+          </p:txBody>
+        </p:sp>
+        <p:grpSp>
+          <p:nvGrpSpPr>
+            <p:cNvPr id="48" name="组合 47">
+              <a:extLst>
+                <a:ext uri="{FF2B5EF4-FFF2-40B4-BE49-F238E27FC236}">
+                  <a16:creationId xmlns:a16="http://schemas.microsoft.com/office/drawing/2014/main" id="{65015FAA-AE8F-4EFD-830E-0DEE8991EB1E}"/>
+                </a:ext>
+              </a:extLst>
+            </p:cNvPr>
+            <p:cNvGrpSpPr/>
+            <p:nvPr/>
+          </p:nvGrpSpPr>
+          <p:grpSpPr>
+            <a:xfrm>
+              <a:off x="6521855" y="833260"/>
+              <a:ext cx="324736" cy="1946734"/>
+              <a:chOff x="245993" y="948762"/>
+              <a:chExt cx="324736" cy="1946734"/>
+            </a:xfrm>
+          </p:grpSpPr>
+          <p:sp>
+            <p:nvSpPr>
+              <p:cNvPr id="49" name="文本框 48">
+                <a:extLst>
+                  <a:ext uri="{FF2B5EF4-FFF2-40B4-BE49-F238E27FC236}">
+                    <a16:creationId xmlns:a16="http://schemas.microsoft.com/office/drawing/2014/main" id="{EEB08869-BE07-4B74-8FA8-4F72FEDF8C0B}"/>
+                  </a:ext>
+                </a:extLst>
+              </p:cNvPr>
+              <p:cNvSpPr txBox="1"/>
+              <p:nvPr/>
+            </p:nvSpPr>
+            <p:spPr>
+              <a:xfrm>
+                <a:off x="285774" y="2664664"/>
+                <a:ext cx="245174" cy="230832"/>
+              </a:xfrm>
+              <a:prstGeom prst="rect">
+                <a:avLst/>
+              </a:prstGeom>
+              <a:noFill/>
+            </p:spPr>
+            <p:txBody>
+              <a:bodyPr wrap="square" rtlCol="0">
+                <a:spAutoFit/>
+              </a:bodyPr>
+              <a:lstStyle/>
+              <a:p>
+                <a:r>
+                  <a:rPr lang="en-US" altLang="zh-CN" sz="900" b="1" dirty="0">
+                    <a:latin typeface="Times New Roman" panose="02020603050405020304" pitchFamily="18" charset="0"/>
+                    <a:cs typeface="Times New Roman" panose="02020603050405020304" pitchFamily="18" charset="0"/>
+                  </a:rPr>
+                  <a:t>5</a:t>
+                </a:r>
+                <a:endParaRPr lang="zh-CN" altLang="en-US" sz="900" b="1" dirty="0">
+                  <a:latin typeface="Times New Roman" panose="02020603050405020304" pitchFamily="18" charset="0"/>
+                  <a:cs typeface="Times New Roman" panose="02020603050405020304" pitchFamily="18" charset="0"/>
+                </a:endParaRPr>
+              </a:p>
+            </p:txBody>
+          </p:sp>
+          <p:sp>
+            <p:nvSpPr>
+              <p:cNvPr id="50" name="文本框 49">
+                <a:extLst>
+                  <a:ext uri="{FF2B5EF4-FFF2-40B4-BE49-F238E27FC236}">
+                    <a16:creationId xmlns:a16="http://schemas.microsoft.com/office/drawing/2014/main" id="{D95F7475-B839-4F50-ACED-27E85A712786}"/>
+                  </a:ext>
+                </a:extLst>
+              </p:cNvPr>
+              <p:cNvSpPr txBox="1"/>
+              <p:nvPr/>
+            </p:nvSpPr>
+            <p:spPr>
+              <a:xfrm>
+                <a:off x="245993" y="2235688"/>
+                <a:ext cx="324736" cy="230832"/>
+              </a:xfrm>
+              <a:prstGeom prst="rect">
+                <a:avLst/>
+              </a:prstGeom>
+              <a:noFill/>
+            </p:spPr>
+            <p:txBody>
+              <a:bodyPr wrap="square" rtlCol="0">
+                <a:spAutoFit/>
+              </a:bodyPr>
+              <a:lstStyle/>
+              <a:p>
+                <a:r>
+                  <a:rPr lang="en-US" altLang="zh-CN" sz="900" b="1" dirty="0">
+                    <a:latin typeface="Times New Roman" panose="02020603050405020304" pitchFamily="18" charset="0"/>
+                    <a:cs typeface="Times New Roman" panose="02020603050405020304" pitchFamily="18" charset="0"/>
+                  </a:rPr>
+                  <a:t>10</a:t>
+                </a:r>
+                <a:endParaRPr lang="zh-CN" altLang="en-US" sz="900" b="1" dirty="0">
+                  <a:latin typeface="Times New Roman" panose="02020603050405020304" pitchFamily="18" charset="0"/>
+                  <a:cs typeface="Times New Roman" panose="02020603050405020304" pitchFamily="18" charset="0"/>
+                </a:endParaRPr>
+              </a:p>
+            </p:txBody>
+          </p:sp>
+          <p:sp>
+            <p:nvSpPr>
+              <p:cNvPr id="51" name="文本框 50">
+                <a:extLst>
+                  <a:ext uri="{FF2B5EF4-FFF2-40B4-BE49-F238E27FC236}">
+                    <a16:creationId xmlns:a16="http://schemas.microsoft.com/office/drawing/2014/main" id="{90C2E29D-A36F-4D44-A009-324A0A5C37D8}"/>
+                  </a:ext>
+                </a:extLst>
+              </p:cNvPr>
+              <p:cNvSpPr txBox="1"/>
+              <p:nvPr/>
+            </p:nvSpPr>
+            <p:spPr>
+              <a:xfrm>
+                <a:off x="245993" y="1806712"/>
+                <a:ext cx="324736" cy="230832"/>
+              </a:xfrm>
+              <a:prstGeom prst="rect">
+                <a:avLst/>
+              </a:prstGeom>
+              <a:noFill/>
+            </p:spPr>
+            <p:txBody>
+              <a:bodyPr wrap="square" rtlCol="0">
+                <a:spAutoFit/>
+              </a:bodyPr>
+              <a:lstStyle/>
+              <a:p>
+                <a:r>
+                  <a:rPr lang="en-US" altLang="zh-CN" sz="900" b="1" dirty="0">
+                    <a:latin typeface="Times New Roman" panose="02020603050405020304" pitchFamily="18" charset="0"/>
+                    <a:cs typeface="Times New Roman" panose="02020603050405020304" pitchFamily="18" charset="0"/>
+                  </a:rPr>
+                  <a:t>15</a:t>
+                </a:r>
+                <a:endParaRPr lang="zh-CN" altLang="en-US" sz="900" b="1" dirty="0">
+                  <a:latin typeface="Times New Roman" panose="02020603050405020304" pitchFamily="18" charset="0"/>
+                  <a:cs typeface="Times New Roman" panose="02020603050405020304" pitchFamily="18" charset="0"/>
+                </a:endParaRPr>
+              </a:p>
+            </p:txBody>
+          </p:sp>
+          <p:sp>
+            <p:nvSpPr>
+              <p:cNvPr id="52" name="文本框 51">
+                <a:extLst>
+                  <a:ext uri="{FF2B5EF4-FFF2-40B4-BE49-F238E27FC236}">
+                    <a16:creationId xmlns:a16="http://schemas.microsoft.com/office/drawing/2014/main" id="{20C205F4-49B3-417E-B54D-7410C1754D1C}"/>
+                  </a:ext>
+                </a:extLst>
+              </p:cNvPr>
+              <p:cNvSpPr txBox="1"/>
+              <p:nvPr/>
+            </p:nvSpPr>
+            <p:spPr>
+              <a:xfrm>
+                <a:off x="251914" y="1377737"/>
+                <a:ext cx="312894" cy="230832"/>
+              </a:xfrm>
+              <a:prstGeom prst="rect">
+                <a:avLst/>
+              </a:prstGeom>
+              <a:noFill/>
+            </p:spPr>
+            <p:txBody>
+              <a:bodyPr wrap="square" rtlCol="0">
+                <a:spAutoFit/>
+              </a:bodyPr>
+              <a:lstStyle/>
+              <a:p>
+                <a:r>
+                  <a:rPr lang="en-US" altLang="zh-CN" sz="900" b="1" dirty="0">
+                    <a:latin typeface="Times New Roman" panose="02020603050405020304" pitchFamily="18" charset="0"/>
+                    <a:cs typeface="Times New Roman" panose="02020603050405020304" pitchFamily="18" charset="0"/>
+                  </a:rPr>
+                  <a:t>20</a:t>
+                </a:r>
+                <a:endParaRPr lang="zh-CN" altLang="en-US" sz="900" b="1" dirty="0">
+                  <a:latin typeface="Times New Roman" panose="02020603050405020304" pitchFamily="18" charset="0"/>
+                  <a:cs typeface="Times New Roman" panose="02020603050405020304" pitchFamily="18" charset="0"/>
+                </a:endParaRPr>
+              </a:p>
+            </p:txBody>
+          </p:sp>
+          <p:sp>
+            <p:nvSpPr>
+              <p:cNvPr id="53" name="文本框 52">
+                <a:extLst>
+                  <a:ext uri="{FF2B5EF4-FFF2-40B4-BE49-F238E27FC236}">
+                    <a16:creationId xmlns:a16="http://schemas.microsoft.com/office/drawing/2014/main" id="{44BFE29C-BC9F-4649-B92E-DC70F95AD161}"/>
+                  </a:ext>
+                </a:extLst>
+              </p:cNvPr>
+              <p:cNvSpPr txBox="1"/>
+              <p:nvPr/>
+            </p:nvSpPr>
+            <p:spPr>
+              <a:xfrm>
+                <a:off x="257401" y="948762"/>
+                <a:ext cx="301921" cy="230832"/>
+              </a:xfrm>
+              <a:prstGeom prst="rect">
+                <a:avLst/>
+              </a:prstGeom>
+              <a:noFill/>
+            </p:spPr>
+            <p:txBody>
+              <a:bodyPr wrap="square" rtlCol="0">
+                <a:spAutoFit/>
+              </a:bodyPr>
+              <a:lstStyle/>
+              <a:p>
+                <a:r>
+                  <a:rPr lang="en-US" altLang="zh-CN" sz="900" b="1" dirty="0">
+                    <a:latin typeface="Times New Roman" panose="02020603050405020304" pitchFamily="18" charset="0"/>
+                    <a:cs typeface="Times New Roman" panose="02020603050405020304" pitchFamily="18" charset="0"/>
+                  </a:rPr>
+                  <a:t>25</a:t>
+                </a:r>
+                <a:endParaRPr lang="zh-CN" altLang="en-US" sz="900" b="1" dirty="0">
+                  <a:latin typeface="Times New Roman" panose="02020603050405020304" pitchFamily="18" charset="0"/>
+                  <a:cs typeface="Times New Roman" panose="02020603050405020304" pitchFamily="18" charset="0"/>
+                </a:endParaRPr>
+              </a:p>
+            </p:txBody>
+          </p:sp>
+        </p:grpSp>
+        <p:grpSp>
+          <p:nvGrpSpPr>
+            <p:cNvPr id="54" name="组合 53">
+              <a:extLst>
+                <a:ext uri="{FF2B5EF4-FFF2-40B4-BE49-F238E27FC236}">
+                  <a16:creationId xmlns:a16="http://schemas.microsoft.com/office/drawing/2014/main" id="{5DCD2AD6-D0E8-4CC1-815A-BA1F8762AB98}"/>
+                </a:ext>
+              </a:extLst>
+            </p:cNvPr>
+            <p:cNvGrpSpPr/>
+            <p:nvPr/>
+          </p:nvGrpSpPr>
+          <p:grpSpPr>
+            <a:xfrm>
+              <a:off x="6003881" y="833260"/>
+              <a:ext cx="423708" cy="1946734"/>
+              <a:chOff x="6197292" y="950994"/>
+              <a:chExt cx="423708" cy="1946734"/>
+            </a:xfrm>
+          </p:grpSpPr>
+          <p:sp>
+            <p:nvSpPr>
+              <p:cNvPr id="55" name="文本框 54">
+                <a:extLst>
+                  <a:ext uri="{FF2B5EF4-FFF2-40B4-BE49-F238E27FC236}">
+                    <a16:creationId xmlns:a16="http://schemas.microsoft.com/office/drawing/2014/main" id="{F4F40D49-E95C-4502-B554-4D5DF5253824}"/>
+                  </a:ext>
+                </a:extLst>
+              </p:cNvPr>
+              <p:cNvSpPr txBox="1"/>
+              <p:nvPr/>
+            </p:nvSpPr>
+            <p:spPr>
+              <a:xfrm>
+                <a:off x="6214222" y="2666896"/>
+                <a:ext cx="389849" cy="230832"/>
+              </a:xfrm>
+              <a:prstGeom prst="rect">
+                <a:avLst/>
+              </a:prstGeom>
+              <a:noFill/>
+            </p:spPr>
+            <p:txBody>
+              <a:bodyPr wrap="square" rtlCol="0">
+                <a:spAutoFit/>
+              </a:bodyPr>
+              <a:lstStyle/>
+              <a:p>
+                <a:r>
+                  <a:rPr lang="en-US" altLang="zh-CN" sz="900" b="1" dirty="0">
+                    <a:latin typeface="Times New Roman" panose="02020603050405020304" pitchFamily="18" charset="0"/>
+                    <a:cs typeface="Times New Roman" panose="02020603050405020304" pitchFamily="18" charset="0"/>
+                  </a:rPr>
+                  <a:t>0.0</a:t>
+                </a:r>
+                <a:endParaRPr lang="zh-CN" altLang="en-US" sz="900" b="1" dirty="0">
+                  <a:latin typeface="Times New Roman" panose="02020603050405020304" pitchFamily="18" charset="0"/>
+                  <a:cs typeface="Times New Roman" panose="02020603050405020304" pitchFamily="18" charset="0"/>
+                </a:endParaRPr>
+              </a:p>
+            </p:txBody>
+          </p:sp>
+          <p:sp>
+            <p:nvSpPr>
+              <p:cNvPr id="56" name="文本框 55">
+                <a:extLst>
+                  <a:ext uri="{FF2B5EF4-FFF2-40B4-BE49-F238E27FC236}">
+                    <a16:creationId xmlns:a16="http://schemas.microsoft.com/office/drawing/2014/main" id="{E0BF5F48-EBD7-4D4A-8547-A6BA657C01CD}"/>
+                  </a:ext>
+                </a:extLst>
+              </p:cNvPr>
+              <p:cNvSpPr txBox="1"/>
+              <p:nvPr/>
+            </p:nvSpPr>
+            <p:spPr>
+              <a:xfrm>
+                <a:off x="6214222" y="2237919"/>
+                <a:ext cx="389848" cy="230832"/>
+              </a:xfrm>
+              <a:prstGeom prst="rect">
+                <a:avLst/>
+              </a:prstGeom>
+              <a:noFill/>
+            </p:spPr>
+            <p:txBody>
+              <a:bodyPr wrap="square" rtlCol="0">
+                <a:spAutoFit/>
+              </a:bodyPr>
+              <a:lstStyle/>
+              <a:p>
+                <a:r>
+                  <a:rPr lang="en-US" altLang="zh-CN" sz="900" b="1" dirty="0">
+                    <a:latin typeface="Times New Roman" panose="02020603050405020304" pitchFamily="18" charset="0"/>
+                    <a:cs typeface="Times New Roman" panose="02020603050405020304" pitchFamily="18" charset="0"/>
+                  </a:rPr>
+                  <a:t>0.2</a:t>
+                </a:r>
+                <a:endParaRPr lang="zh-CN" altLang="en-US" sz="900" b="1" dirty="0">
+                  <a:latin typeface="Times New Roman" panose="02020603050405020304" pitchFamily="18" charset="0"/>
+                  <a:cs typeface="Times New Roman" panose="02020603050405020304" pitchFamily="18" charset="0"/>
+                </a:endParaRPr>
+              </a:p>
+            </p:txBody>
+          </p:sp>
+          <p:sp>
+            <p:nvSpPr>
+              <p:cNvPr id="57" name="文本框 56">
+                <a:extLst>
+                  <a:ext uri="{FF2B5EF4-FFF2-40B4-BE49-F238E27FC236}">
+                    <a16:creationId xmlns:a16="http://schemas.microsoft.com/office/drawing/2014/main" id="{D095D342-F917-440C-BF51-C7BF862D2A5E}"/>
+                  </a:ext>
+                </a:extLst>
+              </p:cNvPr>
+              <p:cNvSpPr txBox="1"/>
+              <p:nvPr/>
+            </p:nvSpPr>
+            <p:spPr>
+              <a:xfrm>
+                <a:off x="6214222" y="1808944"/>
+                <a:ext cx="389848" cy="230832"/>
+              </a:xfrm>
+              <a:prstGeom prst="rect">
+                <a:avLst/>
+              </a:prstGeom>
+              <a:noFill/>
+            </p:spPr>
+            <p:txBody>
+              <a:bodyPr wrap="square" rtlCol="0">
+                <a:spAutoFit/>
+              </a:bodyPr>
+              <a:lstStyle/>
+              <a:p>
+                <a:r>
+                  <a:rPr lang="en-US" altLang="zh-CN" sz="900" b="1" dirty="0">
+                    <a:latin typeface="Times New Roman" panose="02020603050405020304" pitchFamily="18" charset="0"/>
+                    <a:cs typeface="Times New Roman" panose="02020603050405020304" pitchFamily="18" charset="0"/>
+                  </a:rPr>
+                  <a:t>0.4</a:t>
+                </a:r>
+                <a:endParaRPr lang="zh-CN" altLang="en-US" sz="900" b="1" dirty="0">
+                  <a:latin typeface="Times New Roman" panose="02020603050405020304" pitchFamily="18" charset="0"/>
+                  <a:cs typeface="Times New Roman" panose="02020603050405020304" pitchFamily="18" charset="0"/>
+                </a:endParaRPr>
+              </a:p>
+            </p:txBody>
+          </p:sp>
+          <p:sp>
+            <p:nvSpPr>
+              <p:cNvPr id="58" name="文本框 57">
+                <a:extLst>
+                  <a:ext uri="{FF2B5EF4-FFF2-40B4-BE49-F238E27FC236}">
+                    <a16:creationId xmlns:a16="http://schemas.microsoft.com/office/drawing/2014/main" id="{E51E3715-A547-4919-91F8-7FEC70C47044}"/>
+                  </a:ext>
+                </a:extLst>
+              </p:cNvPr>
+              <p:cNvSpPr txBox="1"/>
+              <p:nvPr/>
+            </p:nvSpPr>
+            <p:spPr>
+              <a:xfrm>
+                <a:off x="6197292" y="1379969"/>
+                <a:ext cx="423708" cy="230832"/>
+              </a:xfrm>
+              <a:prstGeom prst="rect">
+                <a:avLst/>
+              </a:prstGeom>
+              <a:noFill/>
+            </p:spPr>
+            <p:txBody>
+              <a:bodyPr wrap="square" rtlCol="0">
+                <a:spAutoFit/>
+              </a:bodyPr>
+              <a:lstStyle/>
+              <a:p>
+                <a:r>
+                  <a:rPr lang="en-US" altLang="zh-CN" sz="900" b="1" dirty="0">
+                    <a:latin typeface="Times New Roman" panose="02020603050405020304" pitchFamily="18" charset="0"/>
+                    <a:cs typeface="Times New Roman" panose="02020603050405020304" pitchFamily="18" charset="0"/>
+                  </a:rPr>
+                  <a:t>0.6</a:t>
+                </a:r>
+                <a:endParaRPr lang="zh-CN" altLang="en-US" sz="900" b="1" dirty="0">
+                  <a:latin typeface="Times New Roman" panose="02020603050405020304" pitchFamily="18" charset="0"/>
+                  <a:cs typeface="Times New Roman" panose="02020603050405020304" pitchFamily="18" charset="0"/>
+                </a:endParaRPr>
+              </a:p>
+            </p:txBody>
+          </p:sp>
+          <p:sp>
+            <p:nvSpPr>
+              <p:cNvPr id="59" name="文本框 58">
+                <a:extLst>
+                  <a:ext uri="{FF2B5EF4-FFF2-40B4-BE49-F238E27FC236}">
+                    <a16:creationId xmlns:a16="http://schemas.microsoft.com/office/drawing/2014/main" id="{FF479AE5-2D58-43CB-AF31-95CDA80AB46A}"/>
+                  </a:ext>
+                </a:extLst>
+              </p:cNvPr>
+              <p:cNvSpPr txBox="1"/>
+              <p:nvPr/>
+            </p:nvSpPr>
+            <p:spPr>
+              <a:xfrm>
+                <a:off x="6200036" y="950994"/>
+                <a:ext cx="418221" cy="230832"/>
+              </a:xfrm>
+              <a:prstGeom prst="rect">
+                <a:avLst/>
+              </a:prstGeom>
+              <a:noFill/>
+            </p:spPr>
+            <p:txBody>
+              <a:bodyPr wrap="square" rtlCol="0">
+                <a:spAutoFit/>
+              </a:bodyPr>
+              <a:lstStyle/>
+              <a:p>
+                <a:r>
+                  <a:rPr lang="en-US" altLang="zh-CN" sz="900" b="1" dirty="0">
+                    <a:latin typeface="Times New Roman" panose="02020603050405020304" pitchFamily="18" charset="0"/>
+                    <a:cs typeface="Times New Roman" panose="02020603050405020304" pitchFamily="18" charset="0"/>
+                  </a:rPr>
+                  <a:t>0.8</a:t>
+                </a:r>
+                <a:endParaRPr lang="zh-CN" altLang="en-US" sz="900" b="1" dirty="0">
+                  <a:latin typeface="Times New Roman" panose="02020603050405020304" pitchFamily="18" charset="0"/>
+                  <a:cs typeface="Times New Roman" panose="02020603050405020304" pitchFamily="18" charset="0"/>
+                </a:endParaRPr>
+              </a:p>
+            </p:txBody>
+          </p:sp>
+        </p:grpSp>
+        <p:pic>
+          <p:nvPicPr>
+            <p:cNvPr id="60" name="图片 59" descr="图片包含 图示&#10;&#10;描述已自动生成">
+              <a:extLst>
+                <a:ext uri="{FF2B5EF4-FFF2-40B4-BE49-F238E27FC236}">
+                  <a16:creationId xmlns:a16="http://schemas.microsoft.com/office/drawing/2014/main" id="{E8790D70-98A4-4CDA-82DF-8EC828E309DF}"/>
+                </a:ext>
+              </a:extLst>
+            </p:cNvPr>
+            <p:cNvPicPr/>
+            <p:nvPr/>
+          </p:nvPicPr>
+          <p:blipFill rotWithShape="1">
+            <a:blip r:embed="rId5">
+              <a:extLst>
+                <a:ext uri="{28A0092B-C50C-407E-A947-70E740481C1C}">
+                  <a14:useLocalDpi xmlns:a14="http://schemas.microsoft.com/office/drawing/2010/main" val="0"/>
+                </a:ext>
+              </a:extLst>
+            </a:blip>
+            <a:srcRect l="4882" t="22353" r="4928" b="6665"/>
+            <a:stretch/>
+          </p:blipFill>
+          <p:spPr>
+            <a:xfrm>
+              <a:off x="505606" y="3698426"/>
+              <a:ext cx="5553227" cy="2539578"/>
+            </a:xfrm>
+            <a:prstGeom prst="rect">
+              <a:avLst/>
+            </a:prstGeom>
+          </p:spPr>
+        </p:pic>
+        <p:grpSp>
+          <p:nvGrpSpPr>
+            <p:cNvPr id="61" name="组合 60">
+              <a:extLst>
+                <a:ext uri="{FF2B5EF4-FFF2-40B4-BE49-F238E27FC236}">
+                  <a16:creationId xmlns:a16="http://schemas.microsoft.com/office/drawing/2014/main" id="{A5F6FC28-A7A9-4EE3-8B03-2E640B9D32AA}"/>
+                </a:ext>
+              </a:extLst>
+            </p:cNvPr>
+            <p:cNvGrpSpPr/>
+            <p:nvPr/>
+          </p:nvGrpSpPr>
+          <p:grpSpPr>
+            <a:xfrm>
+              <a:off x="233707" y="867187"/>
+              <a:ext cx="324736" cy="1946734"/>
+              <a:chOff x="245993" y="948762"/>
+              <a:chExt cx="324736" cy="1946734"/>
+            </a:xfrm>
+          </p:grpSpPr>
+          <p:sp>
+            <p:nvSpPr>
+              <p:cNvPr id="62" name="文本框 61">
+                <a:extLst>
+                  <a:ext uri="{FF2B5EF4-FFF2-40B4-BE49-F238E27FC236}">
+                    <a16:creationId xmlns:a16="http://schemas.microsoft.com/office/drawing/2014/main" id="{D288913C-D7CF-419A-9C26-581109C95A01}"/>
+                  </a:ext>
+                </a:extLst>
+              </p:cNvPr>
+              <p:cNvSpPr txBox="1"/>
+              <p:nvPr/>
+            </p:nvSpPr>
+            <p:spPr>
+              <a:xfrm>
+                <a:off x="285774" y="2664664"/>
+                <a:ext cx="245174" cy="230832"/>
+              </a:xfrm>
+              <a:prstGeom prst="rect">
+                <a:avLst/>
+              </a:prstGeom>
+              <a:noFill/>
+            </p:spPr>
+            <p:txBody>
+              <a:bodyPr wrap="square" rtlCol="0">
+                <a:spAutoFit/>
+              </a:bodyPr>
+              <a:lstStyle/>
+              <a:p>
+                <a:r>
+                  <a:rPr lang="en-US" altLang="zh-CN" sz="900" b="1" dirty="0">
+                    <a:latin typeface="Times New Roman" panose="02020603050405020304" pitchFamily="18" charset="0"/>
+                    <a:cs typeface="Times New Roman" panose="02020603050405020304" pitchFamily="18" charset="0"/>
+                  </a:rPr>
+                  <a:t>5</a:t>
+                </a:r>
+                <a:endParaRPr lang="zh-CN" altLang="en-US" sz="900" b="1" dirty="0">
+                  <a:latin typeface="Times New Roman" panose="02020603050405020304" pitchFamily="18" charset="0"/>
+                  <a:cs typeface="Times New Roman" panose="02020603050405020304" pitchFamily="18" charset="0"/>
+                </a:endParaRPr>
+              </a:p>
+            </p:txBody>
+          </p:sp>
+          <p:sp>
+            <p:nvSpPr>
+              <p:cNvPr id="63" name="文本框 62">
+                <a:extLst>
+                  <a:ext uri="{FF2B5EF4-FFF2-40B4-BE49-F238E27FC236}">
+                    <a16:creationId xmlns:a16="http://schemas.microsoft.com/office/drawing/2014/main" id="{39CD3BB6-11B5-481C-BA86-C0A5C7021ED7}"/>
+                  </a:ext>
+                </a:extLst>
+              </p:cNvPr>
+              <p:cNvSpPr txBox="1"/>
+              <p:nvPr/>
+            </p:nvSpPr>
+            <p:spPr>
+              <a:xfrm>
+                <a:off x="245993" y="2235688"/>
+                <a:ext cx="324736" cy="230832"/>
+              </a:xfrm>
+              <a:prstGeom prst="rect">
+                <a:avLst/>
+              </a:prstGeom>
+              <a:noFill/>
+            </p:spPr>
+            <p:txBody>
+              <a:bodyPr wrap="square" rtlCol="0">
+                <a:spAutoFit/>
+              </a:bodyPr>
+              <a:lstStyle/>
+              <a:p>
+                <a:r>
+                  <a:rPr lang="en-US" altLang="zh-CN" sz="900" b="1" dirty="0">
+                    <a:latin typeface="Times New Roman" panose="02020603050405020304" pitchFamily="18" charset="0"/>
+                    <a:cs typeface="Times New Roman" panose="02020603050405020304" pitchFamily="18" charset="0"/>
+                  </a:rPr>
+                  <a:t>10</a:t>
+                </a:r>
+                <a:endParaRPr lang="zh-CN" altLang="en-US" sz="900" b="1" dirty="0">
+                  <a:latin typeface="Times New Roman" panose="02020603050405020304" pitchFamily="18" charset="0"/>
+                  <a:cs typeface="Times New Roman" panose="02020603050405020304" pitchFamily="18" charset="0"/>
+                </a:endParaRPr>
+              </a:p>
+            </p:txBody>
+          </p:sp>
+          <p:sp>
+            <p:nvSpPr>
+              <p:cNvPr id="64" name="文本框 63">
+                <a:extLst>
+                  <a:ext uri="{FF2B5EF4-FFF2-40B4-BE49-F238E27FC236}">
+                    <a16:creationId xmlns:a16="http://schemas.microsoft.com/office/drawing/2014/main" id="{686ADC7B-3F5F-4444-8B75-58DF5069C11F}"/>
+                  </a:ext>
+                </a:extLst>
+              </p:cNvPr>
+              <p:cNvSpPr txBox="1"/>
+              <p:nvPr/>
+            </p:nvSpPr>
+            <p:spPr>
+              <a:xfrm>
+                <a:off x="245993" y="1806712"/>
+                <a:ext cx="324736" cy="230832"/>
+              </a:xfrm>
+              <a:prstGeom prst="rect">
+                <a:avLst/>
+              </a:prstGeom>
+              <a:noFill/>
+            </p:spPr>
+            <p:txBody>
+              <a:bodyPr wrap="square" rtlCol="0">
+                <a:spAutoFit/>
+              </a:bodyPr>
+              <a:lstStyle/>
+              <a:p>
+                <a:r>
+                  <a:rPr lang="en-US" altLang="zh-CN" sz="900" b="1" dirty="0">
+                    <a:latin typeface="Times New Roman" panose="02020603050405020304" pitchFamily="18" charset="0"/>
+                    <a:cs typeface="Times New Roman" panose="02020603050405020304" pitchFamily="18" charset="0"/>
+                  </a:rPr>
+                  <a:t>15</a:t>
+                </a:r>
+                <a:endParaRPr lang="zh-CN" altLang="en-US" sz="900" b="1" dirty="0">
+                  <a:latin typeface="Times New Roman" panose="02020603050405020304" pitchFamily="18" charset="0"/>
+                  <a:cs typeface="Times New Roman" panose="02020603050405020304" pitchFamily="18" charset="0"/>
+                </a:endParaRPr>
+              </a:p>
+            </p:txBody>
+          </p:sp>
+          <p:sp>
+            <p:nvSpPr>
+              <p:cNvPr id="65" name="文本框 64">
+                <a:extLst>
+                  <a:ext uri="{FF2B5EF4-FFF2-40B4-BE49-F238E27FC236}">
+                    <a16:creationId xmlns:a16="http://schemas.microsoft.com/office/drawing/2014/main" id="{F711A2AF-9782-4952-861E-2F6D996B739C}"/>
+                  </a:ext>
+                </a:extLst>
+              </p:cNvPr>
+              <p:cNvSpPr txBox="1"/>
+              <p:nvPr/>
+            </p:nvSpPr>
+            <p:spPr>
+              <a:xfrm>
+                <a:off x="251914" y="1377737"/>
+                <a:ext cx="312894" cy="230832"/>
+              </a:xfrm>
+              <a:prstGeom prst="rect">
+                <a:avLst/>
+              </a:prstGeom>
+              <a:noFill/>
+            </p:spPr>
+            <p:txBody>
+              <a:bodyPr wrap="square" rtlCol="0">
+                <a:spAutoFit/>
+              </a:bodyPr>
+              <a:lstStyle/>
+              <a:p>
+                <a:r>
+                  <a:rPr lang="en-US" altLang="zh-CN" sz="900" b="1" dirty="0">
+                    <a:latin typeface="Times New Roman" panose="02020603050405020304" pitchFamily="18" charset="0"/>
+                    <a:cs typeface="Times New Roman" panose="02020603050405020304" pitchFamily="18" charset="0"/>
+                  </a:rPr>
+                  <a:t>20</a:t>
+                </a:r>
+                <a:endParaRPr lang="zh-CN" altLang="en-US" sz="900" b="1" dirty="0">
+                  <a:latin typeface="Times New Roman" panose="02020603050405020304" pitchFamily="18" charset="0"/>
+                  <a:cs typeface="Times New Roman" panose="02020603050405020304" pitchFamily="18" charset="0"/>
+                </a:endParaRPr>
+              </a:p>
+            </p:txBody>
+          </p:sp>
+          <p:sp>
+            <p:nvSpPr>
+              <p:cNvPr id="66" name="文本框 65">
+                <a:extLst>
+                  <a:ext uri="{FF2B5EF4-FFF2-40B4-BE49-F238E27FC236}">
+                    <a16:creationId xmlns:a16="http://schemas.microsoft.com/office/drawing/2014/main" id="{00E665C1-066C-41A2-BD94-A83F564951D0}"/>
+                  </a:ext>
+                </a:extLst>
+              </p:cNvPr>
+              <p:cNvSpPr txBox="1"/>
+              <p:nvPr/>
+            </p:nvSpPr>
+            <p:spPr>
+              <a:xfrm>
+                <a:off x="257401" y="948762"/>
+                <a:ext cx="301921" cy="230832"/>
+              </a:xfrm>
+              <a:prstGeom prst="rect">
+                <a:avLst/>
+              </a:prstGeom>
+              <a:noFill/>
+            </p:spPr>
+            <p:txBody>
+              <a:bodyPr wrap="square" rtlCol="0">
+                <a:spAutoFit/>
+              </a:bodyPr>
+              <a:lstStyle/>
+              <a:p>
+                <a:r>
+                  <a:rPr lang="en-US" altLang="zh-CN" sz="900" b="1" dirty="0">
+                    <a:latin typeface="Times New Roman" panose="02020603050405020304" pitchFamily="18" charset="0"/>
+                    <a:cs typeface="Times New Roman" panose="02020603050405020304" pitchFamily="18" charset="0"/>
+                  </a:rPr>
+                  <a:t>25</a:t>
+                </a:r>
+                <a:endParaRPr lang="zh-CN" altLang="en-US" sz="900" b="1" dirty="0">
+                  <a:latin typeface="Times New Roman" panose="02020603050405020304" pitchFamily="18" charset="0"/>
+                  <a:cs typeface="Times New Roman" panose="02020603050405020304" pitchFamily="18" charset="0"/>
+                </a:endParaRPr>
+              </a:p>
+            </p:txBody>
+          </p:sp>
+        </p:grpSp>
+        <p:sp>
+          <p:nvSpPr>
+            <p:cNvPr id="67" name="文本框 66">
+              <a:extLst>
+                <a:ext uri="{FF2B5EF4-FFF2-40B4-BE49-F238E27FC236}">
+                  <a16:creationId xmlns:a16="http://schemas.microsoft.com/office/drawing/2014/main" id="{683B201B-DA12-4349-A8D4-EC297B917C47}"/>
+                </a:ext>
+              </a:extLst>
+            </p:cNvPr>
+            <p:cNvSpPr txBox="1"/>
+            <p:nvPr/>
+          </p:nvSpPr>
+          <p:spPr>
+            <a:xfrm>
+              <a:off x="179218" y="3332520"/>
+              <a:ext cx="367408" cy="584775"/>
+            </a:xfrm>
+            <a:prstGeom prst="rect">
+              <a:avLst/>
+            </a:prstGeom>
+            <a:noFill/>
+          </p:spPr>
+          <p:txBody>
+            <a:bodyPr wrap="none" rtlCol="0">
+              <a:spAutoFit/>
+            </a:bodyPr>
+            <a:lstStyle/>
+            <a:p>
+              <a:r>
+                <a:rPr lang="en-US" altLang="zh-CN" sz="3200" b="1" dirty="0">
+                  <a:latin typeface="Times New Roman" panose="02020603050405020304" pitchFamily="18" charset="0"/>
+                  <a:cs typeface="Times New Roman" panose="02020603050405020304" pitchFamily="18" charset="0"/>
+                </a:rPr>
+                <a:t>c</a:t>
+              </a:r>
+              <a:endParaRPr lang="zh-CN" altLang="en-US" sz="3200" b="1" dirty="0">
+                <a:latin typeface="Times New Roman" panose="02020603050405020304" pitchFamily="18" charset="0"/>
+                <a:cs typeface="Times New Roman" panose="02020603050405020304" pitchFamily="18" charset="0"/>
+              </a:endParaRPr>
+            </a:p>
+          </p:txBody>
+        </p:sp>
+        <p:grpSp>
+          <p:nvGrpSpPr>
+            <p:cNvPr id="69" name="组合 68">
+              <a:extLst>
+                <a:ext uri="{FF2B5EF4-FFF2-40B4-BE49-F238E27FC236}">
+                  <a16:creationId xmlns:a16="http://schemas.microsoft.com/office/drawing/2014/main" id="{7DCFCB3F-1A3C-4356-AC19-8534E5519556}"/>
+                </a:ext>
+              </a:extLst>
+            </p:cNvPr>
+            <p:cNvGrpSpPr/>
+            <p:nvPr/>
+          </p:nvGrpSpPr>
+          <p:grpSpPr>
+            <a:xfrm>
+              <a:off x="382100" y="6257599"/>
+              <a:ext cx="5814965" cy="230832"/>
+              <a:chOff x="367974" y="3135422"/>
+              <a:chExt cx="5814965" cy="230832"/>
+            </a:xfrm>
+          </p:grpSpPr>
+          <p:sp>
+            <p:nvSpPr>
+              <p:cNvPr id="70" name="文本框 69">
+                <a:extLst>
+                  <a:ext uri="{FF2B5EF4-FFF2-40B4-BE49-F238E27FC236}">
+                    <a16:creationId xmlns:a16="http://schemas.microsoft.com/office/drawing/2014/main" id="{B599B66A-BF42-4536-BC16-FFAF0CE41039}"/>
+                  </a:ext>
+                </a:extLst>
+              </p:cNvPr>
+              <p:cNvSpPr txBox="1"/>
+              <p:nvPr/>
+            </p:nvSpPr>
+            <p:spPr>
+              <a:xfrm>
+                <a:off x="367974" y="3135422"/>
+                <a:ext cx="771365" cy="230832"/>
+              </a:xfrm>
+              <a:prstGeom prst="rect">
+                <a:avLst/>
+              </a:prstGeom>
+              <a:noFill/>
+            </p:spPr>
+            <p:txBody>
+              <a:bodyPr wrap="square" rtlCol="0">
+                <a:spAutoFit/>
+              </a:bodyPr>
+              <a:lstStyle/>
+              <a:p>
+                <a:r>
+                  <a:rPr lang="en-US" altLang="zh-CN" sz="900" b="1" dirty="0">
+                    <a:latin typeface="Times New Roman" panose="02020603050405020304" pitchFamily="18" charset="0"/>
+                    <a:cs typeface="Times New Roman" panose="02020603050405020304" pitchFamily="18" charset="0"/>
+                  </a:rPr>
+                  <a:t>[-5.21, -3.61)</a:t>
+                </a:r>
+                <a:endParaRPr lang="zh-CN" altLang="en-US" sz="900" b="1" dirty="0">
+                  <a:latin typeface="Times New Roman" panose="02020603050405020304" pitchFamily="18" charset="0"/>
+                  <a:cs typeface="Times New Roman" panose="02020603050405020304" pitchFamily="18" charset="0"/>
+                </a:endParaRPr>
+              </a:p>
+            </p:txBody>
+          </p:sp>
+          <p:sp>
+            <p:nvSpPr>
+              <p:cNvPr id="71" name="文本框 70">
+                <a:extLst>
+                  <a:ext uri="{FF2B5EF4-FFF2-40B4-BE49-F238E27FC236}">
+                    <a16:creationId xmlns:a16="http://schemas.microsoft.com/office/drawing/2014/main" id="{7BD553D1-8188-41DF-970A-0D16BD07DF52}"/>
                   </a:ext>
                 </a:extLst>
               </p:cNvPr>
@@ -6790,7 +9916,7 @@
                     <a:latin typeface="Times New Roman" panose="02020603050405020304" pitchFamily="18" charset="0"/>
                     <a:cs typeface="Times New Roman" panose="02020603050405020304" pitchFamily="18" charset="0"/>
                   </a:rPr>
-                  <a:t>[-1.30, -0.53)</a:t>
+                  <a:t>[-3.61, -2.76)</a:t>
                 </a:r>
                 <a:endParaRPr lang="zh-CN" altLang="en-US" sz="900" b="1" dirty="0">
                   <a:latin typeface="Times New Roman" panose="02020603050405020304" pitchFamily="18" charset="0"/>
@@ -6801,10 +9927,10 @@
           </p:sp>
           <p:sp>
             <p:nvSpPr>
-              <p:cNvPr id="130" name="文本框 129">
+              <p:cNvPr id="72" name="文本框 71">
                 <a:extLst>
                   <a:ext uri="{FF2B5EF4-FFF2-40B4-BE49-F238E27FC236}">
-                    <a16:creationId xmlns:a16="http://schemas.microsoft.com/office/drawing/2014/main" id="{D65477BD-325D-4BCD-8D06-24946C8F2F87}"/>
+                    <a16:creationId xmlns:a16="http://schemas.microsoft.com/office/drawing/2014/main" id="{0CE60E88-34E2-4E9F-AE79-19FE40B236FB}"/>
                   </a:ext>
                 </a:extLst>
               </p:cNvPr>
@@ -6814,7 +9940,7 @@
             <p:spPr>
               <a:xfrm>
                 <a:off x="2262381" y="3135422"/>
-                <a:ext cx="761747" cy="230832"/>
+                <a:ext cx="800219" cy="230832"/>
               </a:xfrm>
               <a:prstGeom prst="rect">
                 <a:avLst/>
@@ -6832,7 +9958,7 @@
                     <a:latin typeface="Times New Roman" panose="02020603050405020304" pitchFamily="18" charset="0"/>
                     <a:cs typeface="Times New Roman" panose="02020603050405020304" pitchFamily="18" charset="0"/>
                   </a:rPr>
-                  <a:t>[-0.23, 0.22)</a:t>
+                  <a:t>[-2.27, -1.84)</a:t>
                 </a:r>
                 <a:endParaRPr lang="zh-CN" altLang="en-US" sz="900" b="1" dirty="0">
                   <a:latin typeface="Times New Roman" panose="02020603050405020304" pitchFamily="18" charset="0"/>
@@ -6843,10 +9969,10 @@
           </p:sp>
           <p:sp>
             <p:nvSpPr>
-              <p:cNvPr id="131" name="文本框 130">
+              <p:cNvPr id="73" name="文本框 72">
                 <a:extLst>
                   <a:ext uri="{FF2B5EF4-FFF2-40B4-BE49-F238E27FC236}">
-                    <a16:creationId xmlns:a16="http://schemas.microsoft.com/office/drawing/2014/main" id="{BC96047E-86DE-4519-ABDD-27071CAF397A}"/>
+                    <a16:creationId xmlns:a16="http://schemas.microsoft.com/office/drawing/2014/main" id="{DBF9F008-36AB-4A3E-9154-D83873CE9B7D}"/>
                   </a:ext>
                 </a:extLst>
               </p:cNvPr>
@@ -6874,7 +10000,7 @@
                     <a:latin typeface="Times New Roman" panose="02020603050405020304" pitchFamily="18" charset="0"/>
                     <a:cs typeface="Times New Roman" panose="02020603050405020304" pitchFamily="18" charset="0"/>
                   </a:rPr>
-                  <a:t>[-0.53, -0.23)</a:t>
+                  <a:t>[-2.76, -2.27)</a:t>
                 </a:r>
                 <a:endParaRPr lang="zh-CN" altLang="en-US" sz="900" b="1" dirty="0">
                   <a:latin typeface="Times New Roman" panose="02020603050405020304" pitchFamily="18" charset="0"/>
@@ -6885,10 +10011,10 @@
           </p:sp>
           <p:sp>
             <p:nvSpPr>
-              <p:cNvPr id="132" name="文本框 131">
+              <p:cNvPr id="74" name="文本框 73">
                 <a:extLst>
                   <a:ext uri="{FF2B5EF4-FFF2-40B4-BE49-F238E27FC236}">
-                    <a16:creationId xmlns:a16="http://schemas.microsoft.com/office/drawing/2014/main" id="{0281211E-9F07-4AE2-B548-69A6D537DAA6}"/>
+                    <a16:creationId xmlns:a16="http://schemas.microsoft.com/office/drawing/2014/main" id="{86B18EEA-3439-4846-9940-121D803993A1}"/>
                   </a:ext>
                 </a:extLst>
               </p:cNvPr>
@@ -6898,6 +10024,132 @@
             <p:spPr>
               <a:xfrm>
                 <a:off x="2884418" y="3135422"/>
+                <a:ext cx="800219" cy="230832"/>
+              </a:xfrm>
+              <a:prstGeom prst="rect">
+                <a:avLst/>
+              </a:prstGeom>
+              <a:noFill/>
+            </p:spPr>
+            <p:txBody>
+              <a:bodyPr wrap="none" rtlCol="0">
+                <a:spAutoFit/>
+              </a:bodyPr>
+              <a:lstStyle/>
+              <a:p>
+                <a:r>
+                  <a:rPr lang="en-US" altLang="zh-CN" sz="900" b="1" dirty="0">
+                    <a:latin typeface="Times New Roman" panose="02020603050405020304" pitchFamily="18" charset="0"/>
+                    <a:cs typeface="Times New Roman" panose="02020603050405020304" pitchFamily="18" charset="0"/>
+                  </a:rPr>
+                  <a:t>[-1.84, -1.49)</a:t>
+                </a:r>
+                <a:endParaRPr lang="zh-CN" altLang="en-US" sz="900" b="1" dirty="0">
+                  <a:latin typeface="Times New Roman" panose="02020603050405020304" pitchFamily="18" charset="0"/>
+                  <a:cs typeface="Times New Roman" panose="02020603050405020304" pitchFamily="18" charset="0"/>
+                </a:endParaRPr>
+              </a:p>
+            </p:txBody>
+          </p:sp>
+          <p:sp>
+            <p:nvSpPr>
+              <p:cNvPr id="75" name="文本框 74">
+                <a:extLst>
+                  <a:ext uri="{FF2B5EF4-FFF2-40B4-BE49-F238E27FC236}">
+                    <a16:creationId xmlns:a16="http://schemas.microsoft.com/office/drawing/2014/main" id="{7F7788EF-C0D5-4487-AFE1-0F7238D978CF}"/>
+                  </a:ext>
+                </a:extLst>
+              </p:cNvPr>
+              <p:cNvSpPr txBox="1"/>
+              <p:nvPr/>
+            </p:nvSpPr>
+            <p:spPr>
+              <a:xfrm>
+                <a:off x="3515980" y="3135422"/>
+                <a:ext cx="800219" cy="230832"/>
+              </a:xfrm>
+              <a:prstGeom prst="rect">
+                <a:avLst/>
+              </a:prstGeom>
+              <a:noFill/>
+            </p:spPr>
+            <p:txBody>
+              <a:bodyPr wrap="none" rtlCol="0">
+                <a:spAutoFit/>
+              </a:bodyPr>
+              <a:lstStyle/>
+              <a:p>
+                <a:r>
+                  <a:rPr lang="en-US" altLang="zh-CN" sz="900" b="1" dirty="0">
+                    <a:latin typeface="Times New Roman" panose="02020603050405020304" pitchFamily="18" charset="0"/>
+                    <a:cs typeface="Times New Roman" panose="02020603050405020304" pitchFamily="18" charset="0"/>
+                  </a:rPr>
+                  <a:t>[-1.49, -0.96)</a:t>
+                </a:r>
+                <a:endParaRPr lang="zh-CN" altLang="en-US" sz="900" b="1" dirty="0">
+                  <a:latin typeface="Times New Roman" panose="02020603050405020304" pitchFamily="18" charset="0"/>
+                  <a:cs typeface="Times New Roman" panose="02020603050405020304" pitchFamily="18" charset="0"/>
+                </a:endParaRPr>
+              </a:p>
+            </p:txBody>
+          </p:sp>
+          <p:sp>
+            <p:nvSpPr>
+              <p:cNvPr id="76" name="文本框 75">
+                <a:extLst>
+                  <a:ext uri="{FF2B5EF4-FFF2-40B4-BE49-F238E27FC236}">
+                    <a16:creationId xmlns:a16="http://schemas.microsoft.com/office/drawing/2014/main" id="{268F93FE-7409-4792-9173-0DFDC0E4EB67}"/>
+                  </a:ext>
+                </a:extLst>
+              </p:cNvPr>
+              <p:cNvSpPr txBox="1"/>
+              <p:nvPr/>
+            </p:nvSpPr>
+            <p:spPr>
+              <a:xfrm>
+                <a:off x="4147542" y="3135422"/>
+                <a:ext cx="761747" cy="230832"/>
+              </a:xfrm>
+              <a:prstGeom prst="rect">
+                <a:avLst/>
+              </a:prstGeom>
+              <a:noFill/>
+            </p:spPr>
+            <p:txBody>
+              <a:bodyPr wrap="none" rtlCol="0">
+                <a:spAutoFit/>
+              </a:bodyPr>
+              <a:lstStyle/>
+              <a:p>
+                <a:r>
+                  <a:rPr lang="en-US" altLang="zh-CN" sz="900" b="1" dirty="0">
+                    <a:latin typeface="Times New Roman" panose="02020603050405020304" pitchFamily="18" charset="0"/>
+                    <a:cs typeface="Times New Roman" panose="02020603050405020304" pitchFamily="18" charset="0"/>
+                  </a:rPr>
+                  <a:t>[-0.96, 4.31)</a:t>
+                </a:r>
+                <a:endParaRPr lang="zh-CN" altLang="en-US" sz="900" b="1" dirty="0">
+                  <a:latin typeface="Times New Roman" panose="02020603050405020304" pitchFamily="18" charset="0"/>
+                  <a:cs typeface="Times New Roman" panose="02020603050405020304" pitchFamily="18" charset="0"/>
+                </a:endParaRPr>
+              </a:p>
+            </p:txBody>
+          </p:sp>
+          <p:sp>
+            <p:nvSpPr>
+              <p:cNvPr id="77" name="文本框 76">
+                <a:extLst>
+                  <a:ext uri="{FF2B5EF4-FFF2-40B4-BE49-F238E27FC236}">
+                    <a16:creationId xmlns:a16="http://schemas.microsoft.com/office/drawing/2014/main" id="{11F8BC66-F33A-49C7-BA50-C730A73C9B33}"/>
+                  </a:ext>
+                </a:extLst>
+              </p:cNvPr>
+              <p:cNvSpPr txBox="1"/>
+              <p:nvPr/>
+            </p:nvSpPr>
+            <p:spPr>
+              <a:xfrm>
+                <a:off x="4769579" y="3135422"/>
                 <a:ext cx="723275" cy="230832"/>
               </a:xfrm>
               <a:prstGeom prst="rect">
@@ -6916,7 +10168,7 @@
                     <a:latin typeface="Times New Roman" panose="02020603050405020304" pitchFamily="18" charset="0"/>
                     <a:cs typeface="Times New Roman" panose="02020603050405020304" pitchFamily="18" charset="0"/>
                   </a:rPr>
-                  <a:t>[0.22, 0.53)</a:t>
+                  <a:t>[4.31, 7.55)</a:t>
                 </a:r>
                 <a:endParaRPr lang="zh-CN" altLang="en-US" sz="900" b="1" dirty="0">
                   <a:latin typeface="Times New Roman" panose="02020603050405020304" pitchFamily="18" charset="0"/>
@@ -6927,10 +10179,10 @@
           </p:sp>
           <p:sp>
             <p:nvSpPr>
-              <p:cNvPr id="133" name="文本框 132">
+              <p:cNvPr id="78" name="文本框 77">
                 <a:extLst>
                   <a:ext uri="{FF2B5EF4-FFF2-40B4-BE49-F238E27FC236}">
-                    <a16:creationId xmlns:a16="http://schemas.microsoft.com/office/drawing/2014/main" id="{8639E931-DD4E-4DA4-9CA9-A1DB3AEC1461}"/>
+                    <a16:creationId xmlns:a16="http://schemas.microsoft.com/office/drawing/2014/main" id="{9DB4C0BB-C77B-4DD1-9AD7-CCC401C8DB7C}"/>
                   </a:ext>
                 </a:extLst>
               </p:cNvPr>
@@ -6939,8 +10191,8 @@
             </p:nvSpPr>
             <p:spPr>
               <a:xfrm>
-                <a:off x="3515980" y="3135422"/>
-                <a:ext cx="723275" cy="230832"/>
+                <a:off x="5401956" y="3135422"/>
+                <a:ext cx="780983" cy="230832"/>
               </a:xfrm>
               <a:prstGeom prst="rect">
                 <a:avLst/>
@@ -6958,7 +10210,821 @@
                     <a:latin typeface="Times New Roman" panose="02020603050405020304" pitchFamily="18" charset="0"/>
                     <a:cs typeface="Times New Roman" panose="02020603050405020304" pitchFamily="18" charset="0"/>
                   </a:rPr>
-                  <a:t>[0.53, 0.97)</a:t>
+                  <a:t>[7.55, 24.66)</a:t>
+                </a:r>
+                <a:endParaRPr lang="zh-CN" altLang="en-US" sz="900" b="1" dirty="0">
+                  <a:latin typeface="Times New Roman" panose="02020603050405020304" pitchFamily="18" charset="0"/>
+                  <a:cs typeface="Times New Roman" panose="02020603050405020304" pitchFamily="18" charset="0"/>
+                </a:endParaRPr>
+              </a:p>
+            </p:txBody>
+          </p:sp>
+        </p:grpSp>
+        <p:pic>
+          <p:nvPicPr>
+            <p:cNvPr id="79" name="图片 78" descr="图片包含 图示&#10;&#10;描述已自动生成">
+              <a:extLst>
+                <a:ext uri="{FF2B5EF4-FFF2-40B4-BE49-F238E27FC236}">
+                  <a16:creationId xmlns:a16="http://schemas.microsoft.com/office/drawing/2014/main" id="{FD496DEB-52C2-43D2-8400-E722006AF10C}"/>
+                </a:ext>
+              </a:extLst>
+            </p:cNvPr>
+            <p:cNvPicPr/>
+            <p:nvPr/>
+          </p:nvPicPr>
+          <p:blipFill rotWithShape="1">
+            <a:blip r:embed="rId6">
+              <a:extLst>
+                <a:ext uri="{28A0092B-C50C-407E-A947-70E740481C1C}">
+                  <a14:useLocalDpi xmlns:a14="http://schemas.microsoft.com/office/drawing/2010/main" val="0"/>
+                </a:ext>
+              </a:extLst>
+            </a:blip>
+            <a:srcRect l="5891" t="21947" r="3842" b="6458"/>
+            <a:stretch/>
+          </p:blipFill>
+          <p:spPr bwMode="auto">
+            <a:xfrm>
+              <a:off x="6939923" y="3698426"/>
+              <a:ext cx="5553227" cy="2559174"/>
+            </a:xfrm>
+            <a:prstGeom prst="rect">
+              <a:avLst/>
+            </a:prstGeom>
+            <a:noFill/>
+            <a:ln>
+              <a:noFill/>
+            </a:ln>
+          </p:spPr>
+        </p:pic>
+        <p:grpSp>
+          <p:nvGrpSpPr>
+            <p:cNvPr id="7" name="组合 6">
+              <a:extLst>
+                <a:ext uri="{FF2B5EF4-FFF2-40B4-BE49-F238E27FC236}">
+                  <a16:creationId xmlns:a16="http://schemas.microsoft.com/office/drawing/2014/main" id="{C94F68A0-CCEF-47C0-8AD8-8C58F8A32F85}"/>
+                </a:ext>
+              </a:extLst>
+            </p:cNvPr>
+            <p:cNvGrpSpPr/>
+            <p:nvPr/>
+          </p:nvGrpSpPr>
+          <p:grpSpPr>
+            <a:xfrm>
+              <a:off x="5976378" y="3959205"/>
+              <a:ext cx="6806302" cy="1946735"/>
+              <a:chOff x="5976378" y="3949680"/>
+              <a:chExt cx="6806302" cy="1946735"/>
+            </a:xfrm>
+          </p:grpSpPr>
+          <p:grpSp>
+            <p:nvGrpSpPr>
+              <p:cNvPr id="98" name="组合 97">
+                <a:extLst>
+                  <a:ext uri="{FF2B5EF4-FFF2-40B4-BE49-F238E27FC236}">
+                    <a16:creationId xmlns:a16="http://schemas.microsoft.com/office/drawing/2014/main" id="{4E631122-CEDE-4C0B-B839-37E2AD66D65D}"/>
+                  </a:ext>
+                </a:extLst>
+              </p:cNvPr>
+              <p:cNvGrpSpPr/>
+              <p:nvPr/>
+            </p:nvGrpSpPr>
+            <p:grpSpPr>
+              <a:xfrm>
+                <a:off x="12358972" y="3949681"/>
+                <a:ext cx="423708" cy="1946734"/>
+                <a:chOff x="6197292" y="950994"/>
+                <a:chExt cx="423708" cy="1946734"/>
+              </a:xfrm>
+            </p:grpSpPr>
+            <p:sp>
+              <p:nvSpPr>
+                <p:cNvPr id="99" name="文本框 98">
+                  <a:extLst>
+                    <a:ext uri="{FF2B5EF4-FFF2-40B4-BE49-F238E27FC236}">
+                      <a16:creationId xmlns:a16="http://schemas.microsoft.com/office/drawing/2014/main" id="{6656A09F-54F3-4783-B4BA-62C6E74B7326}"/>
+                    </a:ext>
+                  </a:extLst>
+                </p:cNvPr>
+                <p:cNvSpPr txBox="1"/>
+                <p:nvPr/>
+              </p:nvSpPr>
+              <p:spPr>
+                <a:xfrm>
+                  <a:off x="6214222" y="2666896"/>
+                  <a:ext cx="389849" cy="230832"/>
+                </a:xfrm>
+                <a:prstGeom prst="rect">
+                  <a:avLst/>
+                </a:prstGeom>
+                <a:noFill/>
+              </p:spPr>
+              <p:txBody>
+                <a:bodyPr wrap="square" rtlCol="0">
+                  <a:spAutoFit/>
+                </a:bodyPr>
+                <a:lstStyle/>
+                <a:p>
+                  <a:r>
+                    <a:rPr lang="en-US" altLang="zh-CN" sz="900" b="1" dirty="0">
+                      <a:latin typeface="Times New Roman" panose="02020603050405020304" pitchFamily="18" charset="0"/>
+                      <a:cs typeface="Times New Roman" panose="02020603050405020304" pitchFamily="18" charset="0"/>
+                    </a:rPr>
+                    <a:t>0.0</a:t>
+                  </a:r>
+                  <a:endParaRPr lang="zh-CN" altLang="en-US" sz="900" b="1" dirty="0">
+                    <a:latin typeface="Times New Roman" panose="02020603050405020304" pitchFamily="18" charset="0"/>
+                    <a:cs typeface="Times New Roman" panose="02020603050405020304" pitchFamily="18" charset="0"/>
+                  </a:endParaRPr>
+                </a:p>
+              </p:txBody>
+            </p:sp>
+            <p:sp>
+              <p:nvSpPr>
+                <p:cNvPr id="100" name="文本框 99">
+                  <a:extLst>
+                    <a:ext uri="{FF2B5EF4-FFF2-40B4-BE49-F238E27FC236}">
+                      <a16:creationId xmlns:a16="http://schemas.microsoft.com/office/drawing/2014/main" id="{9DD00D22-219C-4633-968E-9C0A6C8A6E8F}"/>
+                    </a:ext>
+                  </a:extLst>
+                </p:cNvPr>
+                <p:cNvSpPr txBox="1"/>
+                <p:nvPr/>
+              </p:nvSpPr>
+              <p:spPr>
+                <a:xfrm>
+                  <a:off x="6214222" y="2237919"/>
+                  <a:ext cx="389848" cy="230832"/>
+                </a:xfrm>
+                <a:prstGeom prst="rect">
+                  <a:avLst/>
+                </a:prstGeom>
+                <a:noFill/>
+              </p:spPr>
+              <p:txBody>
+                <a:bodyPr wrap="square" rtlCol="0">
+                  <a:spAutoFit/>
+                </a:bodyPr>
+                <a:lstStyle/>
+                <a:p>
+                  <a:r>
+                    <a:rPr lang="en-US" altLang="zh-CN" sz="900" b="1" dirty="0">
+                      <a:latin typeface="Times New Roman" panose="02020603050405020304" pitchFamily="18" charset="0"/>
+                      <a:cs typeface="Times New Roman" panose="02020603050405020304" pitchFamily="18" charset="0"/>
+                    </a:rPr>
+                    <a:t>0.2</a:t>
+                  </a:r>
+                  <a:endParaRPr lang="zh-CN" altLang="en-US" sz="900" b="1" dirty="0">
+                    <a:latin typeface="Times New Roman" panose="02020603050405020304" pitchFamily="18" charset="0"/>
+                    <a:cs typeface="Times New Roman" panose="02020603050405020304" pitchFamily="18" charset="0"/>
+                  </a:endParaRPr>
+                </a:p>
+              </p:txBody>
+            </p:sp>
+            <p:sp>
+              <p:nvSpPr>
+                <p:cNvPr id="101" name="文本框 100">
+                  <a:extLst>
+                    <a:ext uri="{FF2B5EF4-FFF2-40B4-BE49-F238E27FC236}">
+                      <a16:creationId xmlns:a16="http://schemas.microsoft.com/office/drawing/2014/main" id="{3F217390-3A35-4779-ABBC-98AB066E16CB}"/>
+                    </a:ext>
+                  </a:extLst>
+                </p:cNvPr>
+                <p:cNvSpPr txBox="1"/>
+                <p:nvPr/>
+              </p:nvSpPr>
+              <p:spPr>
+                <a:xfrm>
+                  <a:off x="6214222" y="1808944"/>
+                  <a:ext cx="389848" cy="230832"/>
+                </a:xfrm>
+                <a:prstGeom prst="rect">
+                  <a:avLst/>
+                </a:prstGeom>
+                <a:noFill/>
+              </p:spPr>
+              <p:txBody>
+                <a:bodyPr wrap="square" rtlCol="0">
+                  <a:spAutoFit/>
+                </a:bodyPr>
+                <a:lstStyle/>
+                <a:p>
+                  <a:r>
+                    <a:rPr lang="en-US" altLang="zh-CN" sz="900" b="1" dirty="0">
+                      <a:latin typeface="Times New Roman" panose="02020603050405020304" pitchFamily="18" charset="0"/>
+                      <a:cs typeface="Times New Roman" panose="02020603050405020304" pitchFamily="18" charset="0"/>
+                    </a:rPr>
+                    <a:t>0.4</a:t>
+                  </a:r>
+                  <a:endParaRPr lang="zh-CN" altLang="en-US" sz="900" b="1" dirty="0">
+                    <a:latin typeface="Times New Roman" panose="02020603050405020304" pitchFamily="18" charset="0"/>
+                    <a:cs typeface="Times New Roman" panose="02020603050405020304" pitchFamily="18" charset="0"/>
+                  </a:endParaRPr>
+                </a:p>
+              </p:txBody>
+            </p:sp>
+            <p:sp>
+              <p:nvSpPr>
+                <p:cNvPr id="102" name="文本框 101">
+                  <a:extLst>
+                    <a:ext uri="{FF2B5EF4-FFF2-40B4-BE49-F238E27FC236}">
+                      <a16:creationId xmlns:a16="http://schemas.microsoft.com/office/drawing/2014/main" id="{36B5DA1E-A7D5-43BF-9749-1DBE6B909DB3}"/>
+                    </a:ext>
+                  </a:extLst>
+                </p:cNvPr>
+                <p:cNvSpPr txBox="1"/>
+                <p:nvPr/>
+              </p:nvSpPr>
+              <p:spPr>
+                <a:xfrm>
+                  <a:off x="6197292" y="1379969"/>
+                  <a:ext cx="423708" cy="230832"/>
+                </a:xfrm>
+                <a:prstGeom prst="rect">
+                  <a:avLst/>
+                </a:prstGeom>
+                <a:noFill/>
+              </p:spPr>
+              <p:txBody>
+                <a:bodyPr wrap="square" rtlCol="0">
+                  <a:spAutoFit/>
+                </a:bodyPr>
+                <a:lstStyle/>
+                <a:p>
+                  <a:r>
+                    <a:rPr lang="en-US" altLang="zh-CN" sz="900" b="1" dirty="0">
+                      <a:latin typeface="Times New Roman" panose="02020603050405020304" pitchFamily="18" charset="0"/>
+                      <a:cs typeface="Times New Roman" panose="02020603050405020304" pitchFamily="18" charset="0"/>
+                    </a:rPr>
+                    <a:t>0.6</a:t>
+                  </a:r>
+                  <a:endParaRPr lang="zh-CN" altLang="en-US" sz="900" b="1" dirty="0">
+                    <a:latin typeface="Times New Roman" panose="02020603050405020304" pitchFamily="18" charset="0"/>
+                    <a:cs typeface="Times New Roman" panose="02020603050405020304" pitchFamily="18" charset="0"/>
+                  </a:endParaRPr>
+                </a:p>
+              </p:txBody>
+            </p:sp>
+            <p:sp>
+              <p:nvSpPr>
+                <p:cNvPr id="103" name="文本框 102">
+                  <a:extLst>
+                    <a:ext uri="{FF2B5EF4-FFF2-40B4-BE49-F238E27FC236}">
+                      <a16:creationId xmlns:a16="http://schemas.microsoft.com/office/drawing/2014/main" id="{19B11CB3-34AA-4561-B487-64007CF9E86B}"/>
+                    </a:ext>
+                  </a:extLst>
+                </p:cNvPr>
+                <p:cNvSpPr txBox="1"/>
+                <p:nvPr/>
+              </p:nvSpPr>
+              <p:spPr>
+                <a:xfrm>
+                  <a:off x="6200036" y="950994"/>
+                  <a:ext cx="418221" cy="230832"/>
+                </a:xfrm>
+                <a:prstGeom prst="rect">
+                  <a:avLst/>
+                </a:prstGeom>
+                <a:noFill/>
+              </p:spPr>
+              <p:txBody>
+                <a:bodyPr wrap="square" rtlCol="0">
+                  <a:spAutoFit/>
+                </a:bodyPr>
+                <a:lstStyle/>
+                <a:p>
+                  <a:r>
+                    <a:rPr lang="en-US" altLang="zh-CN" sz="900" b="1" dirty="0">
+                      <a:latin typeface="Times New Roman" panose="02020603050405020304" pitchFamily="18" charset="0"/>
+                      <a:cs typeface="Times New Roman" panose="02020603050405020304" pitchFamily="18" charset="0"/>
+                    </a:rPr>
+                    <a:t>0.8</a:t>
+                  </a:r>
+                  <a:endParaRPr lang="zh-CN" altLang="en-US" sz="900" b="1" dirty="0">
+                    <a:latin typeface="Times New Roman" panose="02020603050405020304" pitchFamily="18" charset="0"/>
+                    <a:cs typeface="Times New Roman" panose="02020603050405020304" pitchFamily="18" charset="0"/>
+                  </a:endParaRPr>
+                </a:p>
+              </p:txBody>
+            </p:sp>
+          </p:grpSp>
+          <p:grpSp>
+            <p:nvGrpSpPr>
+              <p:cNvPr id="104" name="组合 103">
+                <a:extLst>
+                  <a:ext uri="{FF2B5EF4-FFF2-40B4-BE49-F238E27FC236}">
+                    <a16:creationId xmlns:a16="http://schemas.microsoft.com/office/drawing/2014/main" id="{B4AFE0FA-9E03-4AA5-9B79-8D82E1B622B1}"/>
+                  </a:ext>
+                </a:extLst>
+              </p:cNvPr>
+              <p:cNvGrpSpPr/>
+              <p:nvPr/>
+            </p:nvGrpSpPr>
+            <p:grpSpPr>
+              <a:xfrm>
+                <a:off x="6494352" y="3949680"/>
+                <a:ext cx="324736" cy="1946734"/>
+                <a:chOff x="245993" y="948762"/>
+                <a:chExt cx="324736" cy="1946734"/>
+              </a:xfrm>
+            </p:grpSpPr>
+            <p:sp>
+              <p:nvSpPr>
+                <p:cNvPr id="105" name="文本框 104">
+                  <a:extLst>
+                    <a:ext uri="{FF2B5EF4-FFF2-40B4-BE49-F238E27FC236}">
+                      <a16:creationId xmlns:a16="http://schemas.microsoft.com/office/drawing/2014/main" id="{8972EFA5-CF03-4017-918B-C4326395949B}"/>
+                    </a:ext>
+                  </a:extLst>
+                </p:cNvPr>
+                <p:cNvSpPr txBox="1"/>
+                <p:nvPr/>
+              </p:nvSpPr>
+              <p:spPr>
+                <a:xfrm>
+                  <a:off x="285774" y="2664664"/>
+                  <a:ext cx="245174" cy="230832"/>
+                </a:xfrm>
+                <a:prstGeom prst="rect">
+                  <a:avLst/>
+                </a:prstGeom>
+                <a:noFill/>
+              </p:spPr>
+              <p:txBody>
+                <a:bodyPr wrap="square" rtlCol="0">
+                  <a:spAutoFit/>
+                </a:bodyPr>
+                <a:lstStyle/>
+                <a:p>
+                  <a:r>
+                    <a:rPr lang="en-US" altLang="zh-CN" sz="900" b="1" dirty="0">
+                      <a:latin typeface="Times New Roman" panose="02020603050405020304" pitchFamily="18" charset="0"/>
+                      <a:cs typeface="Times New Roman" panose="02020603050405020304" pitchFamily="18" charset="0"/>
+                    </a:rPr>
+                    <a:t>5</a:t>
+                  </a:r>
+                  <a:endParaRPr lang="zh-CN" altLang="en-US" sz="900" b="1" dirty="0">
+                    <a:latin typeface="Times New Roman" panose="02020603050405020304" pitchFamily="18" charset="0"/>
+                    <a:cs typeface="Times New Roman" panose="02020603050405020304" pitchFamily="18" charset="0"/>
+                  </a:endParaRPr>
+                </a:p>
+              </p:txBody>
+            </p:sp>
+            <p:sp>
+              <p:nvSpPr>
+                <p:cNvPr id="106" name="文本框 105">
+                  <a:extLst>
+                    <a:ext uri="{FF2B5EF4-FFF2-40B4-BE49-F238E27FC236}">
+                      <a16:creationId xmlns:a16="http://schemas.microsoft.com/office/drawing/2014/main" id="{03D311CE-0CCE-4B8F-BA1F-B77DFCEFD97C}"/>
+                    </a:ext>
+                  </a:extLst>
+                </p:cNvPr>
+                <p:cNvSpPr txBox="1"/>
+                <p:nvPr/>
+              </p:nvSpPr>
+              <p:spPr>
+                <a:xfrm>
+                  <a:off x="245993" y="2235688"/>
+                  <a:ext cx="324736" cy="230832"/>
+                </a:xfrm>
+                <a:prstGeom prst="rect">
+                  <a:avLst/>
+                </a:prstGeom>
+                <a:noFill/>
+              </p:spPr>
+              <p:txBody>
+                <a:bodyPr wrap="square" rtlCol="0">
+                  <a:spAutoFit/>
+                </a:bodyPr>
+                <a:lstStyle/>
+                <a:p>
+                  <a:r>
+                    <a:rPr lang="en-US" altLang="zh-CN" sz="900" b="1" dirty="0">
+                      <a:latin typeface="Times New Roman" panose="02020603050405020304" pitchFamily="18" charset="0"/>
+                      <a:cs typeface="Times New Roman" panose="02020603050405020304" pitchFamily="18" charset="0"/>
+                    </a:rPr>
+                    <a:t>10</a:t>
+                  </a:r>
+                  <a:endParaRPr lang="zh-CN" altLang="en-US" sz="900" b="1" dirty="0">
+                    <a:latin typeface="Times New Roman" panose="02020603050405020304" pitchFamily="18" charset="0"/>
+                    <a:cs typeface="Times New Roman" panose="02020603050405020304" pitchFamily="18" charset="0"/>
+                  </a:endParaRPr>
+                </a:p>
+              </p:txBody>
+            </p:sp>
+            <p:sp>
+              <p:nvSpPr>
+                <p:cNvPr id="107" name="文本框 106">
+                  <a:extLst>
+                    <a:ext uri="{FF2B5EF4-FFF2-40B4-BE49-F238E27FC236}">
+                      <a16:creationId xmlns:a16="http://schemas.microsoft.com/office/drawing/2014/main" id="{2475708B-742B-4A4C-9D4F-8BBC992007A3}"/>
+                    </a:ext>
+                  </a:extLst>
+                </p:cNvPr>
+                <p:cNvSpPr txBox="1"/>
+                <p:nvPr/>
+              </p:nvSpPr>
+              <p:spPr>
+                <a:xfrm>
+                  <a:off x="245993" y="1806712"/>
+                  <a:ext cx="324736" cy="230832"/>
+                </a:xfrm>
+                <a:prstGeom prst="rect">
+                  <a:avLst/>
+                </a:prstGeom>
+                <a:noFill/>
+              </p:spPr>
+              <p:txBody>
+                <a:bodyPr wrap="square" rtlCol="0">
+                  <a:spAutoFit/>
+                </a:bodyPr>
+                <a:lstStyle/>
+                <a:p>
+                  <a:r>
+                    <a:rPr lang="en-US" altLang="zh-CN" sz="900" b="1" dirty="0">
+                      <a:latin typeface="Times New Roman" panose="02020603050405020304" pitchFamily="18" charset="0"/>
+                      <a:cs typeface="Times New Roman" panose="02020603050405020304" pitchFamily="18" charset="0"/>
+                    </a:rPr>
+                    <a:t>15</a:t>
+                  </a:r>
+                  <a:endParaRPr lang="zh-CN" altLang="en-US" sz="900" b="1" dirty="0">
+                    <a:latin typeface="Times New Roman" panose="02020603050405020304" pitchFamily="18" charset="0"/>
+                    <a:cs typeface="Times New Roman" panose="02020603050405020304" pitchFamily="18" charset="0"/>
+                  </a:endParaRPr>
+                </a:p>
+              </p:txBody>
+            </p:sp>
+            <p:sp>
+              <p:nvSpPr>
+                <p:cNvPr id="108" name="文本框 107">
+                  <a:extLst>
+                    <a:ext uri="{FF2B5EF4-FFF2-40B4-BE49-F238E27FC236}">
+                      <a16:creationId xmlns:a16="http://schemas.microsoft.com/office/drawing/2014/main" id="{4A1A5B5A-D36C-4986-832B-4BADA096EC9D}"/>
+                    </a:ext>
+                  </a:extLst>
+                </p:cNvPr>
+                <p:cNvSpPr txBox="1"/>
+                <p:nvPr/>
+              </p:nvSpPr>
+              <p:spPr>
+                <a:xfrm>
+                  <a:off x="251914" y="1377737"/>
+                  <a:ext cx="312894" cy="230832"/>
+                </a:xfrm>
+                <a:prstGeom prst="rect">
+                  <a:avLst/>
+                </a:prstGeom>
+                <a:noFill/>
+              </p:spPr>
+              <p:txBody>
+                <a:bodyPr wrap="square" rtlCol="0">
+                  <a:spAutoFit/>
+                </a:bodyPr>
+                <a:lstStyle/>
+                <a:p>
+                  <a:r>
+                    <a:rPr lang="en-US" altLang="zh-CN" sz="900" b="1" dirty="0">
+                      <a:latin typeface="Times New Roman" panose="02020603050405020304" pitchFamily="18" charset="0"/>
+                      <a:cs typeface="Times New Roman" panose="02020603050405020304" pitchFamily="18" charset="0"/>
+                    </a:rPr>
+                    <a:t>20</a:t>
+                  </a:r>
+                  <a:endParaRPr lang="zh-CN" altLang="en-US" sz="900" b="1" dirty="0">
+                    <a:latin typeface="Times New Roman" panose="02020603050405020304" pitchFamily="18" charset="0"/>
+                    <a:cs typeface="Times New Roman" panose="02020603050405020304" pitchFamily="18" charset="0"/>
+                  </a:endParaRPr>
+                </a:p>
+              </p:txBody>
+            </p:sp>
+            <p:sp>
+              <p:nvSpPr>
+                <p:cNvPr id="109" name="文本框 108">
+                  <a:extLst>
+                    <a:ext uri="{FF2B5EF4-FFF2-40B4-BE49-F238E27FC236}">
+                      <a16:creationId xmlns:a16="http://schemas.microsoft.com/office/drawing/2014/main" id="{B9EA9A15-A57D-44ED-9508-54B6433CEF7A}"/>
+                    </a:ext>
+                  </a:extLst>
+                </p:cNvPr>
+                <p:cNvSpPr txBox="1"/>
+                <p:nvPr/>
+              </p:nvSpPr>
+              <p:spPr>
+                <a:xfrm>
+                  <a:off x="257401" y="948762"/>
+                  <a:ext cx="301921" cy="230832"/>
+                </a:xfrm>
+                <a:prstGeom prst="rect">
+                  <a:avLst/>
+                </a:prstGeom>
+                <a:noFill/>
+              </p:spPr>
+              <p:txBody>
+                <a:bodyPr wrap="square" rtlCol="0">
+                  <a:spAutoFit/>
+                </a:bodyPr>
+                <a:lstStyle/>
+                <a:p>
+                  <a:r>
+                    <a:rPr lang="en-US" altLang="zh-CN" sz="900" b="1" dirty="0">
+                      <a:latin typeface="Times New Roman" panose="02020603050405020304" pitchFamily="18" charset="0"/>
+                      <a:cs typeface="Times New Roman" panose="02020603050405020304" pitchFamily="18" charset="0"/>
+                    </a:rPr>
+                    <a:t>25</a:t>
+                  </a:r>
+                  <a:endParaRPr lang="zh-CN" altLang="en-US" sz="900" b="1" dirty="0">
+                    <a:latin typeface="Times New Roman" panose="02020603050405020304" pitchFamily="18" charset="0"/>
+                    <a:cs typeface="Times New Roman" panose="02020603050405020304" pitchFamily="18" charset="0"/>
+                  </a:endParaRPr>
+                </a:p>
+              </p:txBody>
+            </p:sp>
+          </p:grpSp>
+          <p:grpSp>
+            <p:nvGrpSpPr>
+              <p:cNvPr id="110" name="组合 109">
+                <a:extLst>
+                  <a:ext uri="{FF2B5EF4-FFF2-40B4-BE49-F238E27FC236}">
+                    <a16:creationId xmlns:a16="http://schemas.microsoft.com/office/drawing/2014/main" id="{03CCC9A5-C83F-4F66-BEBF-BFEA7A952B1D}"/>
+                  </a:ext>
+                </a:extLst>
+              </p:cNvPr>
+              <p:cNvGrpSpPr/>
+              <p:nvPr/>
+            </p:nvGrpSpPr>
+            <p:grpSpPr>
+              <a:xfrm>
+                <a:off x="5976378" y="3949680"/>
+                <a:ext cx="423708" cy="1946734"/>
+                <a:chOff x="6197292" y="950994"/>
+                <a:chExt cx="423708" cy="1946734"/>
+              </a:xfrm>
+            </p:grpSpPr>
+            <p:sp>
+              <p:nvSpPr>
+                <p:cNvPr id="111" name="文本框 110">
+                  <a:extLst>
+                    <a:ext uri="{FF2B5EF4-FFF2-40B4-BE49-F238E27FC236}">
+                      <a16:creationId xmlns:a16="http://schemas.microsoft.com/office/drawing/2014/main" id="{B4F95565-2B5C-430C-8CA6-C295E22FB876}"/>
+                    </a:ext>
+                  </a:extLst>
+                </p:cNvPr>
+                <p:cNvSpPr txBox="1"/>
+                <p:nvPr/>
+              </p:nvSpPr>
+              <p:spPr>
+                <a:xfrm>
+                  <a:off x="6214222" y="2666896"/>
+                  <a:ext cx="389849" cy="230832"/>
+                </a:xfrm>
+                <a:prstGeom prst="rect">
+                  <a:avLst/>
+                </a:prstGeom>
+                <a:noFill/>
+              </p:spPr>
+              <p:txBody>
+                <a:bodyPr wrap="square" rtlCol="0">
+                  <a:spAutoFit/>
+                </a:bodyPr>
+                <a:lstStyle/>
+                <a:p>
+                  <a:r>
+                    <a:rPr lang="en-US" altLang="zh-CN" sz="900" b="1" dirty="0">
+                      <a:latin typeface="Times New Roman" panose="02020603050405020304" pitchFamily="18" charset="0"/>
+                      <a:cs typeface="Times New Roman" panose="02020603050405020304" pitchFamily="18" charset="0"/>
+                    </a:rPr>
+                    <a:t>0.0</a:t>
+                  </a:r>
+                  <a:endParaRPr lang="zh-CN" altLang="en-US" sz="900" b="1" dirty="0">
+                    <a:latin typeface="Times New Roman" panose="02020603050405020304" pitchFamily="18" charset="0"/>
+                    <a:cs typeface="Times New Roman" panose="02020603050405020304" pitchFamily="18" charset="0"/>
+                  </a:endParaRPr>
+                </a:p>
+              </p:txBody>
+            </p:sp>
+            <p:sp>
+              <p:nvSpPr>
+                <p:cNvPr id="112" name="文本框 111">
+                  <a:extLst>
+                    <a:ext uri="{FF2B5EF4-FFF2-40B4-BE49-F238E27FC236}">
+                      <a16:creationId xmlns:a16="http://schemas.microsoft.com/office/drawing/2014/main" id="{E7505C74-73C3-4A7A-9F05-6D70B821086D}"/>
+                    </a:ext>
+                  </a:extLst>
+                </p:cNvPr>
+                <p:cNvSpPr txBox="1"/>
+                <p:nvPr/>
+              </p:nvSpPr>
+              <p:spPr>
+                <a:xfrm>
+                  <a:off x="6214222" y="2237919"/>
+                  <a:ext cx="389848" cy="230832"/>
+                </a:xfrm>
+                <a:prstGeom prst="rect">
+                  <a:avLst/>
+                </a:prstGeom>
+                <a:noFill/>
+              </p:spPr>
+              <p:txBody>
+                <a:bodyPr wrap="square" rtlCol="0">
+                  <a:spAutoFit/>
+                </a:bodyPr>
+                <a:lstStyle/>
+                <a:p>
+                  <a:r>
+                    <a:rPr lang="en-US" altLang="zh-CN" sz="900" b="1" dirty="0">
+                      <a:latin typeface="Times New Roman" panose="02020603050405020304" pitchFamily="18" charset="0"/>
+                      <a:cs typeface="Times New Roman" panose="02020603050405020304" pitchFamily="18" charset="0"/>
+                    </a:rPr>
+                    <a:t>0.2</a:t>
+                  </a:r>
+                  <a:endParaRPr lang="zh-CN" altLang="en-US" sz="900" b="1" dirty="0">
+                    <a:latin typeface="Times New Roman" panose="02020603050405020304" pitchFamily="18" charset="0"/>
+                    <a:cs typeface="Times New Roman" panose="02020603050405020304" pitchFamily="18" charset="0"/>
+                  </a:endParaRPr>
+                </a:p>
+              </p:txBody>
+            </p:sp>
+            <p:sp>
+              <p:nvSpPr>
+                <p:cNvPr id="113" name="文本框 112">
+                  <a:extLst>
+                    <a:ext uri="{FF2B5EF4-FFF2-40B4-BE49-F238E27FC236}">
+                      <a16:creationId xmlns:a16="http://schemas.microsoft.com/office/drawing/2014/main" id="{4A1B119B-E63B-4CD1-8011-6E81D90296FF}"/>
+                    </a:ext>
+                  </a:extLst>
+                </p:cNvPr>
+                <p:cNvSpPr txBox="1"/>
+                <p:nvPr/>
+              </p:nvSpPr>
+              <p:spPr>
+                <a:xfrm>
+                  <a:off x="6214222" y="1808944"/>
+                  <a:ext cx="389848" cy="230832"/>
+                </a:xfrm>
+                <a:prstGeom prst="rect">
+                  <a:avLst/>
+                </a:prstGeom>
+                <a:noFill/>
+              </p:spPr>
+              <p:txBody>
+                <a:bodyPr wrap="square" rtlCol="0">
+                  <a:spAutoFit/>
+                </a:bodyPr>
+                <a:lstStyle/>
+                <a:p>
+                  <a:r>
+                    <a:rPr lang="en-US" altLang="zh-CN" sz="900" b="1" dirty="0">
+                      <a:latin typeface="Times New Roman" panose="02020603050405020304" pitchFamily="18" charset="0"/>
+                      <a:cs typeface="Times New Roman" panose="02020603050405020304" pitchFamily="18" charset="0"/>
+                    </a:rPr>
+                    <a:t>0.4</a:t>
+                  </a:r>
+                  <a:endParaRPr lang="zh-CN" altLang="en-US" sz="900" b="1" dirty="0">
+                    <a:latin typeface="Times New Roman" panose="02020603050405020304" pitchFamily="18" charset="0"/>
+                    <a:cs typeface="Times New Roman" panose="02020603050405020304" pitchFamily="18" charset="0"/>
+                  </a:endParaRPr>
+                </a:p>
+              </p:txBody>
+            </p:sp>
+            <p:sp>
+              <p:nvSpPr>
+                <p:cNvPr id="114" name="文本框 113">
+                  <a:extLst>
+                    <a:ext uri="{FF2B5EF4-FFF2-40B4-BE49-F238E27FC236}">
+                      <a16:creationId xmlns:a16="http://schemas.microsoft.com/office/drawing/2014/main" id="{84E2EF40-F3C9-4678-8BEB-E6F14D2E5537}"/>
+                    </a:ext>
+                  </a:extLst>
+                </p:cNvPr>
+                <p:cNvSpPr txBox="1"/>
+                <p:nvPr/>
+              </p:nvSpPr>
+              <p:spPr>
+                <a:xfrm>
+                  <a:off x="6197292" y="1379969"/>
+                  <a:ext cx="423708" cy="230832"/>
+                </a:xfrm>
+                <a:prstGeom prst="rect">
+                  <a:avLst/>
+                </a:prstGeom>
+                <a:noFill/>
+              </p:spPr>
+              <p:txBody>
+                <a:bodyPr wrap="square" rtlCol="0">
+                  <a:spAutoFit/>
+                </a:bodyPr>
+                <a:lstStyle/>
+                <a:p>
+                  <a:r>
+                    <a:rPr lang="en-US" altLang="zh-CN" sz="900" b="1" dirty="0">
+                      <a:latin typeface="Times New Roman" panose="02020603050405020304" pitchFamily="18" charset="0"/>
+                      <a:cs typeface="Times New Roman" panose="02020603050405020304" pitchFamily="18" charset="0"/>
+                    </a:rPr>
+                    <a:t>0.6</a:t>
+                  </a:r>
+                  <a:endParaRPr lang="zh-CN" altLang="en-US" sz="900" b="1" dirty="0">
+                    <a:latin typeface="Times New Roman" panose="02020603050405020304" pitchFamily="18" charset="0"/>
+                    <a:cs typeface="Times New Roman" panose="02020603050405020304" pitchFamily="18" charset="0"/>
+                  </a:endParaRPr>
+                </a:p>
+              </p:txBody>
+            </p:sp>
+            <p:sp>
+              <p:nvSpPr>
+                <p:cNvPr id="115" name="文本框 114">
+                  <a:extLst>
+                    <a:ext uri="{FF2B5EF4-FFF2-40B4-BE49-F238E27FC236}">
+                      <a16:creationId xmlns:a16="http://schemas.microsoft.com/office/drawing/2014/main" id="{BE78C902-9702-45F3-8382-300EB44406F9}"/>
+                    </a:ext>
+                  </a:extLst>
+                </p:cNvPr>
+                <p:cNvSpPr txBox="1"/>
+                <p:nvPr/>
+              </p:nvSpPr>
+              <p:spPr>
+                <a:xfrm>
+                  <a:off x="6200036" y="950994"/>
+                  <a:ext cx="418221" cy="230832"/>
+                </a:xfrm>
+                <a:prstGeom prst="rect">
+                  <a:avLst/>
+                </a:prstGeom>
+                <a:noFill/>
+              </p:spPr>
+              <p:txBody>
+                <a:bodyPr wrap="square" rtlCol="0">
+                  <a:spAutoFit/>
+                </a:bodyPr>
+                <a:lstStyle/>
+                <a:p>
+                  <a:r>
+                    <a:rPr lang="en-US" altLang="zh-CN" sz="900" b="1" dirty="0">
+                      <a:latin typeface="Times New Roman" panose="02020603050405020304" pitchFamily="18" charset="0"/>
+                      <a:cs typeface="Times New Roman" panose="02020603050405020304" pitchFamily="18" charset="0"/>
+                    </a:rPr>
+                    <a:t>0.8</a:t>
+                  </a:r>
+                  <a:endParaRPr lang="zh-CN" altLang="en-US" sz="900" b="1" dirty="0">
+                    <a:latin typeface="Times New Roman" panose="02020603050405020304" pitchFamily="18" charset="0"/>
+                    <a:cs typeface="Times New Roman" panose="02020603050405020304" pitchFamily="18" charset="0"/>
+                  </a:endParaRPr>
+                </a:p>
+              </p:txBody>
+            </p:sp>
+          </p:grpSp>
+        </p:grpSp>
+        <p:grpSp>
+          <p:nvGrpSpPr>
+            <p:cNvPr id="8" name="组合 7">
+              <a:extLst>
+                <a:ext uri="{FF2B5EF4-FFF2-40B4-BE49-F238E27FC236}">
+                  <a16:creationId xmlns:a16="http://schemas.microsoft.com/office/drawing/2014/main" id="{238D92ED-BEF1-4158-BFA0-3C28864C4B0F}"/>
+                </a:ext>
+              </a:extLst>
+            </p:cNvPr>
+            <p:cNvGrpSpPr/>
+            <p:nvPr/>
+          </p:nvGrpSpPr>
+          <p:grpSpPr>
+            <a:xfrm>
+              <a:off x="6742769" y="6234436"/>
+              <a:ext cx="5936173" cy="230832"/>
+              <a:chOff x="6742769" y="6234436"/>
+              <a:chExt cx="5936173" cy="230832"/>
+            </a:xfrm>
+          </p:grpSpPr>
+          <p:sp>
+            <p:nvSpPr>
+              <p:cNvPr id="117" name="文本框 116">
+                <a:extLst>
+                  <a:ext uri="{FF2B5EF4-FFF2-40B4-BE49-F238E27FC236}">
+                    <a16:creationId xmlns:a16="http://schemas.microsoft.com/office/drawing/2014/main" id="{CB8142F7-5800-4C93-89DB-8BCA2B418810}"/>
+                  </a:ext>
+                </a:extLst>
+              </p:cNvPr>
+              <p:cNvSpPr txBox="1"/>
+              <p:nvPr/>
+            </p:nvSpPr>
+            <p:spPr>
+              <a:xfrm>
+                <a:off x="6742769" y="6234436"/>
+                <a:ext cx="771365" cy="230832"/>
+              </a:xfrm>
+              <a:prstGeom prst="rect">
+                <a:avLst/>
+              </a:prstGeom>
+              <a:noFill/>
+            </p:spPr>
+            <p:txBody>
+              <a:bodyPr wrap="square" rtlCol="0">
+                <a:spAutoFit/>
+              </a:bodyPr>
+              <a:lstStyle/>
+              <a:p>
+                <a:r>
+                  <a:rPr lang="en-US" altLang="zh-CN" sz="900" b="1" dirty="0">
+                    <a:latin typeface="Times New Roman" panose="02020603050405020304" pitchFamily="18" charset="0"/>
+                    <a:cs typeface="Times New Roman" panose="02020603050405020304" pitchFamily="18" charset="0"/>
+                  </a:rPr>
+                  <a:t>[9.96, 10.00)</a:t>
                 </a:r>
                 <a:endParaRPr lang="zh-CN" altLang="en-US" sz="900" b="1" dirty="0">
                   <a:latin typeface="Times New Roman" panose="02020603050405020304" pitchFamily="18" charset="0"/>
@@ -6969,10 +11035,10 @@
           </p:sp>
           <p:sp>
             <p:nvSpPr>
-              <p:cNvPr id="134" name="文本框 133">
+              <p:cNvPr id="118" name="文本框 117">
                 <a:extLst>
                   <a:ext uri="{FF2B5EF4-FFF2-40B4-BE49-F238E27FC236}">
-                    <a16:creationId xmlns:a16="http://schemas.microsoft.com/office/drawing/2014/main" id="{BFDC6A74-EAB8-4859-B5FC-290AEE89C227}"/>
+                    <a16:creationId xmlns:a16="http://schemas.microsoft.com/office/drawing/2014/main" id="{D9450925-1F1A-4ED2-B68B-CBA6EC507D0B}"/>
                   </a:ext>
                 </a:extLst>
               </p:cNvPr>
@@ -6981,8 +11047,8 @@
             </p:nvSpPr>
             <p:spPr>
               <a:xfrm>
-                <a:off x="4147542" y="3135422"/>
-                <a:ext cx="723275" cy="230832"/>
+                <a:off x="7339127" y="6234436"/>
+                <a:ext cx="838691" cy="230832"/>
               </a:xfrm>
               <a:prstGeom prst="rect">
                 <a:avLst/>
@@ -7000,7 +11066,7 @@
                     <a:latin typeface="Times New Roman" panose="02020603050405020304" pitchFamily="18" charset="0"/>
                     <a:cs typeface="Times New Roman" panose="02020603050405020304" pitchFamily="18" charset="0"/>
                   </a:rPr>
-                  <a:t>[0.97, 1.39)</a:t>
+                  <a:t>[10.00, 10.02)</a:t>
                 </a:r>
                 <a:endParaRPr lang="zh-CN" altLang="en-US" sz="900" b="1" dirty="0">
                   <a:latin typeface="Times New Roman" panose="02020603050405020304" pitchFamily="18" charset="0"/>
@@ -7011,10 +11077,10 @@
           </p:sp>
           <p:sp>
             <p:nvSpPr>
-              <p:cNvPr id="135" name="文本框 134">
+              <p:cNvPr id="119" name="文本框 118">
                 <a:extLst>
                   <a:ext uri="{FF2B5EF4-FFF2-40B4-BE49-F238E27FC236}">
-                    <a16:creationId xmlns:a16="http://schemas.microsoft.com/office/drawing/2014/main" id="{E2778B7E-4CAF-4C71-878A-002FEC05AE7E}"/>
+                    <a16:creationId xmlns:a16="http://schemas.microsoft.com/office/drawing/2014/main" id="{6C92A1DA-0085-498B-98A6-7CE1CDD02515}"/>
                   </a:ext>
                 </a:extLst>
               </p:cNvPr>
@@ -7023,8 +11089,8 @@
             </p:nvSpPr>
             <p:spPr>
               <a:xfrm>
-                <a:off x="4798154" y="3135422"/>
-                <a:ext cx="723275" cy="230832"/>
+                <a:off x="8624476" y="6234436"/>
+                <a:ext cx="838691" cy="230832"/>
               </a:xfrm>
               <a:prstGeom prst="rect">
                 <a:avLst/>
@@ -7042,7 +11108,7 @@
                     <a:latin typeface="Times New Roman" panose="02020603050405020304" pitchFamily="18" charset="0"/>
                     <a:cs typeface="Times New Roman" panose="02020603050405020304" pitchFamily="18" charset="0"/>
                   </a:rPr>
-                  <a:t>[1.39, 2.28)</a:t>
+                  <a:t>[10.04, 10.05)</a:t>
                 </a:r>
                 <a:endParaRPr lang="zh-CN" altLang="en-US" sz="900" b="1" dirty="0">
                   <a:latin typeface="Times New Roman" panose="02020603050405020304" pitchFamily="18" charset="0"/>
@@ -7053,10 +11119,10 @@
           </p:sp>
           <p:sp>
             <p:nvSpPr>
-              <p:cNvPr id="136" name="文本框 135">
+              <p:cNvPr id="120" name="文本框 119">
                 <a:extLst>
                   <a:ext uri="{FF2B5EF4-FFF2-40B4-BE49-F238E27FC236}">
-                    <a16:creationId xmlns:a16="http://schemas.microsoft.com/office/drawing/2014/main" id="{7A800CAF-71AD-474D-BACC-7F2DCB84781E}"/>
+                    <a16:creationId xmlns:a16="http://schemas.microsoft.com/office/drawing/2014/main" id="{DA6BD469-2641-4C9E-A7E6-4EBC8E0D3D5F}"/>
                   </a:ext>
                 </a:extLst>
               </p:cNvPr>
@@ -7065,8 +11131,8 @@
             </p:nvSpPr>
             <p:spPr>
               <a:xfrm>
-                <a:off x="5444937" y="3135422"/>
-                <a:ext cx="723275" cy="230832"/>
+                <a:off x="7980214" y="6234436"/>
+                <a:ext cx="838691" cy="230832"/>
               </a:xfrm>
               <a:prstGeom prst="rect">
                 <a:avLst/>
@@ -7084,7 +11150,217 @@
                     <a:latin typeface="Times New Roman" panose="02020603050405020304" pitchFamily="18" charset="0"/>
                     <a:cs typeface="Times New Roman" panose="02020603050405020304" pitchFamily="18" charset="0"/>
                   </a:rPr>
-                  <a:t>[2.28, 4.94)</a:t>
+                  <a:t>[10.02, 10.04)</a:t>
+                </a:r>
+                <a:endParaRPr lang="zh-CN" altLang="en-US" sz="900" b="1" dirty="0">
+                  <a:latin typeface="Times New Roman" panose="02020603050405020304" pitchFamily="18" charset="0"/>
+                  <a:cs typeface="Times New Roman" panose="02020603050405020304" pitchFamily="18" charset="0"/>
+                </a:endParaRPr>
+              </a:p>
+            </p:txBody>
+          </p:sp>
+          <p:sp>
+            <p:nvSpPr>
+              <p:cNvPr id="121" name="文本框 120">
+                <a:extLst>
+                  <a:ext uri="{FF2B5EF4-FFF2-40B4-BE49-F238E27FC236}">
+                    <a16:creationId xmlns:a16="http://schemas.microsoft.com/office/drawing/2014/main" id="{2AAD89CB-311D-4D8B-AF39-7D7FDF02CB66}"/>
+                  </a:ext>
+                </a:extLst>
+              </p:cNvPr>
+              <p:cNvSpPr txBox="1"/>
+              <p:nvPr/>
+            </p:nvSpPr>
+            <p:spPr>
+              <a:xfrm>
+                <a:off x="9265563" y="6234436"/>
+                <a:ext cx="838691" cy="230832"/>
+              </a:xfrm>
+              <a:prstGeom prst="rect">
+                <a:avLst/>
+              </a:prstGeom>
+              <a:noFill/>
+            </p:spPr>
+            <p:txBody>
+              <a:bodyPr wrap="none" rtlCol="0">
+                <a:spAutoFit/>
+              </a:bodyPr>
+              <a:lstStyle/>
+              <a:p>
+                <a:r>
+                  <a:rPr lang="en-US" altLang="zh-CN" sz="900" b="1" dirty="0">
+                    <a:latin typeface="Times New Roman" panose="02020603050405020304" pitchFamily="18" charset="0"/>
+                    <a:cs typeface="Times New Roman" panose="02020603050405020304" pitchFamily="18" charset="0"/>
+                  </a:rPr>
+                  <a:t>[10.05, 10.06)</a:t>
+                </a:r>
+                <a:endParaRPr lang="zh-CN" altLang="en-US" sz="900" b="1" dirty="0">
+                  <a:latin typeface="Times New Roman" panose="02020603050405020304" pitchFamily="18" charset="0"/>
+                  <a:cs typeface="Times New Roman" panose="02020603050405020304" pitchFamily="18" charset="0"/>
+                </a:endParaRPr>
+              </a:p>
+            </p:txBody>
+          </p:sp>
+          <p:sp>
+            <p:nvSpPr>
+              <p:cNvPr id="122" name="文本框 121">
+                <a:extLst>
+                  <a:ext uri="{FF2B5EF4-FFF2-40B4-BE49-F238E27FC236}">
+                    <a16:creationId xmlns:a16="http://schemas.microsoft.com/office/drawing/2014/main" id="{B5F24B91-EFD3-4F92-949E-1FA9C1B18975}"/>
+                  </a:ext>
+                </a:extLst>
+              </p:cNvPr>
+              <p:cNvSpPr txBox="1"/>
+              <p:nvPr/>
+            </p:nvSpPr>
+            <p:spPr>
+              <a:xfrm>
+                <a:off x="9903475" y="6234436"/>
+                <a:ext cx="838691" cy="230832"/>
+              </a:xfrm>
+              <a:prstGeom prst="rect">
+                <a:avLst/>
+              </a:prstGeom>
+              <a:noFill/>
+            </p:spPr>
+            <p:txBody>
+              <a:bodyPr wrap="none" rtlCol="0">
+                <a:spAutoFit/>
+              </a:bodyPr>
+              <a:lstStyle/>
+              <a:p>
+                <a:r>
+                  <a:rPr lang="en-US" altLang="zh-CN" sz="900" b="1" dirty="0">
+                    <a:latin typeface="Times New Roman" panose="02020603050405020304" pitchFamily="18" charset="0"/>
+                    <a:cs typeface="Times New Roman" panose="02020603050405020304" pitchFamily="18" charset="0"/>
+                  </a:rPr>
+                  <a:t>[10.06, 10.09)</a:t>
+                </a:r>
+                <a:endParaRPr lang="zh-CN" altLang="en-US" sz="900" b="1" dirty="0">
+                  <a:latin typeface="Times New Roman" panose="02020603050405020304" pitchFamily="18" charset="0"/>
+                  <a:cs typeface="Times New Roman" panose="02020603050405020304" pitchFamily="18" charset="0"/>
+                </a:endParaRPr>
+              </a:p>
+            </p:txBody>
+          </p:sp>
+          <p:sp>
+            <p:nvSpPr>
+              <p:cNvPr id="123" name="文本框 122">
+                <a:extLst>
+                  <a:ext uri="{FF2B5EF4-FFF2-40B4-BE49-F238E27FC236}">
+                    <a16:creationId xmlns:a16="http://schemas.microsoft.com/office/drawing/2014/main" id="{BE1E2706-F3C5-4764-BA51-19F2018ABFE7}"/>
+                  </a:ext>
+                </a:extLst>
+              </p:cNvPr>
+              <p:cNvSpPr txBox="1"/>
+              <p:nvPr/>
+            </p:nvSpPr>
+            <p:spPr>
+              <a:xfrm>
+                <a:off x="10541387" y="6234436"/>
+                <a:ext cx="838691" cy="230832"/>
+              </a:xfrm>
+              <a:prstGeom prst="rect">
+                <a:avLst/>
+              </a:prstGeom>
+              <a:noFill/>
+            </p:spPr>
+            <p:txBody>
+              <a:bodyPr wrap="none" rtlCol="0">
+                <a:spAutoFit/>
+              </a:bodyPr>
+              <a:lstStyle/>
+              <a:p>
+                <a:r>
+                  <a:rPr lang="en-US" altLang="zh-CN" sz="900" b="1" dirty="0">
+                    <a:latin typeface="Times New Roman" panose="02020603050405020304" pitchFamily="18" charset="0"/>
+                    <a:cs typeface="Times New Roman" panose="02020603050405020304" pitchFamily="18" charset="0"/>
+                  </a:rPr>
+                  <a:t>[10.09, 10.11)</a:t>
+                </a:r>
+                <a:endParaRPr lang="zh-CN" altLang="en-US" sz="900" b="1" dirty="0">
+                  <a:latin typeface="Times New Roman" panose="02020603050405020304" pitchFamily="18" charset="0"/>
+                  <a:cs typeface="Times New Roman" panose="02020603050405020304" pitchFamily="18" charset="0"/>
+                </a:endParaRPr>
+              </a:p>
+            </p:txBody>
+          </p:sp>
+          <p:sp>
+            <p:nvSpPr>
+              <p:cNvPr id="124" name="文本框 123">
+                <a:extLst>
+                  <a:ext uri="{FF2B5EF4-FFF2-40B4-BE49-F238E27FC236}">
+                    <a16:creationId xmlns:a16="http://schemas.microsoft.com/office/drawing/2014/main" id="{0E117024-05DD-4FF0-9879-AF5D7327E569}"/>
+                  </a:ext>
+                </a:extLst>
+              </p:cNvPr>
+              <p:cNvSpPr txBox="1"/>
+              <p:nvPr/>
+            </p:nvSpPr>
+            <p:spPr>
+              <a:xfrm>
+                <a:off x="11188824" y="6234436"/>
+                <a:ext cx="838691" cy="230832"/>
+              </a:xfrm>
+              <a:prstGeom prst="rect">
+                <a:avLst/>
+              </a:prstGeom>
+              <a:noFill/>
+            </p:spPr>
+            <p:txBody>
+              <a:bodyPr wrap="none" rtlCol="0">
+                <a:spAutoFit/>
+              </a:bodyPr>
+              <a:lstStyle/>
+              <a:p>
+                <a:r>
+                  <a:rPr lang="en-US" altLang="zh-CN" sz="900" b="1" dirty="0">
+                    <a:latin typeface="Times New Roman" panose="02020603050405020304" pitchFamily="18" charset="0"/>
+                    <a:cs typeface="Times New Roman" panose="02020603050405020304" pitchFamily="18" charset="0"/>
+                  </a:rPr>
+                  <a:t>[10.11, 10.14)</a:t>
+                </a:r>
+                <a:endParaRPr lang="zh-CN" altLang="en-US" sz="900" b="1" dirty="0">
+                  <a:latin typeface="Times New Roman" panose="02020603050405020304" pitchFamily="18" charset="0"/>
+                  <a:cs typeface="Times New Roman" panose="02020603050405020304" pitchFamily="18" charset="0"/>
+                </a:endParaRPr>
+              </a:p>
+            </p:txBody>
+          </p:sp>
+          <p:sp>
+            <p:nvSpPr>
+              <p:cNvPr id="125" name="文本框 124">
+                <a:extLst>
+                  <a:ext uri="{FF2B5EF4-FFF2-40B4-BE49-F238E27FC236}">
+                    <a16:creationId xmlns:a16="http://schemas.microsoft.com/office/drawing/2014/main" id="{C28A8909-0561-4140-A8F3-567A8C4079F1}"/>
+                  </a:ext>
+                </a:extLst>
+              </p:cNvPr>
+              <p:cNvSpPr txBox="1"/>
+              <p:nvPr/>
+            </p:nvSpPr>
+            <p:spPr>
+              <a:xfrm>
+                <a:off x="11840251" y="6234436"/>
+                <a:ext cx="838691" cy="230832"/>
+              </a:xfrm>
+              <a:prstGeom prst="rect">
+                <a:avLst/>
+              </a:prstGeom>
+              <a:noFill/>
+            </p:spPr>
+            <p:txBody>
+              <a:bodyPr wrap="none" rtlCol="0">
+                <a:spAutoFit/>
+              </a:bodyPr>
+              <a:lstStyle/>
+              <a:p>
+                <a:r>
+                  <a:rPr lang="en-US" altLang="zh-CN" sz="900" b="1" dirty="0">
+                    <a:latin typeface="Times New Roman" panose="02020603050405020304" pitchFamily="18" charset="0"/>
+                    <a:cs typeface="Times New Roman" panose="02020603050405020304" pitchFamily="18" charset="0"/>
+                  </a:rPr>
+                  <a:t>[10.14, 10.21)</a:t>
                 </a:r>
                 <a:endParaRPr lang="zh-CN" altLang="en-US" sz="900" b="1" dirty="0">
                   <a:latin typeface="Times New Roman" panose="02020603050405020304" pitchFamily="18" charset="0"/>
@@ -7096,10 +11372,10 @@
         </p:grpSp>
         <p:grpSp>
           <p:nvGrpSpPr>
-            <p:cNvPr id="137" name="组合 136">
+            <p:cNvPr id="5" name="组合 4">
               <a:extLst>
                 <a:ext uri="{FF2B5EF4-FFF2-40B4-BE49-F238E27FC236}">
-                  <a16:creationId xmlns:a16="http://schemas.microsoft.com/office/drawing/2014/main" id="{550C0B29-5EB3-459B-AB24-6EB3FBF1B732}"/>
+                  <a16:creationId xmlns:a16="http://schemas.microsoft.com/office/drawing/2014/main" id="{41DBDAE0-1855-4AE9-A175-DB8D05AE8039}"/>
                 </a:ext>
               </a:extLst>
             </p:cNvPr>
@@ -7108,454 +11384,995 @@
           </p:nvGrpSpPr>
           <p:grpSpPr>
             <a:xfrm>
-              <a:off x="5998393" y="6752003"/>
-              <a:ext cx="423708" cy="1946734"/>
-              <a:chOff x="6197292" y="950994"/>
-              <a:chExt cx="423708" cy="1946734"/>
+              <a:off x="228219" y="6783909"/>
+              <a:ext cx="6193882" cy="2701120"/>
+              <a:chOff x="228219" y="6583877"/>
+              <a:chExt cx="6193882" cy="2701120"/>
             </a:xfrm>
           </p:grpSpPr>
-          <p:sp>
-            <p:nvSpPr>
-              <p:cNvPr id="138" name="文本框 137">
+          <p:pic>
+            <p:nvPicPr>
+              <p:cNvPr id="126" name="图片 125" descr="图片包含 图形用户界面&#10;&#10;描述已自动生成">
                 <a:extLst>
                   <a:ext uri="{FF2B5EF4-FFF2-40B4-BE49-F238E27FC236}">
-                    <a16:creationId xmlns:a16="http://schemas.microsoft.com/office/drawing/2014/main" id="{C522DE81-E731-4CB8-B947-A04E669F2FAA}"/>
+                    <a16:creationId xmlns:a16="http://schemas.microsoft.com/office/drawing/2014/main" id="{53384CD6-3A3D-4CF1-9D6E-27AB3BD60DD7}"/>
                   </a:ext>
                 </a:extLst>
               </p:cNvPr>
-              <p:cNvSpPr txBox="1"/>
+              <p:cNvPicPr/>
               <p:nvPr/>
-            </p:nvSpPr>
-            <p:spPr>
+            </p:nvPicPr>
+            <p:blipFill rotWithShape="1">
+              <a:blip r:embed="rId7">
+                <a:extLst>
+                  <a:ext uri="{28A0092B-C50C-407E-A947-70E740481C1C}">
+                    <a14:useLocalDpi xmlns:a14="http://schemas.microsoft.com/office/drawing/2010/main" val="0"/>
+                  </a:ext>
+                </a:extLst>
+              </a:blip>
+              <a:srcRect l="5621" t="25038" r="5002" b="6231"/>
+              <a:stretch/>
+            </p:blipFill>
+            <p:spPr bwMode="auto">
               <a:xfrm>
-                <a:off x="6214222" y="2666896"/>
-                <a:ext cx="389849" cy="230832"/>
+                <a:off x="530070" y="6583877"/>
+                <a:ext cx="5528763" cy="2470288"/>
               </a:xfrm>
               <a:prstGeom prst="rect">
                 <a:avLst/>
               </a:prstGeom>
               <a:noFill/>
+              <a:ln>
+                <a:noFill/>
+              </a:ln>
             </p:spPr>
-            <p:txBody>
-              <a:bodyPr wrap="square" rtlCol="0">
-                <a:spAutoFit/>
-              </a:bodyPr>
-              <a:lstStyle/>
-              <a:p>
-                <a:r>
-                  <a:rPr lang="en-US" altLang="zh-CN" sz="900" b="1" dirty="0">
-                    <a:latin typeface="Times New Roman" panose="02020603050405020304" pitchFamily="18" charset="0"/>
-                    <a:cs typeface="Times New Roman" panose="02020603050405020304" pitchFamily="18" charset="0"/>
-                  </a:rPr>
-                  <a:t>0.0</a:t>
-                </a:r>
-                <a:endParaRPr lang="zh-CN" altLang="en-US" sz="900" b="1" dirty="0">
-                  <a:latin typeface="Times New Roman" panose="02020603050405020304" pitchFamily="18" charset="0"/>
-                  <a:cs typeface="Times New Roman" panose="02020603050405020304" pitchFamily="18" charset="0"/>
-                </a:endParaRPr>
-              </a:p>
-            </p:txBody>
-          </p:sp>
-          <p:sp>
-            <p:nvSpPr>
-              <p:cNvPr id="139" name="文本框 138">
+          </p:pic>
+          <p:grpSp>
+            <p:nvGrpSpPr>
+              <p:cNvPr id="127" name="组合 126">
                 <a:extLst>
                   <a:ext uri="{FF2B5EF4-FFF2-40B4-BE49-F238E27FC236}">
-                    <a16:creationId xmlns:a16="http://schemas.microsoft.com/office/drawing/2014/main" id="{9FA93267-948D-47AD-9235-5CF69C97AA32}"/>
+                    <a16:creationId xmlns:a16="http://schemas.microsoft.com/office/drawing/2014/main" id="{F20A035A-6A24-40B8-AC9C-5C84D76D62ED}"/>
                   </a:ext>
                 </a:extLst>
               </p:cNvPr>
-              <p:cNvSpPr txBox="1"/>
+              <p:cNvGrpSpPr/>
               <p:nvPr/>
-            </p:nvSpPr>
-            <p:spPr>
+            </p:nvGrpSpPr>
+            <p:grpSpPr>
               <a:xfrm>
-                <a:off x="6214222" y="2237919"/>
-                <a:ext cx="389848" cy="230832"/>
+                <a:off x="362486" y="9054165"/>
+                <a:ext cx="5800238" cy="230832"/>
+                <a:chOff x="367974" y="3135422"/>
+                <a:chExt cx="5800238" cy="230832"/>
               </a:xfrm>
-              <a:prstGeom prst="rect">
-                <a:avLst/>
-              </a:prstGeom>
-              <a:noFill/>
-            </p:spPr>
-            <p:txBody>
-              <a:bodyPr wrap="square" rtlCol="0">
-                <a:spAutoFit/>
-              </a:bodyPr>
-              <a:lstStyle/>
-              <a:p>
-                <a:r>
-                  <a:rPr lang="en-US" altLang="zh-CN" sz="900" b="1" dirty="0">
-                    <a:latin typeface="Times New Roman" panose="02020603050405020304" pitchFamily="18" charset="0"/>
-                    <a:cs typeface="Times New Roman" panose="02020603050405020304" pitchFamily="18" charset="0"/>
-                  </a:rPr>
-                  <a:t>0.2</a:t>
-                </a:r>
-                <a:endParaRPr lang="zh-CN" altLang="en-US" sz="900" b="1" dirty="0">
-                  <a:latin typeface="Times New Roman" panose="02020603050405020304" pitchFamily="18" charset="0"/>
-                  <a:cs typeface="Times New Roman" panose="02020603050405020304" pitchFamily="18" charset="0"/>
-                </a:endParaRPr>
-              </a:p>
-            </p:txBody>
-          </p:sp>
-          <p:sp>
-            <p:nvSpPr>
-              <p:cNvPr id="140" name="文本框 139">
+            </p:grpSpPr>
+            <p:sp>
+              <p:nvSpPr>
+                <p:cNvPr id="128" name="文本框 127">
+                  <a:extLst>
+                    <a:ext uri="{FF2B5EF4-FFF2-40B4-BE49-F238E27FC236}">
+                      <a16:creationId xmlns:a16="http://schemas.microsoft.com/office/drawing/2014/main" id="{BDFD1141-36C4-4E1D-8E56-602BB2EA785A}"/>
+                    </a:ext>
+                  </a:extLst>
+                </p:cNvPr>
+                <p:cNvSpPr txBox="1"/>
+                <p:nvPr/>
+              </p:nvSpPr>
+              <p:spPr>
+                <a:xfrm>
+                  <a:off x="367974" y="3135422"/>
+                  <a:ext cx="771365" cy="230832"/>
+                </a:xfrm>
+                <a:prstGeom prst="rect">
+                  <a:avLst/>
+                </a:prstGeom>
+                <a:noFill/>
+              </p:spPr>
+              <p:txBody>
+                <a:bodyPr wrap="square" rtlCol="0">
+                  <a:spAutoFit/>
+                </a:bodyPr>
+                <a:lstStyle/>
+                <a:p>
+                  <a:r>
+                    <a:rPr lang="en-US" altLang="zh-CN" sz="900" b="1" dirty="0">
+                      <a:latin typeface="Times New Roman" panose="02020603050405020304" pitchFamily="18" charset="0"/>
+                      <a:cs typeface="Times New Roman" panose="02020603050405020304" pitchFamily="18" charset="0"/>
+                    </a:rPr>
+                    <a:t>[-2.74, -1.30)</a:t>
+                  </a:r>
+                  <a:endParaRPr lang="zh-CN" altLang="en-US" sz="900" b="1" dirty="0">
+                    <a:latin typeface="Times New Roman" panose="02020603050405020304" pitchFamily="18" charset="0"/>
+                    <a:cs typeface="Times New Roman" panose="02020603050405020304" pitchFamily="18" charset="0"/>
+                  </a:endParaRPr>
+                </a:p>
+              </p:txBody>
+            </p:sp>
+            <p:sp>
+              <p:nvSpPr>
+                <p:cNvPr id="129" name="文本框 128">
+                  <a:extLst>
+                    <a:ext uri="{FF2B5EF4-FFF2-40B4-BE49-F238E27FC236}">
+                      <a16:creationId xmlns:a16="http://schemas.microsoft.com/office/drawing/2014/main" id="{733A8664-68AB-4898-9A21-BDC2F18C12A6}"/>
+                    </a:ext>
+                  </a:extLst>
+                </p:cNvPr>
+                <p:cNvSpPr txBox="1"/>
+                <p:nvPr/>
+              </p:nvSpPr>
+              <p:spPr>
+                <a:xfrm>
+                  <a:off x="989732" y="3135422"/>
+                  <a:ext cx="800219" cy="230832"/>
+                </a:xfrm>
+                <a:prstGeom prst="rect">
+                  <a:avLst/>
+                </a:prstGeom>
+                <a:noFill/>
+              </p:spPr>
+              <p:txBody>
+                <a:bodyPr wrap="none" rtlCol="0">
+                  <a:spAutoFit/>
+                </a:bodyPr>
+                <a:lstStyle/>
+                <a:p>
+                  <a:r>
+                    <a:rPr lang="en-US" altLang="zh-CN" sz="900" b="1" dirty="0">
+                      <a:latin typeface="Times New Roman" panose="02020603050405020304" pitchFamily="18" charset="0"/>
+                      <a:cs typeface="Times New Roman" panose="02020603050405020304" pitchFamily="18" charset="0"/>
+                    </a:rPr>
+                    <a:t>[-1.30, -0.53)</a:t>
+                  </a:r>
+                  <a:endParaRPr lang="zh-CN" altLang="en-US" sz="900" b="1" dirty="0">
+                    <a:latin typeface="Times New Roman" panose="02020603050405020304" pitchFamily="18" charset="0"/>
+                    <a:cs typeface="Times New Roman" panose="02020603050405020304" pitchFamily="18" charset="0"/>
+                  </a:endParaRPr>
+                </a:p>
+              </p:txBody>
+            </p:sp>
+            <p:sp>
+              <p:nvSpPr>
+                <p:cNvPr id="130" name="文本框 129">
+                  <a:extLst>
+                    <a:ext uri="{FF2B5EF4-FFF2-40B4-BE49-F238E27FC236}">
+                      <a16:creationId xmlns:a16="http://schemas.microsoft.com/office/drawing/2014/main" id="{D65477BD-325D-4BCD-8D06-24946C8F2F87}"/>
+                    </a:ext>
+                  </a:extLst>
+                </p:cNvPr>
+                <p:cNvSpPr txBox="1"/>
+                <p:nvPr/>
+              </p:nvSpPr>
+              <p:spPr>
+                <a:xfrm>
+                  <a:off x="2262381" y="3135422"/>
+                  <a:ext cx="761747" cy="230832"/>
+                </a:xfrm>
+                <a:prstGeom prst="rect">
+                  <a:avLst/>
+                </a:prstGeom>
+                <a:noFill/>
+              </p:spPr>
+              <p:txBody>
+                <a:bodyPr wrap="none" rtlCol="0">
+                  <a:spAutoFit/>
+                </a:bodyPr>
+                <a:lstStyle/>
+                <a:p>
+                  <a:r>
+                    <a:rPr lang="en-US" altLang="zh-CN" sz="900" b="1" dirty="0">
+                      <a:latin typeface="Times New Roman" panose="02020603050405020304" pitchFamily="18" charset="0"/>
+                      <a:cs typeface="Times New Roman" panose="02020603050405020304" pitchFamily="18" charset="0"/>
+                    </a:rPr>
+                    <a:t>[-0.23, 0.22)</a:t>
+                  </a:r>
+                  <a:endParaRPr lang="zh-CN" altLang="en-US" sz="900" b="1" dirty="0">
+                    <a:latin typeface="Times New Roman" panose="02020603050405020304" pitchFamily="18" charset="0"/>
+                    <a:cs typeface="Times New Roman" panose="02020603050405020304" pitchFamily="18" charset="0"/>
+                  </a:endParaRPr>
+                </a:p>
+              </p:txBody>
+            </p:sp>
+            <p:sp>
+              <p:nvSpPr>
+                <p:cNvPr id="131" name="文本框 130">
+                  <a:extLst>
+                    <a:ext uri="{FF2B5EF4-FFF2-40B4-BE49-F238E27FC236}">
+                      <a16:creationId xmlns:a16="http://schemas.microsoft.com/office/drawing/2014/main" id="{BC96047E-86DE-4519-ABDD-27071CAF397A}"/>
+                    </a:ext>
+                  </a:extLst>
+                </p:cNvPr>
+                <p:cNvSpPr txBox="1"/>
+                <p:nvPr/>
+              </p:nvSpPr>
+              <p:spPr>
+                <a:xfrm>
+                  <a:off x="1611769" y="3135422"/>
+                  <a:ext cx="800219" cy="230832"/>
+                </a:xfrm>
+                <a:prstGeom prst="rect">
+                  <a:avLst/>
+                </a:prstGeom>
+                <a:noFill/>
+              </p:spPr>
+              <p:txBody>
+                <a:bodyPr wrap="none" rtlCol="0">
+                  <a:spAutoFit/>
+                </a:bodyPr>
+                <a:lstStyle/>
+                <a:p>
+                  <a:r>
+                    <a:rPr lang="en-US" altLang="zh-CN" sz="900" b="1" dirty="0">
+                      <a:latin typeface="Times New Roman" panose="02020603050405020304" pitchFamily="18" charset="0"/>
+                      <a:cs typeface="Times New Roman" panose="02020603050405020304" pitchFamily="18" charset="0"/>
+                    </a:rPr>
+                    <a:t>[-0.53, -0.23)</a:t>
+                  </a:r>
+                  <a:endParaRPr lang="zh-CN" altLang="en-US" sz="900" b="1" dirty="0">
+                    <a:latin typeface="Times New Roman" panose="02020603050405020304" pitchFamily="18" charset="0"/>
+                    <a:cs typeface="Times New Roman" panose="02020603050405020304" pitchFamily="18" charset="0"/>
+                  </a:endParaRPr>
+                </a:p>
+              </p:txBody>
+            </p:sp>
+            <p:sp>
+              <p:nvSpPr>
+                <p:cNvPr id="132" name="文本框 131">
+                  <a:extLst>
+                    <a:ext uri="{FF2B5EF4-FFF2-40B4-BE49-F238E27FC236}">
+                      <a16:creationId xmlns:a16="http://schemas.microsoft.com/office/drawing/2014/main" id="{0281211E-9F07-4AE2-B548-69A6D537DAA6}"/>
+                    </a:ext>
+                  </a:extLst>
+                </p:cNvPr>
+                <p:cNvSpPr txBox="1"/>
+                <p:nvPr/>
+              </p:nvSpPr>
+              <p:spPr>
+                <a:xfrm>
+                  <a:off x="2884418" y="3135422"/>
+                  <a:ext cx="723275" cy="230832"/>
+                </a:xfrm>
+                <a:prstGeom prst="rect">
+                  <a:avLst/>
+                </a:prstGeom>
+                <a:noFill/>
+              </p:spPr>
+              <p:txBody>
+                <a:bodyPr wrap="none" rtlCol="0">
+                  <a:spAutoFit/>
+                </a:bodyPr>
+                <a:lstStyle/>
+                <a:p>
+                  <a:r>
+                    <a:rPr lang="en-US" altLang="zh-CN" sz="900" b="1" dirty="0">
+                      <a:latin typeface="Times New Roman" panose="02020603050405020304" pitchFamily="18" charset="0"/>
+                      <a:cs typeface="Times New Roman" panose="02020603050405020304" pitchFamily="18" charset="0"/>
+                    </a:rPr>
+                    <a:t>[0.22, 0.53)</a:t>
+                  </a:r>
+                  <a:endParaRPr lang="zh-CN" altLang="en-US" sz="900" b="1" dirty="0">
+                    <a:latin typeface="Times New Roman" panose="02020603050405020304" pitchFamily="18" charset="0"/>
+                    <a:cs typeface="Times New Roman" panose="02020603050405020304" pitchFamily="18" charset="0"/>
+                  </a:endParaRPr>
+                </a:p>
+              </p:txBody>
+            </p:sp>
+            <p:sp>
+              <p:nvSpPr>
+                <p:cNvPr id="133" name="文本框 132">
+                  <a:extLst>
+                    <a:ext uri="{FF2B5EF4-FFF2-40B4-BE49-F238E27FC236}">
+                      <a16:creationId xmlns:a16="http://schemas.microsoft.com/office/drawing/2014/main" id="{8639E931-DD4E-4DA4-9CA9-A1DB3AEC1461}"/>
+                    </a:ext>
+                  </a:extLst>
+                </p:cNvPr>
+                <p:cNvSpPr txBox="1"/>
+                <p:nvPr/>
+              </p:nvSpPr>
+              <p:spPr>
+                <a:xfrm>
+                  <a:off x="3515980" y="3135422"/>
+                  <a:ext cx="723275" cy="230832"/>
+                </a:xfrm>
+                <a:prstGeom prst="rect">
+                  <a:avLst/>
+                </a:prstGeom>
+                <a:noFill/>
+              </p:spPr>
+              <p:txBody>
+                <a:bodyPr wrap="none" rtlCol="0">
+                  <a:spAutoFit/>
+                </a:bodyPr>
+                <a:lstStyle/>
+                <a:p>
+                  <a:r>
+                    <a:rPr lang="en-US" altLang="zh-CN" sz="900" b="1" dirty="0">
+                      <a:latin typeface="Times New Roman" panose="02020603050405020304" pitchFamily="18" charset="0"/>
+                      <a:cs typeface="Times New Roman" panose="02020603050405020304" pitchFamily="18" charset="0"/>
+                    </a:rPr>
+                    <a:t>[0.53, 0.97)</a:t>
+                  </a:r>
+                  <a:endParaRPr lang="zh-CN" altLang="en-US" sz="900" b="1" dirty="0">
+                    <a:latin typeface="Times New Roman" panose="02020603050405020304" pitchFamily="18" charset="0"/>
+                    <a:cs typeface="Times New Roman" panose="02020603050405020304" pitchFamily="18" charset="0"/>
+                  </a:endParaRPr>
+                </a:p>
+              </p:txBody>
+            </p:sp>
+            <p:sp>
+              <p:nvSpPr>
+                <p:cNvPr id="134" name="文本框 133">
+                  <a:extLst>
+                    <a:ext uri="{FF2B5EF4-FFF2-40B4-BE49-F238E27FC236}">
+                      <a16:creationId xmlns:a16="http://schemas.microsoft.com/office/drawing/2014/main" id="{BFDC6A74-EAB8-4859-B5FC-290AEE89C227}"/>
+                    </a:ext>
+                  </a:extLst>
+                </p:cNvPr>
+                <p:cNvSpPr txBox="1"/>
+                <p:nvPr/>
+              </p:nvSpPr>
+              <p:spPr>
+                <a:xfrm>
+                  <a:off x="4147542" y="3135422"/>
+                  <a:ext cx="723275" cy="230832"/>
+                </a:xfrm>
+                <a:prstGeom prst="rect">
+                  <a:avLst/>
+                </a:prstGeom>
+                <a:noFill/>
+              </p:spPr>
+              <p:txBody>
+                <a:bodyPr wrap="none" rtlCol="0">
+                  <a:spAutoFit/>
+                </a:bodyPr>
+                <a:lstStyle/>
+                <a:p>
+                  <a:r>
+                    <a:rPr lang="en-US" altLang="zh-CN" sz="900" b="1" dirty="0">
+                      <a:latin typeface="Times New Roman" panose="02020603050405020304" pitchFamily="18" charset="0"/>
+                      <a:cs typeface="Times New Roman" panose="02020603050405020304" pitchFamily="18" charset="0"/>
+                    </a:rPr>
+                    <a:t>[0.97, 1.39)</a:t>
+                  </a:r>
+                  <a:endParaRPr lang="zh-CN" altLang="en-US" sz="900" b="1" dirty="0">
+                    <a:latin typeface="Times New Roman" panose="02020603050405020304" pitchFamily="18" charset="0"/>
+                    <a:cs typeface="Times New Roman" panose="02020603050405020304" pitchFamily="18" charset="0"/>
+                  </a:endParaRPr>
+                </a:p>
+              </p:txBody>
+            </p:sp>
+            <p:sp>
+              <p:nvSpPr>
+                <p:cNvPr id="135" name="文本框 134">
+                  <a:extLst>
+                    <a:ext uri="{FF2B5EF4-FFF2-40B4-BE49-F238E27FC236}">
+                      <a16:creationId xmlns:a16="http://schemas.microsoft.com/office/drawing/2014/main" id="{E2778B7E-4CAF-4C71-878A-002FEC05AE7E}"/>
+                    </a:ext>
+                  </a:extLst>
+                </p:cNvPr>
+                <p:cNvSpPr txBox="1"/>
+                <p:nvPr/>
+              </p:nvSpPr>
+              <p:spPr>
+                <a:xfrm>
+                  <a:off x="4798154" y="3135422"/>
+                  <a:ext cx="723275" cy="230832"/>
+                </a:xfrm>
+                <a:prstGeom prst="rect">
+                  <a:avLst/>
+                </a:prstGeom>
+                <a:noFill/>
+              </p:spPr>
+              <p:txBody>
+                <a:bodyPr wrap="none" rtlCol="0">
+                  <a:spAutoFit/>
+                </a:bodyPr>
+                <a:lstStyle/>
+                <a:p>
+                  <a:r>
+                    <a:rPr lang="en-US" altLang="zh-CN" sz="900" b="1" dirty="0">
+                      <a:latin typeface="Times New Roman" panose="02020603050405020304" pitchFamily="18" charset="0"/>
+                      <a:cs typeface="Times New Roman" panose="02020603050405020304" pitchFamily="18" charset="0"/>
+                    </a:rPr>
+                    <a:t>[1.39, 2.28)</a:t>
+                  </a:r>
+                  <a:endParaRPr lang="zh-CN" altLang="en-US" sz="900" b="1" dirty="0">
+                    <a:latin typeface="Times New Roman" panose="02020603050405020304" pitchFamily="18" charset="0"/>
+                    <a:cs typeface="Times New Roman" panose="02020603050405020304" pitchFamily="18" charset="0"/>
+                  </a:endParaRPr>
+                </a:p>
+              </p:txBody>
+            </p:sp>
+            <p:sp>
+              <p:nvSpPr>
+                <p:cNvPr id="136" name="文本框 135">
+                  <a:extLst>
+                    <a:ext uri="{FF2B5EF4-FFF2-40B4-BE49-F238E27FC236}">
+                      <a16:creationId xmlns:a16="http://schemas.microsoft.com/office/drawing/2014/main" id="{7A800CAF-71AD-474D-BACC-7F2DCB84781E}"/>
+                    </a:ext>
+                  </a:extLst>
+                </p:cNvPr>
+                <p:cNvSpPr txBox="1"/>
+                <p:nvPr/>
+              </p:nvSpPr>
+              <p:spPr>
+                <a:xfrm>
+                  <a:off x="5444937" y="3135422"/>
+                  <a:ext cx="723275" cy="230832"/>
+                </a:xfrm>
+                <a:prstGeom prst="rect">
+                  <a:avLst/>
+                </a:prstGeom>
+                <a:noFill/>
+              </p:spPr>
+              <p:txBody>
+                <a:bodyPr wrap="none" rtlCol="0">
+                  <a:spAutoFit/>
+                </a:bodyPr>
+                <a:lstStyle/>
+                <a:p>
+                  <a:r>
+                    <a:rPr lang="en-US" altLang="zh-CN" sz="900" b="1" dirty="0">
+                      <a:latin typeface="Times New Roman" panose="02020603050405020304" pitchFamily="18" charset="0"/>
+                      <a:cs typeface="Times New Roman" panose="02020603050405020304" pitchFamily="18" charset="0"/>
+                    </a:rPr>
+                    <a:t>[2.28, 4.94)</a:t>
+                  </a:r>
+                  <a:endParaRPr lang="zh-CN" altLang="en-US" sz="900" b="1" dirty="0">
+                    <a:latin typeface="Times New Roman" panose="02020603050405020304" pitchFamily="18" charset="0"/>
+                    <a:cs typeface="Times New Roman" panose="02020603050405020304" pitchFamily="18" charset="0"/>
+                  </a:endParaRPr>
+                </a:p>
+              </p:txBody>
+            </p:sp>
+          </p:grpSp>
+          <p:grpSp>
+            <p:nvGrpSpPr>
+              <p:cNvPr id="137" name="组合 136">
                 <a:extLst>
                   <a:ext uri="{FF2B5EF4-FFF2-40B4-BE49-F238E27FC236}">
-                    <a16:creationId xmlns:a16="http://schemas.microsoft.com/office/drawing/2014/main" id="{62105FC4-902C-4684-BACB-D5F3AA2B5A2C}"/>
+                    <a16:creationId xmlns:a16="http://schemas.microsoft.com/office/drawing/2014/main" id="{550C0B29-5EB3-459B-AB24-6EB3FBF1B732}"/>
                   </a:ext>
                 </a:extLst>
               </p:cNvPr>
-              <p:cNvSpPr txBox="1"/>
+              <p:cNvGrpSpPr/>
               <p:nvPr/>
-            </p:nvSpPr>
-            <p:spPr>
+            </p:nvGrpSpPr>
+            <p:grpSpPr>
               <a:xfrm>
-                <a:off x="6214222" y="1808944"/>
-                <a:ext cx="389848" cy="230832"/>
+                <a:off x="5998393" y="6752003"/>
+                <a:ext cx="423708" cy="1946734"/>
+                <a:chOff x="6197292" y="950994"/>
+                <a:chExt cx="423708" cy="1946734"/>
               </a:xfrm>
-              <a:prstGeom prst="rect">
-                <a:avLst/>
-              </a:prstGeom>
-              <a:noFill/>
-            </p:spPr>
-            <p:txBody>
-              <a:bodyPr wrap="square" rtlCol="0">
-                <a:spAutoFit/>
-              </a:bodyPr>
-              <a:lstStyle/>
-              <a:p>
-                <a:r>
-                  <a:rPr lang="en-US" altLang="zh-CN" sz="900" b="1" dirty="0">
-                    <a:latin typeface="Times New Roman" panose="02020603050405020304" pitchFamily="18" charset="0"/>
-                    <a:cs typeface="Times New Roman" panose="02020603050405020304" pitchFamily="18" charset="0"/>
-                  </a:rPr>
-                  <a:t>0.4</a:t>
-                </a:r>
-                <a:endParaRPr lang="zh-CN" altLang="en-US" sz="900" b="1" dirty="0">
-                  <a:latin typeface="Times New Roman" panose="02020603050405020304" pitchFamily="18" charset="0"/>
-                  <a:cs typeface="Times New Roman" panose="02020603050405020304" pitchFamily="18" charset="0"/>
-                </a:endParaRPr>
-              </a:p>
-            </p:txBody>
-          </p:sp>
-          <p:sp>
-            <p:nvSpPr>
-              <p:cNvPr id="141" name="文本框 140">
+            </p:grpSpPr>
+            <p:sp>
+              <p:nvSpPr>
+                <p:cNvPr id="138" name="文本框 137">
+                  <a:extLst>
+                    <a:ext uri="{FF2B5EF4-FFF2-40B4-BE49-F238E27FC236}">
+                      <a16:creationId xmlns:a16="http://schemas.microsoft.com/office/drawing/2014/main" id="{C522DE81-E731-4CB8-B947-A04E669F2FAA}"/>
+                    </a:ext>
+                  </a:extLst>
+                </p:cNvPr>
+                <p:cNvSpPr txBox="1"/>
+                <p:nvPr/>
+              </p:nvSpPr>
+              <p:spPr>
+                <a:xfrm>
+                  <a:off x="6214222" y="2666896"/>
+                  <a:ext cx="389849" cy="230832"/>
+                </a:xfrm>
+                <a:prstGeom prst="rect">
+                  <a:avLst/>
+                </a:prstGeom>
+                <a:noFill/>
+              </p:spPr>
+              <p:txBody>
+                <a:bodyPr wrap="square" rtlCol="0">
+                  <a:spAutoFit/>
+                </a:bodyPr>
+                <a:lstStyle/>
+                <a:p>
+                  <a:r>
+                    <a:rPr lang="en-US" altLang="zh-CN" sz="900" b="1" dirty="0">
+                      <a:latin typeface="Times New Roman" panose="02020603050405020304" pitchFamily="18" charset="0"/>
+                      <a:cs typeface="Times New Roman" panose="02020603050405020304" pitchFamily="18" charset="0"/>
+                    </a:rPr>
+                    <a:t>0.0</a:t>
+                  </a:r>
+                  <a:endParaRPr lang="zh-CN" altLang="en-US" sz="900" b="1" dirty="0">
+                    <a:latin typeface="Times New Roman" panose="02020603050405020304" pitchFamily="18" charset="0"/>
+                    <a:cs typeface="Times New Roman" panose="02020603050405020304" pitchFamily="18" charset="0"/>
+                  </a:endParaRPr>
+                </a:p>
+              </p:txBody>
+            </p:sp>
+            <p:sp>
+              <p:nvSpPr>
+                <p:cNvPr id="139" name="文本框 138">
+                  <a:extLst>
+                    <a:ext uri="{FF2B5EF4-FFF2-40B4-BE49-F238E27FC236}">
+                      <a16:creationId xmlns:a16="http://schemas.microsoft.com/office/drawing/2014/main" id="{9FA93267-948D-47AD-9235-5CF69C97AA32}"/>
+                    </a:ext>
+                  </a:extLst>
+                </p:cNvPr>
+                <p:cNvSpPr txBox="1"/>
+                <p:nvPr/>
+              </p:nvSpPr>
+              <p:spPr>
+                <a:xfrm>
+                  <a:off x="6214222" y="2237919"/>
+                  <a:ext cx="389848" cy="230832"/>
+                </a:xfrm>
+                <a:prstGeom prst="rect">
+                  <a:avLst/>
+                </a:prstGeom>
+                <a:noFill/>
+              </p:spPr>
+              <p:txBody>
+                <a:bodyPr wrap="square" rtlCol="0">
+                  <a:spAutoFit/>
+                </a:bodyPr>
+                <a:lstStyle/>
+                <a:p>
+                  <a:r>
+                    <a:rPr lang="en-US" altLang="zh-CN" sz="900" b="1" dirty="0">
+                      <a:latin typeface="Times New Roman" panose="02020603050405020304" pitchFamily="18" charset="0"/>
+                      <a:cs typeface="Times New Roman" panose="02020603050405020304" pitchFamily="18" charset="0"/>
+                    </a:rPr>
+                    <a:t>0.2</a:t>
+                  </a:r>
+                  <a:endParaRPr lang="zh-CN" altLang="en-US" sz="900" b="1" dirty="0">
+                    <a:latin typeface="Times New Roman" panose="02020603050405020304" pitchFamily="18" charset="0"/>
+                    <a:cs typeface="Times New Roman" panose="02020603050405020304" pitchFamily="18" charset="0"/>
+                  </a:endParaRPr>
+                </a:p>
+              </p:txBody>
+            </p:sp>
+            <p:sp>
+              <p:nvSpPr>
+                <p:cNvPr id="140" name="文本框 139">
+                  <a:extLst>
+                    <a:ext uri="{FF2B5EF4-FFF2-40B4-BE49-F238E27FC236}">
+                      <a16:creationId xmlns:a16="http://schemas.microsoft.com/office/drawing/2014/main" id="{62105FC4-902C-4684-BACB-D5F3AA2B5A2C}"/>
+                    </a:ext>
+                  </a:extLst>
+                </p:cNvPr>
+                <p:cNvSpPr txBox="1"/>
+                <p:nvPr/>
+              </p:nvSpPr>
+              <p:spPr>
+                <a:xfrm>
+                  <a:off x="6214222" y="1808944"/>
+                  <a:ext cx="389848" cy="230832"/>
+                </a:xfrm>
+                <a:prstGeom prst="rect">
+                  <a:avLst/>
+                </a:prstGeom>
+                <a:noFill/>
+              </p:spPr>
+              <p:txBody>
+                <a:bodyPr wrap="square" rtlCol="0">
+                  <a:spAutoFit/>
+                </a:bodyPr>
+                <a:lstStyle/>
+                <a:p>
+                  <a:r>
+                    <a:rPr lang="en-US" altLang="zh-CN" sz="900" b="1" dirty="0">
+                      <a:latin typeface="Times New Roman" panose="02020603050405020304" pitchFamily="18" charset="0"/>
+                      <a:cs typeface="Times New Roman" panose="02020603050405020304" pitchFamily="18" charset="0"/>
+                    </a:rPr>
+                    <a:t>0.4</a:t>
+                  </a:r>
+                  <a:endParaRPr lang="zh-CN" altLang="en-US" sz="900" b="1" dirty="0">
+                    <a:latin typeface="Times New Roman" panose="02020603050405020304" pitchFamily="18" charset="0"/>
+                    <a:cs typeface="Times New Roman" panose="02020603050405020304" pitchFamily="18" charset="0"/>
+                  </a:endParaRPr>
+                </a:p>
+              </p:txBody>
+            </p:sp>
+            <p:sp>
+              <p:nvSpPr>
+                <p:cNvPr id="141" name="文本框 140">
+                  <a:extLst>
+                    <a:ext uri="{FF2B5EF4-FFF2-40B4-BE49-F238E27FC236}">
+                      <a16:creationId xmlns:a16="http://schemas.microsoft.com/office/drawing/2014/main" id="{F253A683-B549-4387-9C2D-E7A64D3AD58D}"/>
+                    </a:ext>
+                  </a:extLst>
+                </p:cNvPr>
+                <p:cNvSpPr txBox="1"/>
+                <p:nvPr/>
+              </p:nvSpPr>
+              <p:spPr>
+                <a:xfrm>
+                  <a:off x="6197292" y="1379969"/>
+                  <a:ext cx="423708" cy="230832"/>
+                </a:xfrm>
+                <a:prstGeom prst="rect">
+                  <a:avLst/>
+                </a:prstGeom>
+                <a:noFill/>
+              </p:spPr>
+              <p:txBody>
+                <a:bodyPr wrap="square" rtlCol="0">
+                  <a:spAutoFit/>
+                </a:bodyPr>
+                <a:lstStyle/>
+                <a:p>
+                  <a:r>
+                    <a:rPr lang="en-US" altLang="zh-CN" sz="900" b="1" dirty="0">
+                      <a:latin typeface="Times New Roman" panose="02020603050405020304" pitchFamily="18" charset="0"/>
+                      <a:cs typeface="Times New Roman" panose="02020603050405020304" pitchFamily="18" charset="0"/>
+                    </a:rPr>
+                    <a:t>0.6</a:t>
+                  </a:r>
+                  <a:endParaRPr lang="zh-CN" altLang="en-US" sz="900" b="1" dirty="0">
+                    <a:latin typeface="Times New Roman" panose="02020603050405020304" pitchFamily="18" charset="0"/>
+                    <a:cs typeface="Times New Roman" panose="02020603050405020304" pitchFamily="18" charset="0"/>
+                  </a:endParaRPr>
+                </a:p>
+              </p:txBody>
+            </p:sp>
+            <p:sp>
+              <p:nvSpPr>
+                <p:cNvPr id="142" name="文本框 141">
+                  <a:extLst>
+                    <a:ext uri="{FF2B5EF4-FFF2-40B4-BE49-F238E27FC236}">
+                      <a16:creationId xmlns:a16="http://schemas.microsoft.com/office/drawing/2014/main" id="{ADBF5F1F-0926-4A45-9E42-66B261B4F221}"/>
+                    </a:ext>
+                  </a:extLst>
+                </p:cNvPr>
+                <p:cNvSpPr txBox="1"/>
+                <p:nvPr/>
+              </p:nvSpPr>
+              <p:spPr>
+                <a:xfrm>
+                  <a:off x="6200036" y="950994"/>
+                  <a:ext cx="418221" cy="230832"/>
+                </a:xfrm>
+                <a:prstGeom prst="rect">
+                  <a:avLst/>
+                </a:prstGeom>
+                <a:noFill/>
+              </p:spPr>
+              <p:txBody>
+                <a:bodyPr wrap="square" rtlCol="0">
+                  <a:spAutoFit/>
+                </a:bodyPr>
+                <a:lstStyle/>
+                <a:p>
+                  <a:r>
+                    <a:rPr lang="en-US" altLang="zh-CN" sz="900" b="1" dirty="0">
+                      <a:latin typeface="Times New Roman" panose="02020603050405020304" pitchFamily="18" charset="0"/>
+                      <a:cs typeface="Times New Roman" panose="02020603050405020304" pitchFamily="18" charset="0"/>
+                    </a:rPr>
+                    <a:t>0.8</a:t>
+                  </a:r>
+                  <a:endParaRPr lang="zh-CN" altLang="en-US" sz="900" b="1" dirty="0">
+                    <a:latin typeface="Times New Roman" panose="02020603050405020304" pitchFamily="18" charset="0"/>
+                    <a:cs typeface="Times New Roman" panose="02020603050405020304" pitchFamily="18" charset="0"/>
+                  </a:endParaRPr>
+                </a:p>
+              </p:txBody>
+            </p:sp>
+          </p:grpSp>
+          <p:grpSp>
+            <p:nvGrpSpPr>
+              <p:cNvPr id="143" name="组合 142">
                 <a:extLst>
                   <a:ext uri="{FF2B5EF4-FFF2-40B4-BE49-F238E27FC236}">
-                    <a16:creationId xmlns:a16="http://schemas.microsoft.com/office/drawing/2014/main" id="{F253A683-B549-4387-9C2D-E7A64D3AD58D}"/>
+                    <a16:creationId xmlns:a16="http://schemas.microsoft.com/office/drawing/2014/main" id="{210465E9-2DD4-408B-8466-DB5194F9EBAF}"/>
                   </a:ext>
                 </a:extLst>
               </p:cNvPr>
-              <p:cNvSpPr txBox="1"/>
+              <p:cNvGrpSpPr/>
               <p:nvPr/>
-            </p:nvSpPr>
-            <p:spPr>
+            </p:nvGrpSpPr>
+            <p:grpSpPr>
               <a:xfrm>
-                <a:off x="6197292" y="1379969"/>
-                <a:ext cx="423708" cy="230832"/>
+                <a:off x="228219" y="6785930"/>
+                <a:ext cx="324736" cy="1946734"/>
+                <a:chOff x="245993" y="948762"/>
+                <a:chExt cx="324736" cy="1946734"/>
               </a:xfrm>
-              <a:prstGeom prst="rect">
-                <a:avLst/>
-              </a:prstGeom>
-              <a:noFill/>
-            </p:spPr>
-            <p:txBody>
-              <a:bodyPr wrap="square" rtlCol="0">
-                <a:spAutoFit/>
-              </a:bodyPr>
-              <a:lstStyle/>
-              <a:p>
-                <a:r>
-                  <a:rPr lang="en-US" altLang="zh-CN" sz="900" b="1" dirty="0">
-                    <a:latin typeface="Times New Roman" panose="02020603050405020304" pitchFamily="18" charset="0"/>
-                    <a:cs typeface="Times New Roman" panose="02020603050405020304" pitchFamily="18" charset="0"/>
-                  </a:rPr>
-                  <a:t>0.6</a:t>
-                </a:r>
-                <a:endParaRPr lang="zh-CN" altLang="en-US" sz="900" b="1" dirty="0">
-                  <a:latin typeface="Times New Roman" panose="02020603050405020304" pitchFamily="18" charset="0"/>
-                  <a:cs typeface="Times New Roman" panose="02020603050405020304" pitchFamily="18" charset="0"/>
-                </a:endParaRPr>
-              </a:p>
-            </p:txBody>
-          </p:sp>
-          <p:sp>
-            <p:nvSpPr>
-              <p:cNvPr id="142" name="文本框 141">
-                <a:extLst>
-                  <a:ext uri="{FF2B5EF4-FFF2-40B4-BE49-F238E27FC236}">
-                    <a16:creationId xmlns:a16="http://schemas.microsoft.com/office/drawing/2014/main" id="{ADBF5F1F-0926-4A45-9E42-66B261B4F221}"/>
-                  </a:ext>
-                </a:extLst>
-              </p:cNvPr>
-              <p:cNvSpPr txBox="1"/>
-              <p:nvPr/>
-            </p:nvSpPr>
-            <p:spPr>
-              <a:xfrm>
-                <a:off x="6200036" y="950994"/>
-                <a:ext cx="418221" cy="230832"/>
-              </a:xfrm>
-              <a:prstGeom prst="rect">
-                <a:avLst/>
-              </a:prstGeom>
-              <a:noFill/>
-            </p:spPr>
-            <p:txBody>
-              <a:bodyPr wrap="square" rtlCol="0">
-                <a:spAutoFit/>
-              </a:bodyPr>
-              <a:lstStyle/>
-              <a:p>
-                <a:r>
-                  <a:rPr lang="en-US" altLang="zh-CN" sz="900" b="1" dirty="0">
-                    <a:latin typeface="Times New Roman" panose="02020603050405020304" pitchFamily="18" charset="0"/>
-                    <a:cs typeface="Times New Roman" panose="02020603050405020304" pitchFamily="18" charset="0"/>
-                  </a:rPr>
-                  <a:t>0.8</a:t>
-                </a:r>
-                <a:endParaRPr lang="zh-CN" altLang="en-US" sz="900" b="1" dirty="0">
-                  <a:latin typeface="Times New Roman" panose="02020603050405020304" pitchFamily="18" charset="0"/>
-                  <a:cs typeface="Times New Roman" panose="02020603050405020304" pitchFamily="18" charset="0"/>
-                </a:endParaRPr>
-              </a:p>
-            </p:txBody>
-          </p:sp>
+            </p:grpSpPr>
+            <p:sp>
+              <p:nvSpPr>
+                <p:cNvPr id="144" name="文本框 143">
+                  <a:extLst>
+                    <a:ext uri="{FF2B5EF4-FFF2-40B4-BE49-F238E27FC236}">
+                      <a16:creationId xmlns:a16="http://schemas.microsoft.com/office/drawing/2014/main" id="{46A4C647-73B7-4377-9137-0F5B6272AE6D}"/>
+                    </a:ext>
+                  </a:extLst>
+                </p:cNvPr>
+                <p:cNvSpPr txBox="1"/>
+                <p:nvPr/>
+              </p:nvSpPr>
+              <p:spPr>
+                <a:xfrm>
+                  <a:off x="285774" y="2664664"/>
+                  <a:ext cx="245174" cy="230832"/>
+                </a:xfrm>
+                <a:prstGeom prst="rect">
+                  <a:avLst/>
+                </a:prstGeom>
+                <a:noFill/>
+              </p:spPr>
+              <p:txBody>
+                <a:bodyPr wrap="square" rtlCol="0">
+                  <a:spAutoFit/>
+                </a:bodyPr>
+                <a:lstStyle/>
+                <a:p>
+                  <a:r>
+                    <a:rPr lang="en-US" altLang="zh-CN" sz="900" b="1" dirty="0">
+                      <a:latin typeface="Times New Roman" panose="02020603050405020304" pitchFamily="18" charset="0"/>
+                      <a:cs typeface="Times New Roman" panose="02020603050405020304" pitchFamily="18" charset="0"/>
+                    </a:rPr>
+                    <a:t>5</a:t>
+                  </a:r>
+                  <a:endParaRPr lang="zh-CN" altLang="en-US" sz="900" b="1" dirty="0">
+                    <a:latin typeface="Times New Roman" panose="02020603050405020304" pitchFamily="18" charset="0"/>
+                    <a:cs typeface="Times New Roman" panose="02020603050405020304" pitchFamily="18" charset="0"/>
+                  </a:endParaRPr>
+                </a:p>
+              </p:txBody>
+            </p:sp>
+            <p:sp>
+              <p:nvSpPr>
+                <p:cNvPr id="145" name="文本框 144">
+                  <a:extLst>
+                    <a:ext uri="{FF2B5EF4-FFF2-40B4-BE49-F238E27FC236}">
+                      <a16:creationId xmlns:a16="http://schemas.microsoft.com/office/drawing/2014/main" id="{EDBA23DE-8C8D-4300-B2FF-9A5EFD946B86}"/>
+                    </a:ext>
+                  </a:extLst>
+                </p:cNvPr>
+                <p:cNvSpPr txBox="1"/>
+                <p:nvPr/>
+              </p:nvSpPr>
+              <p:spPr>
+                <a:xfrm>
+                  <a:off x="245993" y="2235688"/>
+                  <a:ext cx="324736" cy="230832"/>
+                </a:xfrm>
+                <a:prstGeom prst="rect">
+                  <a:avLst/>
+                </a:prstGeom>
+                <a:noFill/>
+              </p:spPr>
+              <p:txBody>
+                <a:bodyPr wrap="square" rtlCol="0">
+                  <a:spAutoFit/>
+                </a:bodyPr>
+                <a:lstStyle/>
+                <a:p>
+                  <a:r>
+                    <a:rPr lang="en-US" altLang="zh-CN" sz="900" b="1" dirty="0">
+                      <a:latin typeface="Times New Roman" panose="02020603050405020304" pitchFamily="18" charset="0"/>
+                      <a:cs typeface="Times New Roman" panose="02020603050405020304" pitchFamily="18" charset="0"/>
+                    </a:rPr>
+                    <a:t>10</a:t>
+                  </a:r>
+                  <a:endParaRPr lang="zh-CN" altLang="en-US" sz="900" b="1" dirty="0">
+                    <a:latin typeface="Times New Roman" panose="02020603050405020304" pitchFamily="18" charset="0"/>
+                    <a:cs typeface="Times New Roman" panose="02020603050405020304" pitchFamily="18" charset="0"/>
+                  </a:endParaRPr>
+                </a:p>
+              </p:txBody>
+            </p:sp>
+            <p:sp>
+              <p:nvSpPr>
+                <p:cNvPr id="146" name="文本框 145">
+                  <a:extLst>
+                    <a:ext uri="{FF2B5EF4-FFF2-40B4-BE49-F238E27FC236}">
+                      <a16:creationId xmlns:a16="http://schemas.microsoft.com/office/drawing/2014/main" id="{9BDCC965-98BB-4D6A-B36C-0E0C35FB1A02}"/>
+                    </a:ext>
+                  </a:extLst>
+                </p:cNvPr>
+                <p:cNvSpPr txBox="1"/>
+                <p:nvPr/>
+              </p:nvSpPr>
+              <p:spPr>
+                <a:xfrm>
+                  <a:off x="245993" y="1806712"/>
+                  <a:ext cx="324736" cy="230832"/>
+                </a:xfrm>
+                <a:prstGeom prst="rect">
+                  <a:avLst/>
+                </a:prstGeom>
+                <a:noFill/>
+              </p:spPr>
+              <p:txBody>
+                <a:bodyPr wrap="square" rtlCol="0">
+                  <a:spAutoFit/>
+                </a:bodyPr>
+                <a:lstStyle/>
+                <a:p>
+                  <a:r>
+                    <a:rPr lang="en-US" altLang="zh-CN" sz="900" b="1" dirty="0">
+                      <a:latin typeface="Times New Roman" panose="02020603050405020304" pitchFamily="18" charset="0"/>
+                      <a:cs typeface="Times New Roman" panose="02020603050405020304" pitchFamily="18" charset="0"/>
+                    </a:rPr>
+                    <a:t>15</a:t>
+                  </a:r>
+                  <a:endParaRPr lang="zh-CN" altLang="en-US" sz="900" b="1" dirty="0">
+                    <a:latin typeface="Times New Roman" panose="02020603050405020304" pitchFamily="18" charset="0"/>
+                    <a:cs typeface="Times New Roman" panose="02020603050405020304" pitchFamily="18" charset="0"/>
+                  </a:endParaRPr>
+                </a:p>
+              </p:txBody>
+            </p:sp>
+            <p:sp>
+              <p:nvSpPr>
+                <p:cNvPr id="147" name="文本框 146">
+                  <a:extLst>
+                    <a:ext uri="{FF2B5EF4-FFF2-40B4-BE49-F238E27FC236}">
+                      <a16:creationId xmlns:a16="http://schemas.microsoft.com/office/drawing/2014/main" id="{8CE1518C-0A64-4B60-A3E5-5120606B2544}"/>
+                    </a:ext>
+                  </a:extLst>
+                </p:cNvPr>
+                <p:cNvSpPr txBox="1"/>
+                <p:nvPr/>
+              </p:nvSpPr>
+              <p:spPr>
+                <a:xfrm>
+                  <a:off x="251914" y="1377737"/>
+                  <a:ext cx="312894" cy="230832"/>
+                </a:xfrm>
+                <a:prstGeom prst="rect">
+                  <a:avLst/>
+                </a:prstGeom>
+                <a:noFill/>
+              </p:spPr>
+              <p:txBody>
+                <a:bodyPr wrap="square" rtlCol="0">
+                  <a:spAutoFit/>
+                </a:bodyPr>
+                <a:lstStyle/>
+                <a:p>
+                  <a:r>
+                    <a:rPr lang="en-US" altLang="zh-CN" sz="900" b="1" dirty="0">
+                      <a:latin typeface="Times New Roman" panose="02020603050405020304" pitchFamily="18" charset="0"/>
+                      <a:cs typeface="Times New Roman" panose="02020603050405020304" pitchFamily="18" charset="0"/>
+                    </a:rPr>
+                    <a:t>20</a:t>
+                  </a:r>
+                  <a:endParaRPr lang="zh-CN" altLang="en-US" sz="900" b="1" dirty="0">
+                    <a:latin typeface="Times New Roman" panose="02020603050405020304" pitchFamily="18" charset="0"/>
+                    <a:cs typeface="Times New Roman" panose="02020603050405020304" pitchFamily="18" charset="0"/>
+                  </a:endParaRPr>
+                </a:p>
+              </p:txBody>
+            </p:sp>
+            <p:sp>
+              <p:nvSpPr>
+                <p:cNvPr id="148" name="文本框 147">
+                  <a:extLst>
+                    <a:ext uri="{FF2B5EF4-FFF2-40B4-BE49-F238E27FC236}">
+                      <a16:creationId xmlns:a16="http://schemas.microsoft.com/office/drawing/2014/main" id="{DC0723A0-6C49-4F67-B2C9-542AB78EB396}"/>
+                    </a:ext>
+                  </a:extLst>
+                </p:cNvPr>
+                <p:cNvSpPr txBox="1"/>
+                <p:nvPr/>
+              </p:nvSpPr>
+              <p:spPr>
+                <a:xfrm>
+                  <a:off x="257401" y="948762"/>
+                  <a:ext cx="301921" cy="230832"/>
+                </a:xfrm>
+                <a:prstGeom prst="rect">
+                  <a:avLst/>
+                </a:prstGeom>
+                <a:noFill/>
+              </p:spPr>
+              <p:txBody>
+                <a:bodyPr wrap="square" rtlCol="0">
+                  <a:spAutoFit/>
+                </a:bodyPr>
+                <a:lstStyle/>
+                <a:p>
+                  <a:r>
+                    <a:rPr lang="en-US" altLang="zh-CN" sz="900" b="1" dirty="0">
+                      <a:latin typeface="Times New Roman" panose="02020603050405020304" pitchFamily="18" charset="0"/>
+                      <a:cs typeface="Times New Roman" panose="02020603050405020304" pitchFamily="18" charset="0"/>
+                    </a:rPr>
+                    <a:t>25</a:t>
+                  </a:r>
+                  <a:endParaRPr lang="zh-CN" altLang="en-US" sz="900" b="1" dirty="0">
+                    <a:latin typeface="Times New Roman" panose="02020603050405020304" pitchFamily="18" charset="0"/>
+                    <a:cs typeface="Times New Roman" panose="02020603050405020304" pitchFamily="18" charset="0"/>
+                  </a:endParaRPr>
+                </a:p>
+              </p:txBody>
+            </p:sp>
+          </p:grpSp>
         </p:grpSp>
-        <p:grpSp>
-          <p:nvGrpSpPr>
-            <p:cNvPr id="143" name="组合 142">
+        <p:sp>
+          <p:nvSpPr>
+            <p:cNvPr id="149" name="文本框 148">
               <a:extLst>
                 <a:ext uri="{FF2B5EF4-FFF2-40B4-BE49-F238E27FC236}">
-                  <a16:creationId xmlns:a16="http://schemas.microsoft.com/office/drawing/2014/main" id="{210465E9-2DD4-408B-8466-DB5194F9EBAF}"/>
+                  <a16:creationId xmlns:a16="http://schemas.microsoft.com/office/drawing/2014/main" id="{CA094B25-C0F2-4302-85AE-33B9938A4ABC}"/>
                 </a:ext>
               </a:extLst>
             </p:cNvPr>
-            <p:cNvGrpSpPr/>
+            <p:cNvSpPr txBox="1"/>
             <p:nvPr/>
-          </p:nvGrpSpPr>
-          <p:grpSpPr>
+          </p:nvSpPr>
+          <p:spPr>
             <a:xfrm>
-              <a:off x="228219" y="6785930"/>
-              <a:ext cx="324736" cy="1946734"/>
-              <a:chOff x="245993" y="948762"/>
-              <a:chExt cx="324736" cy="1946734"/>
+              <a:off x="6433851" y="3332520"/>
+              <a:ext cx="412292" cy="584775"/>
             </a:xfrm>
-          </p:grpSpPr>
-          <p:sp>
-            <p:nvSpPr>
-              <p:cNvPr id="144" name="文本框 143">
-                <a:extLst>
-                  <a:ext uri="{FF2B5EF4-FFF2-40B4-BE49-F238E27FC236}">
-                    <a16:creationId xmlns:a16="http://schemas.microsoft.com/office/drawing/2014/main" id="{46A4C647-73B7-4377-9137-0F5B6272AE6D}"/>
-                  </a:ext>
-                </a:extLst>
-              </p:cNvPr>
-              <p:cNvSpPr txBox="1"/>
-              <p:nvPr/>
-            </p:nvSpPr>
-            <p:spPr>
-              <a:xfrm>
-                <a:off x="285774" y="2664664"/>
-                <a:ext cx="245174" cy="230832"/>
-              </a:xfrm>
-              <a:prstGeom prst="rect">
-                <a:avLst/>
-              </a:prstGeom>
-              <a:noFill/>
-            </p:spPr>
-            <p:txBody>
-              <a:bodyPr wrap="square" rtlCol="0">
-                <a:spAutoFit/>
-              </a:bodyPr>
-              <a:lstStyle/>
-              <a:p>
-                <a:r>
-                  <a:rPr lang="en-US" altLang="zh-CN" sz="900" b="1" dirty="0">
-                    <a:latin typeface="Times New Roman" panose="02020603050405020304" pitchFamily="18" charset="0"/>
-                    <a:cs typeface="Times New Roman" panose="02020603050405020304" pitchFamily="18" charset="0"/>
-                  </a:rPr>
-                  <a:t>5</a:t>
-                </a:r>
-                <a:endParaRPr lang="zh-CN" altLang="en-US" sz="900" b="1" dirty="0">
+            <a:prstGeom prst="rect">
+              <a:avLst/>
+            </a:prstGeom>
+            <a:noFill/>
+          </p:spPr>
+          <p:txBody>
+            <a:bodyPr wrap="none" rtlCol="0">
+              <a:spAutoFit/>
+            </a:bodyPr>
+            <a:lstStyle/>
+            <a:p>
+              <a:r>
+                <a:rPr lang="en-US" altLang="zh-CN" sz="3200" b="1" dirty="0">
                   <a:latin typeface="Times New Roman" panose="02020603050405020304" pitchFamily="18" charset="0"/>
                   <a:cs typeface="Times New Roman" panose="02020603050405020304" pitchFamily="18" charset="0"/>
-                </a:endParaRPr>
-              </a:p>
-            </p:txBody>
-          </p:sp>
-          <p:sp>
-            <p:nvSpPr>
-              <p:cNvPr id="145" name="文本框 144">
-                <a:extLst>
-                  <a:ext uri="{FF2B5EF4-FFF2-40B4-BE49-F238E27FC236}">
-                    <a16:creationId xmlns:a16="http://schemas.microsoft.com/office/drawing/2014/main" id="{EDBA23DE-8C8D-4300-B2FF-9A5EFD946B86}"/>
-                  </a:ext>
-                </a:extLst>
-              </p:cNvPr>
-              <p:cNvSpPr txBox="1"/>
-              <p:nvPr/>
-            </p:nvSpPr>
-            <p:spPr>
-              <a:xfrm>
-                <a:off x="245993" y="2235688"/>
-                <a:ext cx="324736" cy="230832"/>
-              </a:xfrm>
-              <a:prstGeom prst="rect">
-                <a:avLst/>
-              </a:prstGeom>
-              <a:noFill/>
-            </p:spPr>
-            <p:txBody>
-              <a:bodyPr wrap="square" rtlCol="0">
-                <a:spAutoFit/>
-              </a:bodyPr>
-              <a:lstStyle/>
-              <a:p>
-                <a:r>
-                  <a:rPr lang="en-US" altLang="zh-CN" sz="900" b="1" dirty="0">
-                    <a:latin typeface="Times New Roman" panose="02020603050405020304" pitchFamily="18" charset="0"/>
-                    <a:cs typeface="Times New Roman" panose="02020603050405020304" pitchFamily="18" charset="0"/>
-                  </a:rPr>
-                  <a:t>10</a:t>
-                </a:r>
-                <a:endParaRPr lang="zh-CN" altLang="en-US" sz="900" b="1" dirty="0">
+                </a:rPr>
+                <a:t>d</a:t>
+              </a:r>
+              <a:endParaRPr lang="zh-CN" altLang="en-US" sz="3200" b="1" dirty="0">
+                <a:latin typeface="Times New Roman" panose="02020603050405020304" pitchFamily="18" charset="0"/>
+                <a:cs typeface="Times New Roman" panose="02020603050405020304" pitchFamily="18" charset="0"/>
+              </a:endParaRPr>
+            </a:p>
+          </p:txBody>
+        </p:sp>
+        <p:sp>
+          <p:nvSpPr>
+            <p:cNvPr id="151" name="文本框 150">
+              <a:extLst>
+                <a:ext uri="{FF2B5EF4-FFF2-40B4-BE49-F238E27FC236}">
+                  <a16:creationId xmlns:a16="http://schemas.microsoft.com/office/drawing/2014/main" id="{E0D25FC2-15BA-447B-9BF7-251914E3257F}"/>
+                </a:ext>
+              </a:extLst>
+            </p:cNvPr>
+            <p:cNvSpPr txBox="1"/>
+            <p:nvPr/>
+          </p:nvSpPr>
+          <p:spPr>
+            <a:xfrm>
+              <a:off x="188034" y="6439616"/>
+              <a:ext cx="367408" cy="584775"/>
+            </a:xfrm>
+            <a:prstGeom prst="rect">
+              <a:avLst/>
+            </a:prstGeom>
+            <a:noFill/>
+          </p:spPr>
+          <p:txBody>
+            <a:bodyPr wrap="none" rtlCol="0">
+              <a:spAutoFit/>
+            </a:bodyPr>
+            <a:lstStyle/>
+            <a:p>
+              <a:r>
+                <a:rPr lang="en-US" altLang="zh-CN" sz="3200" b="1" dirty="0">
                   <a:latin typeface="Times New Roman" panose="02020603050405020304" pitchFamily="18" charset="0"/>
                   <a:cs typeface="Times New Roman" panose="02020603050405020304" pitchFamily="18" charset="0"/>
-                </a:endParaRPr>
-              </a:p>
-            </p:txBody>
-          </p:sp>
-          <p:sp>
-            <p:nvSpPr>
-              <p:cNvPr id="146" name="文本框 145">
-                <a:extLst>
-                  <a:ext uri="{FF2B5EF4-FFF2-40B4-BE49-F238E27FC236}">
-                    <a16:creationId xmlns:a16="http://schemas.microsoft.com/office/drawing/2014/main" id="{9BDCC965-98BB-4D6A-B36C-0E0C35FB1A02}"/>
-                  </a:ext>
-                </a:extLst>
-              </p:cNvPr>
-              <p:cNvSpPr txBox="1"/>
-              <p:nvPr/>
-            </p:nvSpPr>
-            <p:spPr>
-              <a:xfrm>
-                <a:off x="245993" y="1806712"/>
-                <a:ext cx="324736" cy="230832"/>
-              </a:xfrm>
-              <a:prstGeom prst="rect">
-                <a:avLst/>
-              </a:prstGeom>
-              <a:noFill/>
-            </p:spPr>
-            <p:txBody>
-              <a:bodyPr wrap="square" rtlCol="0">
-                <a:spAutoFit/>
-              </a:bodyPr>
-              <a:lstStyle/>
-              <a:p>
-                <a:r>
-                  <a:rPr lang="en-US" altLang="zh-CN" sz="900" b="1" dirty="0">
-                    <a:latin typeface="Times New Roman" panose="02020603050405020304" pitchFamily="18" charset="0"/>
-                    <a:cs typeface="Times New Roman" panose="02020603050405020304" pitchFamily="18" charset="0"/>
-                  </a:rPr>
-                  <a:t>15</a:t>
-                </a:r>
-                <a:endParaRPr lang="zh-CN" altLang="en-US" sz="900" b="1" dirty="0">
-                  <a:latin typeface="Times New Roman" panose="02020603050405020304" pitchFamily="18" charset="0"/>
-                  <a:cs typeface="Times New Roman" panose="02020603050405020304" pitchFamily="18" charset="0"/>
-                </a:endParaRPr>
-              </a:p>
-            </p:txBody>
-          </p:sp>
-          <p:sp>
-            <p:nvSpPr>
-              <p:cNvPr id="147" name="文本框 146">
-                <a:extLst>
-                  <a:ext uri="{FF2B5EF4-FFF2-40B4-BE49-F238E27FC236}">
-                    <a16:creationId xmlns:a16="http://schemas.microsoft.com/office/drawing/2014/main" id="{8CE1518C-0A64-4B60-A3E5-5120606B2544}"/>
-                  </a:ext>
-                </a:extLst>
-              </p:cNvPr>
-              <p:cNvSpPr txBox="1"/>
-              <p:nvPr/>
-            </p:nvSpPr>
-            <p:spPr>
-              <a:xfrm>
-                <a:off x="251914" y="1377737"/>
-                <a:ext cx="312894" cy="230832"/>
-              </a:xfrm>
-              <a:prstGeom prst="rect">
-                <a:avLst/>
-              </a:prstGeom>
-              <a:noFill/>
-            </p:spPr>
-            <p:txBody>
-              <a:bodyPr wrap="square" rtlCol="0">
-                <a:spAutoFit/>
-              </a:bodyPr>
-              <a:lstStyle/>
-              <a:p>
-                <a:r>
-                  <a:rPr lang="en-US" altLang="zh-CN" sz="900" b="1" dirty="0">
-                    <a:latin typeface="Times New Roman" panose="02020603050405020304" pitchFamily="18" charset="0"/>
-                    <a:cs typeface="Times New Roman" panose="02020603050405020304" pitchFamily="18" charset="0"/>
-                  </a:rPr>
-                  <a:t>20</a:t>
-                </a:r>
-                <a:endParaRPr lang="zh-CN" altLang="en-US" sz="900" b="1" dirty="0">
-                  <a:latin typeface="Times New Roman" panose="02020603050405020304" pitchFamily="18" charset="0"/>
-                  <a:cs typeface="Times New Roman" panose="02020603050405020304" pitchFamily="18" charset="0"/>
-                </a:endParaRPr>
-              </a:p>
-            </p:txBody>
-          </p:sp>
-          <p:sp>
-            <p:nvSpPr>
-              <p:cNvPr id="148" name="文本框 147">
-                <a:extLst>
-                  <a:ext uri="{FF2B5EF4-FFF2-40B4-BE49-F238E27FC236}">
-                    <a16:creationId xmlns:a16="http://schemas.microsoft.com/office/drawing/2014/main" id="{DC0723A0-6C49-4F67-B2C9-542AB78EB396}"/>
-                  </a:ext>
-                </a:extLst>
-              </p:cNvPr>
-              <p:cNvSpPr txBox="1"/>
-              <p:nvPr/>
-            </p:nvSpPr>
-            <p:spPr>
-              <a:xfrm>
-                <a:off x="257401" y="948762"/>
-                <a:ext cx="301921" cy="230832"/>
-              </a:xfrm>
-              <a:prstGeom prst="rect">
-                <a:avLst/>
-              </a:prstGeom>
-              <a:noFill/>
-            </p:spPr>
-            <p:txBody>
-              <a:bodyPr wrap="square" rtlCol="0">
-                <a:spAutoFit/>
-              </a:bodyPr>
-              <a:lstStyle/>
-              <a:p>
-                <a:r>
-                  <a:rPr lang="en-US" altLang="zh-CN" sz="900" b="1" dirty="0">
-                    <a:latin typeface="Times New Roman" panose="02020603050405020304" pitchFamily="18" charset="0"/>
-                    <a:cs typeface="Times New Roman" panose="02020603050405020304" pitchFamily="18" charset="0"/>
-                  </a:rPr>
-                  <a:t>25</a:t>
-                </a:r>
-                <a:endParaRPr lang="zh-CN" altLang="en-US" sz="900" b="1" dirty="0">
-                  <a:latin typeface="Times New Roman" panose="02020603050405020304" pitchFamily="18" charset="0"/>
-                  <a:cs typeface="Times New Roman" panose="02020603050405020304" pitchFamily="18" charset="0"/>
-                </a:endParaRPr>
-              </a:p>
-            </p:txBody>
-          </p:sp>
-        </p:grpSp>
+                </a:rPr>
+                <a:t>e</a:t>
+              </a:r>
+              <a:endParaRPr lang="zh-CN" altLang="en-US" sz="3200" b="1" dirty="0">
+                <a:latin typeface="Times New Roman" panose="02020603050405020304" pitchFamily="18" charset="0"/>
+                <a:cs typeface="Times New Roman" panose="02020603050405020304" pitchFamily="18" charset="0"/>
+              </a:endParaRPr>
+            </a:p>
+          </p:txBody>
+        </p:sp>
       </p:grpSp>
     </p:spTree>
     <p:custDataLst>
@@ -7563,7 +12380,7 @@
     </p:custDataLst>
     <p:extLst>
       <p:ext uri="{BB962C8B-B14F-4D97-AF65-F5344CB8AC3E}">
-        <p14:creationId xmlns:p14="http://schemas.microsoft.com/office/powerpoint/2010/main" val="3920789406"/>
+        <p14:creationId xmlns:p14="http://schemas.microsoft.com/office/powerpoint/2010/main" val="3015085480"/>
       </p:ext>
     </p:extLst>
   </p:cSld>
@@ -7573,7 +12390,7 @@
 </p:sld>
 </file>
 
-<file path=ppt/slides/slide2.xml><?xml version="1.0" encoding="utf-8"?>
+<file path=ppt/slides/slide3.xml><?xml version="1.0" encoding="utf-8"?>
 <p:sld xmlns:a="http://schemas.openxmlformats.org/drawingml/2006/main" xmlns:r="http://schemas.openxmlformats.org/officeDocument/2006/relationships" xmlns:p="http://schemas.openxmlformats.org/presentationml/2006/main">
   <p:cSld>
     <p:spTree>
@@ -7764,7 +12581,7 @@
 </p:sld>
 </file>
 
-<file path=ppt/slides/slide3.xml><?xml version="1.0" encoding="utf-8"?>
+<file path=ppt/slides/slide4.xml><?xml version="1.0" encoding="utf-8"?>
 <p:sld xmlns:a="http://schemas.openxmlformats.org/drawingml/2006/main" xmlns:r="http://schemas.openxmlformats.org/officeDocument/2006/relationships" xmlns:p="http://schemas.openxmlformats.org/presentationml/2006/main">
   <p:cSld>
     <p:spTree>
@@ -7810,6 +12627,12 @@
 </file>
 
 <file path=ppt/tags/tag3.xml><?xml version="1.0" encoding="utf-8"?>
+<p:tagLst xmlns:a="http://schemas.openxmlformats.org/drawingml/2006/main" xmlns:r="http://schemas.openxmlformats.org/officeDocument/2006/relationships" xmlns:p="http://schemas.openxmlformats.org/presentationml/2006/main">
+  <p:tag name="ISLIDE.SMARTDIAGRAM" val="#635394;"/>
+</p:tagLst>
+</file>
+
+<file path=ppt/tags/tag4.xml><?xml version="1.0" encoding="utf-8"?>
 <p:tagLst xmlns:a="http://schemas.openxmlformats.org/drawingml/2006/main" xmlns:r="http://schemas.openxmlformats.org/officeDocument/2006/relationships" xmlns:p="http://schemas.openxmlformats.org/presentationml/2006/main">
   <p:tag name="ISLIDE.SMARTDIAGRAM" val="#635394;"/>
 </p:tagLst>
